--- a/Conference/2603_Moonshot/2_background.pptx
+++ b/Conference/2603_Moonshot/2_background.pptx
@@ -107,7 +107,7 @@
   <p:extLst>
     <p:ext uri="{EFAFB233-063F-42B5-8137-9DF3F51BA10A}">
       <p15:sldGuideLst xmlns:p15="http://schemas.microsoft.com/office/powerpoint/2012/main">
-        <p15:guide id="1" orient="horz" pos="3494" userDrawn="1">
+        <p15:guide id="1" orient="horz" pos="3471" userDrawn="1">
           <p15:clr>
             <a:srgbClr val="A4A3A4"/>
           </p15:clr>
@@ -254,7 +254,7 @@
           <a:p>
             <a:fld id="{F602A9BB-8336-1F4C-AA8D-E45E345636B3}" type="datetimeFigureOut">
               <a:rPr kumimoji="1" lang="ja-JP" altLang="en-US" smtClean="0"/>
-              <a:t>2026/1/20</a:t>
+              <a:t>2026/2/4</a:t>
             </a:fld>
             <a:endParaRPr kumimoji="1" lang="ja-JP" altLang="en-US"/>
           </a:p>
@@ -456,7 +456,7 @@
           <a:p>
             <a:fld id="{F602A9BB-8336-1F4C-AA8D-E45E345636B3}" type="datetimeFigureOut">
               <a:rPr kumimoji="1" lang="ja-JP" altLang="en-US" smtClean="0"/>
-              <a:t>2026/1/20</a:t>
+              <a:t>2026/2/4</a:t>
             </a:fld>
             <a:endParaRPr kumimoji="1" lang="ja-JP" altLang="en-US"/>
           </a:p>
@@ -668,7 +668,7 @@
           <a:p>
             <a:fld id="{F602A9BB-8336-1F4C-AA8D-E45E345636B3}" type="datetimeFigureOut">
               <a:rPr kumimoji="1" lang="ja-JP" altLang="en-US" smtClean="0"/>
-              <a:t>2026/1/20</a:t>
+              <a:t>2026/2/4</a:t>
             </a:fld>
             <a:endParaRPr kumimoji="1" lang="ja-JP" altLang="en-US"/>
           </a:p>
@@ -870,7 +870,7 @@
           <a:p>
             <a:fld id="{F602A9BB-8336-1F4C-AA8D-E45E345636B3}" type="datetimeFigureOut">
               <a:rPr kumimoji="1" lang="ja-JP" altLang="en-US" smtClean="0"/>
-              <a:t>2026/1/20</a:t>
+              <a:t>2026/2/4</a:t>
             </a:fld>
             <a:endParaRPr kumimoji="1" lang="ja-JP" altLang="en-US"/>
           </a:p>
@@ -1114,7 +1114,7 @@
           <a:p>
             <a:fld id="{F602A9BB-8336-1F4C-AA8D-E45E345636B3}" type="datetimeFigureOut">
               <a:rPr kumimoji="1" lang="ja-JP" altLang="en-US" smtClean="0"/>
-              <a:t>2026/1/20</a:t>
+              <a:t>2026/2/4</a:t>
             </a:fld>
             <a:endParaRPr kumimoji="1" lang="ja-JP" altLang="en-US"/>
           </a:p>
@@ -1410,7 +1410,7 @@
           <a:p>
             <a:fld id="{F602A9BB-8336-1F4C-AA8D-E45E345636B3}" type="datetimeFigureOut">
               <a:rPr kumimoji="1" lang="ja-JP" altLang="en-US" smtClean="0"/>
-              <a:t>2026/1/20</a:t>
+              <a:t>2026/2/4</a:t>
             </a:fld>
             <a:endParaRPr kumimoji="1" lang="ja-JP" altLang="en-US"/>
           </a:p>
@@ -1841,7 +1841,7 @@
           <a:p>
             <a:fld id="{F602A9BB-8336-1F4C-AA8D-E45E345636B3}" type="datetimeFigureOut">
               <a:rPr kumimoji="1" lang="ja-JP" altLang="en-US" smtClean="0"/>
-              <a:t>2026/1/20</a:t>
+              <a:t>2026/2/4</a:t>
             </a:fld>
             <a:endParaRPr kumimoji="1" lang="ja-JP" altLang="en-US"/>
           </a:p>
@@ -1959,7 +1959,7 @@
           <a:p>
             <a:fld id="{F602A9BB-8336-1F4C-AA8D-E45E345636B3}" type="datetimeFigureOut">
               <a:rPr kumimoji="1" lang="ja-JP" altLang="en-US" smtClean="0"/>
-              <a:t>2026/1/20</a:t>
+              <a:t>2026/2/4</a:t>
             </a:fld>
             <a:endParaRPr kumimoji="1" lang="ja-JP" altLang="en-US"/>
           </a:p>
@@ -2054,7 +2054,7 @@
           <a:p>
             <a:fld id="{F602A9BB-8336-1F4C-AA8D-E45E345636B3}" type="datetimeFigureOut">
               <a:rPr kumimoji="1" lang="ja-JP" altLang="en-US" smtClean="0"/>
-              <a:t>2026/1/20</a:t>
+              <a:t>2026/2/4</a:t>
             </a:fld>
             <a:endParaRPr kumimoji="1" lang="ja-JP" altLang="en-US"/>
           </a:p>
@@ -2363,7 +2363,7 @@
           <a:p>
             <a:fld id="{F602A9BB-8336-1F4C-AA8D-E45E345636B3}" type="datetimeFigureOut">
               <a:rPr kumimoji="1" lang="ja-JP" altLang="en-US" smtClean="0"/>
-              <a:t>2026/1/20</a:t>
+              <a:t>2026/2/4</a:t>
             </a:fld>
             <a:endParaRPr kumimoji="1" lang="ja-JP" altLang="en-US"/>
           </a:p>
@@ -2620,7 +2620,7 @@
           <a:p>
             <a:fld id="{F602A9BB-8336-1F4C-AA8D-E45E345636B3}" type="datetimeFigureOut">
               <a:rPr kumimoji="1" lang="ja-JP" altLang="en-US" smtClean="0"/>
-              <a:t>2026/1/20</a:t>
+              <a:t>2026/2/4</a:t>
             </a:fld>
             <a:endParaRPr kumimoji="1" lang="ja-JP" altLang="en-US"/>
           </a:p>
@@ -2865,7 +2865,7 @@
           <a:p>
             <a:fld id="{F602A9BB-8336-1F4C-AA8D-E45E345636B3}" type="datetimeFigureOut">
               <a:rPr kumimoji="1" lang="ja-JP" altLang="en-US" smtClean="0"/>
-              <a:t>2026/1/20</a:t>
+              <a:t>2026/2/4</a:t>
             </a:fld>
             <a:endParaRPr kumimoji="1" lang="ja-JP" altLang="en-US"/>
           </a:p>
@@ -3284,8 +3284,8 @@
         </p:nvSpPr>
         <p:spPr>
           <a:xfrm>
-            <a:off x="-1" y="793"/>
-            <a:ext cx="13506450" cy="11091863"/>
+            <a:off x="0" y="921184"/>
+            <a:ext cx="13506450" cy="10171519"/>
           </a:xfrm>
           <a:prstGeom prst="rect">
             <a:avLst/>
@@ -3293,9 +3293,9 @@
           <a:solidFill>
             <a:schemeClr val="bg1"/>
           </a:solidFill>
-          <a:ln w="38100">
+          <a:ln w="76200">
             <a:solidFill>
-              <a:schemeClr val="tx1"/>
+              <a:srgbClr val="002060"/>
             </a:solidFill>
           </a:ln>
         </p:spPr>
@@ -3320,59 +3320,11 @@
           <a:lstStyle/>
           <a:p>
             <a:pPr algn="ctr"/>
-            <a:endParaRPr kumimoji="1" lang="ja-JP" altLang="en-US"/>
-          </a:p>
-        </p:txBody>
-      </p:sp>
-      <p:sp>
-        <p:nvSpPr>
-          <p:cNvPr id="5" name="正方形/長方形 4">
-            <a:extLst>
-              <a:ext uri="{FF2B5EF4-FFF2-40B4-BE49-F238E27FC236}">
-                <a16:creationId xmlns:a16="http://schemas.microsoft.com/office/drawing/2014/main" id="{9822BFE0-5368-A0E5-CD70-2BF6856F521D}"/>
-              </a:ext>
-            </a:extLst>
-          </p:cNvPr>
-          <p:cNvSpPr/>
-          <p:nvPr/>
-        </p:nvSpPr>
-        <p:spPr>
-          <a:xfrm>
-            <a:off x="0" y="-1"/>
-            <a:ext cx="13506449" cy="1926771"/>
-          </a:xfrm>
-          <a:prstGeom prst="rect">
-            <a:avLst/>
-          </a:prstGeom>
-          <a:solidFill>
-            <a:schemeClr val="tx1"/>
-          </a:solidFill>
-          <a:ln>
-            <a:noFill/>
-          </a:ln>
-        </p:spPr>
-        <p:style>
-          <a:lnRef idx="2">
-            <a:schemeClr val="accent1">
-              <a:shade val="15000"/>
-            </a:schemeClr>
-          </a:lnRef>
-          <a:fillRef idx="1">
-            <a:schemeClr val="accent1"/>
-          </a:fillRef>
-          <a:effectRef idx="0">
-            <a:schemeClr val="accent1"/>
-          </a:effectRef>
-          <a:fontRef idx="minor">
-            <a:schemeClr val="lt1"/>
-          </a:fontRef>
-        </p:style>
-        <p:txBody>
-          <a:bodyPr rtlCol="0" anchor="ctr"/>
-          <a:lstStyle/>
-          <a:p>
-            <a:pPr algn="ctr"/>
-            <a:endParaRPr kumimoji="1" lang="ja-JP" altLang="en-US"/>
+            <a:endParaRPr kumimoji="1" lang="ja-JP" altLang="en-US" b="1">
+              <a:latin typeface="Times New Roman" panose="02020603050405020304" pitchFamily="18" charset="0"/>
+              <a:ea typeface="YUKYOKASHO MEDIUM" panose="02000500000000000000" pitchFamily="2" charset="-128"/>
+              <a:cs typeface="Times New Roman" panose="02020603050405020304" pitchFamily="18" charset="0"/>
+            </a:endParaRPr>
           </a:p>
         </p:txBody>
       </p:sp>
@@ -3391,12 +3343,14 @@
         <p:spPr>
           <a:xfrm>
             <a:off x="473529" y="409386"/>
-            <a:ext cx="13506448" cy="1107996"/>
+            <a:ext cx="11362871" cy="1015663"/>
           </a:xfrm>
           <a:prstGeom prst="rect">
             <a:avLst/>
           </a:prstGeom>
-          <a:noFill/>
+          <a:solidFill>
+            <a:schemeClr val="bg1"/>
+          </a:solidFill>
         </p:spPr>
         <p:txBody>
           <a:bodyPr wrap="square" rtlCol="0">
@@ -3405,33 +3359,49 @@
           <a:lstStyle/>
           <a:p>
             <a:r>
-              <a:rPr kumimoji="1" lang="en-US" altLang="ja-JP" sz="6600" dirty="0">
+              <a:rPr kumimoji="1" lang="en-US" altLang="ja-JP" sz="6000" dirty="0">
                 <a:solidFill>
-                  <a:schemeClr val="bg1"/>
+                  <a:srgbClr val="002060"/>
                 </a:solidFill>
                 <a:latin typeface="Times New Roman" panose="02020603050405020304" pitchFamily="18" charset="0"/>
+                <a:ea typeface="YuKyokasho Medium" panose="02000500000000000000" pitchFamily="2" charset="-128"/>
                 <a:cs typeface="Times New Roman" panose="02020603050405020304" pitchFamily="18" charset="0"/>
               </a:rPr>
-              <a:t>2. Intro: Multi-product formula </a:t>
-            </a:r>
-            <a:r>
-              <a:rPr kumimoji="1" lang="en-US" altLang="ja-JP" sz="5400" dirty="0">
+              <a:t>2. </a:t>
+            </a:r>
+            <a:r>
+              <a:rPr kumimoji="1" lang="ja-JP" altLang="en-US" sz="6000">
                 <a:solidFill>
-                  <a:schemeClr val="bg1"/>
+                  <a:srgbClr val="002060"/>
                 </a:solidFill>
                 <a:latin typeface="Times New Roman" panose="02020603050405020304" pitchFamily="18" charset="0"/>
+                <a:ea typeface="YuKyokasho Medium" panose="02000500000000000000" pitchFamily="2" charset="-128"/>
                 <a:cs typeface="Times New Roman" panose="02020603050405020304" pitchFamily="18" charset="0"/>
               </a:rPr>
-              <a:t>(MPF)</a:t>
-            </a:r>
-            <a:endParaRPr kumimoji="1" lang="ja-JP" altLang="en-US" sz="6600">
-              <a:solidFill>
-                <a:schemeClr val="bg1"/>
-              </a:solidFill>
-              <a:latin typeface="YuKyokasho Medium" panose="02000500000000000000" pitchFamily="2" charset="-128"/>
-              <a:ea typeface="YuKyokasho Medium" panose="02000500000000000000" pitchFamily="2" charset="-128"/>
-              <a:cs typeface="Times New Roman" panose="02020603050405020304" pitchFamily="18" charset="0"/>
-            </a:endParaRPr>
+              <a:t>導入</a:t>
+            </a:r>
+            <a:r>
+              <a:rPr kumimoji="1" lang="en-US" altLang="ja-JP" sz="6000" dirty="0">
+                <a:solidFill>
+                  <a:srgbClr val="002060"/>
+                </a:solidFill>
+                <a:latin typeface="Times New Roman" panose="02020603050405020304" pitchFamily="18" charset="0"/>
+                <a:ea typeface="YuKyokasho Medium" panose="02000500000000000000" pitchFamily="2" charset="-128"/>
+                <a:cs typeface="Times New Roman" panose="02020603050405020304" pitchFamily="18" charset="0"/>
+              </a:rPr>
+              <a:t>: </a:t>
+            </a:r>
+            <a:r>
+              <a:rPr kumimoji="1" lang="ja-JP" altLang="en-US" sz="6000">
+                <a:solidFill>
+                  <a:srgbClr val="002060"/>
+                </a:solidFill>
+                <a:latin typeface="Times New Roman" panose="02020603050405020304" pitchFamily="18" charset="0"/>
+                <a:ea typeface="YuKyokasho Medium" panose="02000500000000000000" pitchFamily="2" charset="-128"/>
+                <a:cs typeface="Times New Roman" panose="02020603050405020304" pitchFamily="18" charset="0"/>
+              </a:rPr>
+              <a:t>様々な量子アルゴリズム</a:t>
+            </a:r>
           </a:p>
         </p:txBody>
       </p:sp>
@@ -3440,7 +3410,7 @@
           <p:cNvPr id="2" name="テキスト ボックス 1">
             <a:extLst>
               <a:ext uri="{FF2B5EF4-FFF2-40B4-BE49-F238E27FC236}">
-                <a16:creationId xmlns:a16="http://schemas.microsoft.com/office/drawing/2014/main" id="{E35CEAD6-AC26-2735-5ECD-C70DFB97A3E8}"/>
+                <a16:creationId xmlns:a16="http://schemas.microsoft.com/office/drawing/2014/main" id="{457632F1-BC98-F470-4FDD-C38518D811C3}"/>
               </a:ext>
             </a:extLst>
           </p:cNvPr>
@@ -3449,8 +3419,8 @@
         </p:nvSpPr>
         <p:spPr>
           <a:xfrm>
-            <a:off x="227030" y="2116701"/>
-            <a:ext cx="5775940" cy="646331"/>
+            <a:off x="310718" y="1774492"/>
+            <a:ext cx="2744662" cy="584775"/>
           </a:xfrm>
           <a:prstGeom prst="rect">
             <a:avLst/>
@@ -3468,7 +3438,7 @@
           <a:lstStyle/>
           <a:p>
             <a:r>
-              <a:rPr kumimoji="1" lang="ja-JP" altLang="en-US" sz="3600">
+              <a:rPr kumimoji="1" lang="ja-JP" altLang="en-US" sz="3200">
                 <a:latin typeface="Times New Roman" panose="02020603050405020304" pitchFamily="18" charset="0"/>
                 <a:ea typeface="YuKyokasho Medium" panose="02000500000000000000" pitchFamily="2" charset="-128"/>
                 <a:cs typeface="Times New Roman" panose="02020603050405020304" pitchFamily="18" charset="0"/>
@@ -3476,14 +3446,105 @@
               <a:t>■</a:t>
             </a:r>
             <a:r>
-              <a:rPr kumimoji="1" lang="en-US" altLang="ja-JP" sz="3600" dirty="0">
+              <a:rPr kumimoji="1" lang="en-US" altLang="ja-JP" sz="3200" dirty="0">
                 <a:latin typeface="Times New Roman" panose="02020603050405020304" pitchFamily="18" charset="0"/>
                 <a:ea typeface="YuKyokasho Medium" panose="02000500000000000000" pitchFamily="2" charset="-128"/>
                 <a:cs typeface="Times New Roman" panose="02020603050405020304" pitchFamily="18" charset="0"/>
               </a:rPr>
-              <a:t> Cost of existing algorithms</a:t>
-            </a:r>
-            <a:endParaRPr kumimoji="1" lang="ja-JP" altLang="en-US" sz="3600">
+              <a:t> Trotter </a:t>
+            </a:r>
+            <a:r>
+              <a:rPr kumimoji="1" lang="ja-JP" altLang="en-US" sz="3200">
+                <a:latin typeface="Times New Roman" panose="02020603050405020304" pitchFamily="18" charset="0"/>
+                <a:ea typeface="YuKyokasho Medium" panose="02000500000000000000" pitchFamily="2" charset="-128"/>
+                <a:cs typeface="Times New Roman" panose="02020603050405020304" pitchFamily="18" charset="0"/>
+              </a:rPr>
+              <a:t>分解</a:t>
+            </a:r>
+          </a:p>
+        </p:txBody>
+      </p:sp>
+      <p:sp>
+        <p:nvSpPr>
+          <p:cNvPr id="5" name="テキスト ボックス 4">
+            <a:extLst>
+              <a:ext uri="{FF2B5EF4-FFF2-40B4-BE49-F238E27FC236}">
+                <a16:creationId xmlns:a16="http://schemas.microsoft.com/office/drawing/2014/main" id="{BB200B01-8A6C-AFC4-A5E1-D49962FE3793}"/>
+              </a:ext>
+            </a:extLst>
+          </p:cNvPr>
+          <p:cNvSpPr txBox="1"/>
+          <p:nvPr/>
+        </p:nvSpPr>
+        <p:spPr>
+          <a:xfrm>
+            <a:off x="310718" y="6631503"/>
+            <a:ext cx="9608721" cy="584775"/>
+          </a:xfrm>
+          <a:prstGeom prst="rect">
+            <a:avLst/>
+          </a:prstGeom>
+          <a:solidFill>
+            <a:schemeClr val="bg1">
+              <a:lumMod val="95000"/>
+            </a:schemeClr>
+          </a:solidFill>
+        </p:spPr>
+        <p:txBody>
+          <a:bodyPr wrap="none" rtlCol="0">
+            <a:spAutoFit/>
+          </a:bodyPr>
+          <a:lstStyle/>
+          <a:p>
+            <a:r>
+              <a:rPr kumimoji="1" lang="ja-JP" altLang="en-US" sz="3200">
+                <a:latin typeface="Times New Roman" panose="02020603050405020304" pitchFamily="18" charset="0"/>
+                <a:ea typeface="YuKyokasho Medium" panose="02000500000000000000" pitchFamily="2" charset="-128"/>
+                <a:cs typeface="Times New Roman" panose="02020603050405020304" pitchFamily="18" charset="0"/>
+              </a:rPr>
+              <a:t>■</a:t>
+            </a:r>
+            <a:r>
+              <a:rPr kumimoji="1" lang="en-US" altLang="ja-JP" sz="3200" dirty="0">
+                <a:latin typeface="Times New Roman" panose="02020603050405020304" pitchFamily="18" charset="0"/>
+                <a:ea typeface="YuKyokasho Medium" panose="02000500000000000000" pitchFamily="2" charset="-128"/>
+                <a:cs typeface="Times New Roman" panose="02020603050405020304" pitchFamily="18" charset="0"/>
+              </a:rPr>
+              <a:t> </a:t>
+            </a:r>
+            <a:r>
+              <a:rPr kumimoji="1" lang="ja-JP" altLang="en-US" sz="3200">
+                <a:latin typeface="Times New Roman" panose="02020603050405020304" pitchFamily="18" charset="0"/>
+                <a:ea typeface="YuKyokasho Medium" panose="02000500000000000000" pitchFamily="2" charset="-128"/>
+                <a:cs typeface="Times New Roman" panose="02020603050405020304" pitchFamily="18" charset="0"/>
+              </a:rPr>
+              <a:t>ユニタリ線形結合</a:t>
+            </a:r>
+            <a:r>
+              <a:rPr kumimoji="1" lang="en-US" altLang="ja-JP" sz="3200" dirty="0">
+                <a:latin typeface="Times New Roman" panose="02020603050405020304" pitchFamily="18" charset="0"/>
+                <a:ea typeface="YuKyokasho Medium" panose="02000500000000000000" pitchFamily="2" charset="-128"/>
+                <a:cs typeface="Times New Roman" panose="02020603050405020304" pitchFamily="18" charset="0"/>
+              </a:rPr>
+              <a:t>(LCU) / </a:t>
+            </a:r>
+            <a:r>
+              <a:rPr kumimoji="1" lang="ja-JP" altLang="en-US" sz="3200">
+                <a:latin typeface="Times New Roman" panose="02020603050405020304" pitchFamily="18" charset="0"/>
+                <a:ea typeface="YuKyokasho Medium" panose="02000500000000000000" pitchFamily="2" charset="-128"/>
+                <a:cs typeface="Times New Roman" panose="02020603050405020304" pitchFamily="18" charset="0"/>
+              </a:rPr>
+              <a:t>量子特異値変換</a:t>
+            </a:r>
+            <a:r>
+              <a:rPr kumimoji="1" lang="en-US" altLang="ja-JP" sz="3200" dirty="0">
+                <a:latin typeface="Times New Roman" panose="02020603050405020304" pitchFamily="18" charset="0"/>
+                <a:ea typeface="YuKyokasho Medium" panose="02000500000000000000" pitchFamily="2" charset="-128"/>
+                <a:cs typeface="Times New Roman" panose="02020603050405020304" pitchFamily="18" charset="0"/>
+              </a:rPr>
+              <a:t>(QSVT)</a:t>
+            </a:r>
+            <a:endParaRPr kumimoji="1" lang="ja-JP" altLang="en-US" sz="3200">
               <a:latin typeface="Times New Roman" panose="02020603050405020304" pitchFamily="18" charset="0"/>
               <a:ea typeface="YuKyokasho Medium" panose="02000500000000000000" pitchFamily="2" charset="-128"/>
               <a:cs typeface="Times New Roman" panose="02020603050405020304" pitchFamily="18" charset="0"/>
@@ -3491,14 +3552,473 @@
           </a:p>
         </p:txBody>
       </p:sp>
-      <mc:AlternateContent xmlns:mc="http://schemas.openxmlformats.org/markup-compatibility/2006" xmlns:a14="http://schemas.microsoft.com/office/drawing/2010/main">
-        <mc:Choice Requires="a14">
+      <p:sp>
+        <p:nvSpPr>
+          <p:cNvPr id="13" name="テキスト ボックス 12">
+            <a:extLst>
+              <a:ext uri="{FF2B5EF4-FFF2-40B4-BE49-F238E27FC236}">
+                <a16:creationId xmlns:a16="http://schemas.microsoft.com/office/drawing/2014/main" id="{E0A1C955-02AB-9DD2-AA20-F1C1176BE254}"/>
+              </a:ext>
+            </a:extLst>
+          </p:cNvPr>
+          <p:cNvSpPr txBox="1"/>
+          <p:nvPr/>
+        </p:nvSpPr>
+        <p:spPr>
+          <a:xfrm>
+            <a:off x="3232178" y="1976500"/>
+            <a:ext cx="3521047" cy="369332"/>
+          </a:xfrm>
+          <a:prstGeom prst="rect">
+            <a:avLst/>
+          </a:prstGeom>
+          <a:noFill/>
+        </p:spPr>
+        <p:txBody>
+          <a:bodyPr wrap="square">
+            <a:spAutoFit/>
+          </a:bodyPr>
+          <a:lstStyle/>
+          <a:p>
+            <a:r>
+              <a:rPr lang="en-US" altLang="ja-JP" dirty="0">
+                <a:solidFill>
+                  <a:srgbClr val="002060"/>
+                </a:solidFill>
+                <a:latin typeface="Times New Roman" panose="02020603050405020304" pitchFamily="18" charset="0"/>
+                <a:cs typeface="Times New Roman" panose="02020603050405020304" pitchFamily="18" charset="0"/>
+              </a:rPr>
+              <a:t>S. Lloyd, Science 273, 1073 (1996)</a:t>
+            </a:r>
+            <a:endParaRPr lang="ja-JP" altLang="en-US">
+              <a:solidFill>
+                <a:srgbClr val="002060"/>
+              </a:solidFill>
+              <a:latin typeface="Times New Roman" panose="02020603050405020304" pitchFamily="18" charset="0"/>
+              <a:cs typeface="Times New Roman" panose="02020603050405020304" pitchFamily="18" charset="0"/>
+            </a:endParaRPr>
+          </a:p>
+        </p:txBody>
+      </p:sp>
+      <p:sp>
+        <p:nvSpPr>
+          <p:cNvPr id="14" name="テキスト ボックス 13">
+            <a:extLst>
+              <a:ext uri="{FF2B5EF4-FFF2-40B4-BE49-F238E27FC236}">
+                <a16:creationId xmlns:a16="http://schemas.microsoft.com/office/drawing/2014/main" id="{90553A46-A64A-F286-3987-85C612AA392A}"/>
+              </a:ext>
+            </a:extLst>
+          </p:cNvPr>
+          <p:cNvSpPr txBox="1"/>
+          <p:nvPr/>
+        </p:nvSpPr>
+        <p:spPr>
+          <a:xfrm>
+            <a:off x="10141129" y="6963681"/>
+            <a:ext cx="3143631" cy="369332"/>
+          </a:xfrm>
+          <a:prstGeom prst="rect">
+            <a:avLst/>
+          </a:prstGeom>
+          <a:noFill/>
+        </p:spPr>
+        <p:txBody>
+          <a:bodyPr wrap="square">
+            <a:spAutoFit/>
+          </a:bodyPr>
+          <a:lstStyle/>
+          <a:p>
+            <a:r>
+              <a:rPr lang="en-US" altLang="ja-JP" dirty="0">
+                <a:solidFill>
+                  <a:srgbClr val="002060"/>
+                </a:solidFill>
+                <a:latin typeface="Times New Roman" panose="02020603050405020304" pitchFamily="18" charset="0"/>
+                <a:cs typeface="Times New Roman" panose="02020603050405020304" pitchFamily="18" charset="0"/>
+              </a:rPr>
+              <a:t>A. </a:t>
+            </a:r>
+            <a:r>
+              <a:rPr lang="en-US" altLang="ja-JP" dirty="0" err="1">
+                <a:solidFill>
+                  <a:srgbClr val="002060"/>
+                </a:solidFill>
+                <a:latin typeface="Times New Roman" panose="02020603050405020304" pitchFamily="18" charset="0"/>
+                <a:cs typeface="Times New Roman" panose="02020603050405020304" pitchFamily="18" charset="0"/>
+              </a:rPr>
+              <a:t>Gilyen</a:t>
+            </a:r>
+            <a:r>
+              <a:rPr lang="en-US" altLang="ja-JP" dirty="0">
+                <a:solidFill>
+                  <a:srgbClr val="002060"/>
+                </a:solidFill>
+                <a:latin typeface="Times New Roman" panose="02020603050405020304" pitchFamily="18" charset="0"/>
+                <a:cs typeface="Times New Roman" panose="02020603050405020304" pitchFamily="18" charset="0"/>
+              </a:rPr>
+              <a:t>, et al., STOC (2019)</a:t>
+            </a:r>
+            <a:endParaRPr lang="ja-JP" altLang="en-US">
+              <a:solidFill>
+                <a:srgbClr val="002060"/>
+              </a:solidFill>
+              <a:latin typeface="Times New Roman" panose="02020603050405020304" pitchFamily="18" charset="0"/>
+              <a:cs typeface="Times New Roman" panose="02020603050405020304" pitchFamily="18" charset="0"/>
+            </a:endParaRPr>
+          </a:p>
+        </p:txBody>
+      </p:sp>
+      <p:grpSp>
+        <p:nvGrpSpPr>
+          <p:cNvPr id="17" name="グループ化 16">
+            <a:extLst>
+              <a:ext uri="{FF2B5EF4-FFF2-40B4-BE49-F238E27FC236}">
+                <a16:creationId xmlns:a16="http://schemas.microsoft.com/office/drawing/2014/main" id="{C72192CA-0B35-6827-5261-08D606F34B9F}"/>
+              </a:ext>
+            </a:extLst>
+          </p:cNvPr>
+          <p:cNvGrpSpPr/>
+          <p:nvPr/>
+        </p:nvGrpSpPr>
+        <p:grpSpPr>
+          <a:xfrm>
+            <a:off x="1968375" y="2714664"/>
+            <a:ext cx="4211140" cy="714597"/>
+            <a:chOff x="697424" y="4008402"/>
+            <a:chExt cx="2975179" cy="499126"/>
+          </a:xfrm>
+        </p:grpSpPr>
+        <p:pic>
+          <p:nvPicPr>
+            <p:cNvPr id="28" name="Picture 2" descr="\begin{align*}&#10;  e^{-iHt} = \left\{ T_p \left( \frac{t}r\right)\right\}^r + \mathcal{O} \left( \frac{t^{p+1}}{r}\right)&#10;\end{align*}">
+              <a:extLst>
+                <a:ext uri="{FF2B5EF4-FFF2-40B4-BE49-F238E27FC236}">
+                  <a16:creationId xmlns:a16="http://schemas.microsoft.com/office/drawing/2014/main" id="{9D097DF3-EFA5-4358-C201-9EE45D8BF5CF}"/>
+                </a:ext>
+              </a:extLst>
+            </p:cNvPr>
+            <p:cNvPicPr>
+              <a:picLocks noChangeAspect="1" noChangeArrowheads="1"/>
+            </p:cNvPicPr>
+            <p:nvPr/>
+          </p:nvPicPr>
+          <p:blipFill>
+            <a:blip r:embed="rId2">
+              <a:extLst>
+                <a:ext uri="{28A0092B-C50C-407E-A947-70E740481C1C}">
+                  <a14:useLocalDpi xmlns:a14="http://schemas.microsoft.com/office/drawing/2010/main" val="0"/>
+                </a:ext>
+              </a:extLst>
+            </a:blip>
+            <a:srcRect/>
+            <a:stretch>
+              <a:fillRect/>
+            </a:stretch>
+          </p:blipFill>
+          <p:spPr bwMode="auto">
+            <a:xfrm>
+              <a:off x="697424" y="4008402"/>
+              <a:ext cx="2975179" cy="499126"/>
+            </a:xfrm>
+            <a:prstGeom prst="rect">
+              <a:avLst/>
+            </a:prstGeom>
+            <a:noFill/>
+            <a:extLst>
+              <a:ext uri="{909E8E84-426E-40DD-AFC4-6F175D3DCCD1}">
+                <a14:hiddenFill xmlns:a14="http://schemas.microsoft.com/office/drawing/2010/main">
+                  <a:solidFill>
+                    <a:srgbClr val="FFFFFF"/>
+                  </a:solidFill>
+                </a14:hiddenFill>
+              </a:ext>
+            </a:extLst>
+          </p:spPr>
+        </p:pic>
+        <p:pic>
+          <p:nvPicPr>
+            <p:cNvPr id="29" name="Picture 4" descr="\begin{align*}&#10;  r^p&#10;\end{align*}">
+              <a:extLst>
+                <a:ext uri="{FF2B5EF4-FFF2-40B4-BE49-F238E27FC236}">
+                  <a16:creationId xmlns:a16="http://schemas.microsoft.com/office/drawing/2014/main" id="{52994404-13B3-FD81-F87C-13092905105B}"/>
+                </a:ext>
+              </a:extLst>
+            </p:cNvPr>
+            <p:cNvPicPr>
+              <a:picLocks noChangeAspect="1" noChangeArrowheads="1"/>
+            </p:cNvPicPr>
+            <p:nvPr/>
+          </p:nvPicPr>
+          <p:blipFill>
+            <a:blip r:embed="rId3">
+              <a:extLst>
+                <a:ext uri="{28A0092B-C50C-407E-A947-70E740481C1C}">
+                  <a14:useLocalDpi xmlns:a14="http://schemas.microsoft.com/office/drawing/2010/main" val="0"/>
+                </a:ext>
+              </a:extLst>
+            </a:blip>
+            <a:srcRect/>
+            <a:stretch>
+              <a:fillRect/>
+            </a:stretch>
+          </p:blipFill>
+          <p:spPr bwMode="auto">
+            <a:xfrm>
+              <a:off x="3264217" y="4307027"/>
+              <a:ext cx="212152" cy="176793"/>
+            </a:xfrm>
+            <a:prstGeom prst="rect">
+              <a:avLst/>
+            </a:prstGeom>
+            <a:noFill/>
+            <a:extLst>
+              <a:ext uri="{909E8E84-426E-40DD-AFC4-6F175D3DCCD1}">
+                <a14:hiddenFill xmlns:a14="http://schemas.microsoft.com/office/drawing/2010/main">
+                  <a:solidFill>
+                    <a:srgbClr val="FFFFFF"/>
+                  </a:solidFill>
+                </a14:hiddenFill>
+              </a:ext>
+            </a:extLst>
+          </p:spPr>
+        </p:pic>
+      </p:grpSp>
+      <p:pic>
+        <p:nvPicPr>
+          <p:cNvPr id="18" name="Picture 4" descr="\begin{align*}&#10;  T_1(t) = e^{-iH_2 t} e^{-iH_1t} = e^{-iHt} + \mathcal{O}(t^2)&#10;\end{align*}">
+            <a:extLst>
+              <a:ext uri="{FF2B5EF4-FFF2-40B4-BE49-F238E27FC236}">
+                <a16:creationId xmlns:a16="http://schemas.microsoft.com/office/drawing/2014/main" id="{B75724A7-2281-F34B-E8DD-295317196F1E}"/>
+              </a:ext>
+            </a:extLst>
+          </p:cNvPr>
+          <p:cNvPicPr>
+            <a:picLocks noChangeAspect="1" noChangeArrowheads="1"/>
+          </p:cNvPicPr>
+          <p:nvPr/>
+        </p:nvPicPr>
+        <p:blipFill rotWithShape="1">
+          <a:blip r:embed="rId4">
+            <a:extLst>
+              <a:ext uri="{28A0092B-C50C-407E-A947-70E740481C1C}">
+                <a14:useLocalDpi xmlns:a14="http://schemas.microsoft.com/office/drawing/2010/main" val="0"/>
+              </a:ext>
+            </a:extLst>
+          </a:blip>
+          <a:srcRect r="43133" b="-8883"/>
+          <a:stretch>
+            <a:fillRect/>
+          </a:stretch>
+        </p:blipFill>
+        <p:spPr bwMode="auto">
+          <a:xfrm>
+            <a:off x="2544562" y="4074106"/>
+            <a:ext cx="3058766" cy="405394"/>
+          </a:xfrm>
+          <a:prstGeom prst="rect">
+            <a:avLst/>
+          </a:prstGeom>
+          <a:noFill/>
+          <a:extLst>
+            <a:ext uri="{909E8E84-426E-40DD-AFC4-6F175D3DCCD1}">
+              <a14:hiddenFill xmlns:a14="http://schemas.microsoft.com/office/drawing/2010/main">
+                <a:solidFill>
+                  <a:srgbClr val="FFFFFF"/>
+                </a:solidFill>
+              </a14:hiddenFill>
+            </a:ext>
+          </a:extLst>
+        </p:spPr>
+      </p:pic>
+      <p:pic>
+        <p:nvPicPr>
+          <p:cNvPr id="19" name="図 18">
+            <a:extLst>
+              <a:ext uri="{FF2B5EF4-FFF2-40B4-BE49-F238E27FC236}">
+                <a16:creationId xmlns:a16="http://schemas.microsoft.com/office/drawing/2014/main" id="{906DC915-FBB0-5C07-5521-4E0BF7CF7968}"/>
+              </a:ext>
+            </a:extLst>
+          </p:cNvPr>
+          <p:cNvPicPr>
+            <a:picLocks noChangeAspect="1"/>
+          </p:cNvPicPr>
+          <p:nvPr/>
+        </p:nvPicPr>
+        <p:blipFill>
+          <a:blip r:embed="rId5"/>
+          <a:srcRect t="32011"/>
+          <a:stretch>
+            <a:fillRect/>
+          </a:stretch>
+        </p:blipFill>
+        <p:spPr>
+          <a:xfrm>
+            <a:off x="7997910" y="1945438"/>
+            <a:ext cx="4879616" cy="1765221"/>
+          </a:xfrm>
+          <a:prstGeom prst="rect">
+            <a:avLst/>
+          </a:prstGeom>
+        </p:spPr>
+      </p:pic>
+      <p:pic>
+        <p:nvPicPr>
+          <p:cNvPr id="20" name="Picture 4" descr="\begin{align*}&#10;  T_1(t) = e^{-iH_2 t} e^{-iH_1t} = e^{-iHt} + \mathcal{O}(t^2)&#10;\end{align*}">
+            <a:extLst>
+              <a:ext uri="{FF2B5EF4-FFF2-40B4-BE49-F238E27FC236}">
+                <a16:creationId xmlns:a16="http://schemas.microsoft.com/office/drawing/2014/main" id="{0BFB1F35-663D-9FEB-2A60-A1CA047F5DE9}"/>
+              </a:ext>
+            </a:extLst>
+          </p:cNvPr>
+          <p:cNvPicPr>
+            <a:picLocks noChangeAspect="1" noChangeArrowheads="1"/>
+          </p:cNvPicPr>
+          <p:nvPr/>
+        </p:nvPicPr>
+        <p:blipFill rotWithShape="1">
+          <a:blip r:embed="rId4">
+            <a:extLst>
+              <a:ext uri="{28A0092B-C50C-407E-A947-70E740481C1C}">
+                <a14:useLocalDpi xmlns:a14="http://schemas.microsoft.com/office/drawing/2010/main" val="0"/>
+              </a:ext>
+            </a:extLst>
+          </a:blip>
+          <a:srcRect l="55520" t="-8883"/>
+          <a:stretch>
+            <a:fillRect/>
+          </a:stretch>
+        </p:blipFill>
+        <p:spPr bwMode="auto">
+          <a:xfrm>
+            <a:off x="5603328" y="4026109"/>
+            <a:ext cx="2392487" cy="405394"/>
+          </a:xfrm>
+          <a:prstGeom prst="rect">
+            <a:avLst/>
+          </a:prstGeom>
+          <a:noFill/>
+          <a:extLst>
+            <a:ext uri="{909E8E84-426E-40DD-AFC4-6F175D3DCCD1}">
+              <a14:hiddenFill xmlns:a14="http://schemas.microsoft.com/office/drawing/2010/main">
+                <a:solidFill>
+                  <a:srgbClr val="FFFFFF"/>
+                </a:solidFill>
+              </a14:hiddenFill>
+            </a:ext>
+          </a:extLst>
+        </p:spPr>
+      </p:pic>
+      <p:sp>
+        <p:nvSpPr>
+          <p:cNvPr id="21" name="大かっこ 20">
+            <a:extLst>
+              <a:ext uri="{FF2B5EF4-FFF2-40B4-BE49-F238E27FC236}">
+                <a16:creationId xmlns:a16="http://schemas.microsoft.com/office/drawing/2014/main" id="{E007C5DB-D67B-C61B-8F37-40D2AEE644C8}"/>
+              </a:ext>
+            </a:extLst>
+          </p:cNvPr>
+          <p:cNvSpPr/>
+          <p:nvPr/>
+        </p:nvSpPr>
+        <p:spPr>
+          <a:xfrm>
+            <a:off x="5777345" y="4705371"/>
+            <a:ext cx="4989458" cy="782017"/>
+          </a:xfrm>
+          <a:prstGeom prst="bracketPair">
+            <a:avLst>
+              <a:gd name="adj" fmla="val 11914"/>
+            </a:avLst>
+          </a:prstGeom>
+          <a:ln w="38100">
+            <a:solidFill>
+              <a:srgbClr val="002060"/>
+            </a:solidFill>
+          </a:ln>
+        </p:spPr>
+        <p:style>
+          <a:lnRef idx="1">
+            <a:schemeClr val="dk1"/>
+          </a:lnRef>
+          <a:fillRef idx="0">
+            <a:schemeClr val="dk1"/>
+          </a:fillRef>
+          <a:effectRef idx="0">
+            <a:schemeClr val="dk1"/>
+          </a:effectRef>
+          <a:fontRef idx="minor">
+            <a:schemeClr val="tx1"/>
+          </a:fontRef>
+        </p:style>
+        <p:txBody>
+          <a:bodyPr rtlCol="0" anchor="ctr"/>
+          <a:lstStyle/>
+          <a:p>
+            <a:pPr algn="ctr"/>
+            <a:endParaRPr kumimoji="1" lang="ja-JP" altLang="en-US"/>
+          </a:p>
+        </p:txBody>
+      </p:sp>
+      <p:sp>
+        <p:nvSpPr>
+          <p:cNvPr id="22" name="テキスト ボックス 21">
+            <a:extLst>
+              <a:ext uri="{FF2B5EF4-FFF2-40B4-BE49-F238E27FC236}">
+                <a16:creationId xmlns:a16="http://schemas.microsoft.com/office/drawing/2014/main" id="{50C959A7-FD6E-741D-401F-9D63192D7081}"/>
+              </a:ext>
+            </a:extLst>
+          </p:cNvPr>
+          <p:cNvSpPr txBox="1"/>
+          <p:nvPr/>
+        </p:nvSpPr>
+        <p:spPr>
+          <a:xfrm>
+            <a:off x="473529" y="4866741"/>
+            <a:ext cx="1894901" cy="461665"/>
+          </a:xfrm>
+          <a:prstGeom prst="rect">
+            <a:avLst/>
+          </a:prstGeom>
+          <a:noFill/>
+        </p:spPr>
+        <p:txBody>
+          <a:bodyPr wrap="square" rtlCol="0">
+            <a:spAutoFit/>
+          </a:bodyPr>
+          <a:lstStyle/>
+          <a:p>
+            <a:r>
+              <a:rPr kumimoji="1" lang="ja-JP" altLang="en-US" sz="2400" b="1" u="sng">
+                <a:latin typeface="Times New Roman" panose="02020603050405020304" pitchFamily="18" charset="0"/>
+                <a:ea typeface="YuKyokasho Medium" panose="02000500000000000000" pitchFamily="2" charset="-128"/>
+                <a:cs typeface="Times New Roman" panose="02020603050405020304" pitchFamily="18" charset="0"/>
+              </a:rPr>
+              <a:t>計算コスト</a:t>
+            </a:r>
+            <a:r>
+              <a:rPr kumimoji="1" lang="en-US" altLang="ja-JP" sz="2400" b="1" u="sng" dirty="0">
+                <a:latin typeface="Times New Roman" panose="02020603050405020304" pitchFamily="18" charset="0"/>
+                <a:ea typeface="YuKyokasho Medium" panose="02000500000000000000" pitchFamily="2" charset="-128"/>
+                <a:cs typeface="Times New Roman" panose="02020603050405020304" pitchFamily="18" charset="0"/>
+              </a:rPr>
+              <a:t>:</a:t>
+            </a:r>
+            <a:endParaRPr kumimoji="1" lang="ja-JP" altLang="en-US" sz="2400" b="1" u="sng">
+              <a:latin typeface="Times New Roman" panose="02020603050405020304" pitchFamily="18" charset="0"/>
+              <a:ea typeface="YuKyokasho Medium" panose="02000500000000000000" pitchFamily="2" charset="-128"/>
+              <a:cs typeface="Times New Roman" panose="02020603050405020304" pitchFamily="18" charset="0"/>
+            </a:endParaRPr>
+          </a:p>
+        </p:txBody>
+      </p:sp>
+      <mc:AlternateContent xmlns:mc="http://schemas.openxmlformats.org/markup-compatibility/2006">
+        <mc:Choice xmlns:a14="http://schemas.microsoft.com/office/drawing/2010/main" Requires="a14">
           <p:sp>
             <p:nvSpPr>
-              <p:cNvPr id="39" name="テキスト ボックス 38">
+              <p:cNvPr id="23" name="テキスト ボックス 22">
                 <a:extLst>
                   <a:ext uri="{FF2B5EF4-FFF2-40B4-BE49-F238E27FC236}">
-                    <a16:creationId xmlns:a16="http://schemas.microsoft.com/office/drawing/2014/main" id="{3AD27EC3-73BF-973C-AA43-DBA141323D86}"/>
+                    <a16:creationId xmlns:a16="http://schemas.microsoft.com/office/drawing/2014/main" id="{E4731B03-6AE4-792E-55F0-619DD6622154}"/>
                   </a:ext>
                 </a:extLst>
               </p:cNvPr>
@@ -3507,18 +4027,13 @@
             </p:nvSpPr>
             <p:spPr>
               <a:xfrm>
-                <a:off x="3323918" y="3075818"/>
-                <a:ext cx="3160119" cy="461665"/>
+                <a:off x="5989128" y="4668679"/>
+                <a:ext cx="4879616" cy="461665"/>
               </a:xfrm>
               <a:prstGeom prst="rect">
                 <a:avLst/>
               </a:prstGeom>
-              <a:solidFill>
-                <a:schemeClr val="accent5">
-                  <a:lumMod val="20000"/>
-                  <a:lumOff val="80000"/>
-                </a:schemeClr>
-              </a:solidFill>
+              <a:noFill/>
             </p:spPr>
             <p:txBody>
               <a:bodyPr wrap="square" rtlCol="0">
@@ -3526,26 +4041,39 @@
               </a:bodyPr>
               <a:lstStyle/>
               <a:p>
-                <a:pPr algn="ctr"/>
                 <a14:m>
                   <m:oMath xmlns:m="http://schemas.openxmlformats.org/officeDocument/2006/math">
                     <m:r>
                       <a:rPr kumimoji="1" lang="en-US" altLang="ja-JP" sz="2400" b="0" i="1" smtClean="0">
+                        <a:solidFill>
+                          <a:schemeClr val="accent2"/>
+                        </a:solidFill>
                         <a:latin typeface="Cambria Math" panose="02040503050406030204" pitchFamily="18" charset="0"/>
                         <a:ea typeface="YuKyokasho Medium" panose="02000500000000000000" pitchFamily="2" charset="-128"/>
                         <a:cs typeface="Times New Roman" panose="02020603050405020304" pitchFamily="18" charset="0"/>
                       </a:rPr>
-                      <m:t>𝑝</m:t>
+                      <m:t>𝑁</m:t>
                     </m:r>
                   </m:oMath>
                 </a14:m>
                 <a:r>
-                  <a:rPr kumimoji="1" lang="en-US" altLang="ja-JP" sz="2400" dirty="0" err="1">
+                  <a:rPr kumimoji="1" lang="en-US" altLang="ja-JP" sz="2400" dirty="0">
+                    <a:solidFill>
+                      <a:schemeClr val="accent2"/>
+                    </a:solidFill>
                     <a:latin typeface="Times New Roman" panose="02020603050405020304" pitchFamily="18" charset="0"/>
                     <a:ea typeface="YuKyokasho Medium" panose="02000500000000000000" pitchFamily="2" charset="-128"/>
                     <a:cs typeface="Times New Roman" panose="02020603050405020304" pitchFamily="18" charset="0"/>
                   </a:rPr>
-                  <a:t>th</a:t>
+                  <a:t> </a:t>
+                </a:r>
+                <a:r>
+                  <a:rPr kumimoji="1" lang="ja-JP" altLang="en-US" sz="2400">
+                    <a:latin typeface="Times New Roman" panose="02020603050405020304" pitchFamily="18" charset="0"/>
+                    <a:ea typeface="YuKyokasho Medium" panose="02000500000000000000" pitchFamily="2" charset="-128"/>
+                    <a:cs typeface="Times New Roman" panose="02020603050405020304" pitchFamily="18" charset="0"/>
+                  </a:rPr>
+                  <a:t>依存性は良い</a:t>
                 </a:r>
                 <a:r>
                   <a:rPr kumimoji="1" lang="en-US" altLang="ja-JP" sz="2400" dirty="0">
@@ -3553,7 +4081,49 @@
                     <a:ea typeface="YuKyokasho Medium" panose="02000500000000000000" pitchFamily="2" charset="-128"/>
                     <a:cs typeface="Times New Roman" panose="02020603050405020304" pitchFamily="18" charset="0"/>
                   </a:rPr>
-                  <a:t>-order PF</a:t>
+                  <a:t> / </a:t>
+                </a:r>
+                <a14:m>
+                  <m:oMath xmlns:m="http://schemas.openxmlformats.org/officeDocument/2006/math">
+                    <m:r>
+                      <a:rPr kumimoji="1" lang="en-US" altLang="ja-JP" sz="2400" i="1" smtClean="0">
+                        <a:solidFill>
+                          <a:schemeClr val="accent1"/>
+                        </a:solidFill>
+                        <a:latin typeface="Cambria Math" panose="02040503050406030204" pitchFamily="18" charset="0"/>
+                        <a:ea typeface="Cambria Math" panose="02040503050406030204" pitchFamily="18" charset="0"/>
+                        <a:cs typeface="Times New Roman" panose="02020603050405020304" pitchFamily="18" charset="0"/>
+                      </a:rPr>
+                      <m:t>𝜀</m:t>
+                    </m:r>
+                  </m:oMath>
+                </a14:m>
+                <a:r>
+                  <a:rPr kumimoji="1" lang="en-US" altLang="ja-JP" sz="2400" dirty="0">
+                    <a:solidFill>
+                      <a:schemeClr val="accent1"/>
+                    </a:solidFill>
+                    <a:latin typeface="Times New Roman" panose="02020603050405020304" pitchFamily="18" charset="0"/>
+                    <a:ea typeface="YuKyokasho Medium" panose="02000500000000000000" pitchFamily="2" charset="-128"/>
+                    <a:cs typeface="Times New Roman" panose="02020603050405020304" pitchFamily="18" charset="0"/>
+                  </a:rPr>
+                  <a:t> </a:t>
+                </a:r>
+                <a:r>
+                  <a:rPr kumimoji="1" lang="ja-JP" altLang="en-US" sz="2400" dirty="0">
+                    <a:latin typeface="Times New Roman" panose="02020603050405020304" pitchFamily="18" charset="0"/>
+                    <a:ea typeface="YuKyokasho Medium" panose="02000500000000000000" pitchFamily="2" charset="-128"/>
+                    <a:cs typeface="Times New Roman" panose="02020603050405020304" pitchFamily="18" charset="0"/>
+                  </a:rPr>
+                  <a:t>依存性は悪い</a:t>
+                </a:r>
+                <a:r>
+                  <a:rPr kumimoji="1" lang="en-US" altLang="ja-JP" sz="2400" dirty="0">
+                    <a:latin typeface="Times New Roman" panose="02020603050405020304" pitchFamily="18" charset="0"/>
+                    <a:ea typeface="YuKyokasho Medium" panose="02000500000000000000" pitchFamily="2" charset="-128"/>
+                    <a:cs typeface="Times New Roman" panose="02020603050405020304" pitchFamily="18" charset="0"/>
+                  </a:rPr>
+                  <a:t> </a:t>
                 </a:r>
                 <a:endParaRPr kumimoji="1" lang="ja-JP" altLang="en-US" sz="2400">
                   <a:latin typeface="Times New Roman" panose="02020603050405020304" pitchFamily="18" charset="0"/>
@@ -3564,13 +4134,13 @@
             </p:txBody>
           </p:sp>
         </mc:Choice>
-        <mc:Fallback xmlns="">
+        <mc:Fallback>
           <p:sp>
             <p:nvSpPr>
-              <p:cNvPr id="39" name="テキスト ボックス 38">
+              <p:cNvPr id="23" name="テキスト ボックス 22">
                 <a:extLst>
                   <a:ext uri="{FF2B5EF4-FFF2-40B4-BE49-F238E27FC236}">
-                    <a16:creationId xmlns:a16="http://schemas.microsoft.com/office/drawing/2014/main" id="{3AD27EC3-73BF-973C-AA43-DBA141323D86}"/>
+                    <a16:creationId xmlns:a16="http://schemas.microsoft.com/office/drawing/2014/main" id="{E4731B03-6AE4-792E-55F0-619DD6622154}"/>
                   </a:ext>
                 </a:extLst>
               </p:cNvPr>
@@ -3581,16 +4151,16 @@
             </p:nvSpPr>
             <p:spPr>
               <a:xfrm>
-                <a:off x="3323918" y="3075818"/>
-                <a:ext cx="3160119" cy="461665"/>
+                <a:off x="5989128" y="4668679"/>
+                <a:ext cx="4879616" cy="461665"/>
               </a:xfrm>
               <a:prstGeom prst="rect">
                 <a:avLst/>
               </a:prstGeom>
               <a:blipFill>
-                <a:blip r:embed="rId2"/>
+                <a:blip r:embed="rId6"/>
                 <a:stretch>
-                  <a:fillRect t="-10811" b="-29730"/>
+                  <a:fillRect l="-260" t="-13158" b="-31579"/>
                 </a:stretch>
               </a:blipFill>
             </p:spPr>
@@ -3611,10 +4181,10 @@
       </mc:AlternateContent>
       <p:sp>
         <p:nvSpPr>
-          <p:cNvPr id="50" name="テキスト ボックス 49">
+          <p:cNvPr id="24" name="テキスト ボックス 23">
             <a:extLst>
               <a:ext uri="{FF2B5EF4-FFF2-40B4-BE49-F238E27FC236}">
-                <a16:creationId xmlns:a16="http://schemas.microsoft.com/office/drawing/2014/main" id="{E41ED692-FC10-4CFC-D34C-557EAE1ACF4C}"/>
+                <a16:creationId xmlns:a16="http://schemas.microsoft.com/office/drawing/2014/main" id="{4ED467CC-AC3D-ED72-0E39-07FCF10B7ED0}"/>
               </a:ext>
             </a:extLst>
           </p:cNvPr>
@@ -3623,8 +4193,8 @@
         </p:nvSpPr>
         <p:spPr>
           <a:xfrm>
-            <a:off x="3227485" y="5226511"/>
-            <a:ext cx="3385811" cy="307777"/>
+            <a:off x="5987983" y="5088356"/>
+            <a:ext cx="4624384" cy="369332"/>
           </a:xfrm>
           <a:prstGeom prst="rect">
             <a:avLst/>
@@ -3632,60 +4202,206 @@
           <a:noFill/>
         </p:spPr>
         <p:txBody>
-          <a:bodyPr wrap="square">
+          <a:bodyPr wrap="square" rtlCol="0">
             <a:spAutoFit/>
           </a:bodyPr>
           <a:lstStyle/>
           <a:p>
             <a:r>
-              <a:rPr lang="en" altLang="ja-JP" sz="1400" b="0" i="0" dirty="0">
+              <a:rPr kumimoji="1" lang="ja-JP" altLang="en-US">
                 <a:solidFill>
-                  <a:srgbClr val="002060"/>
+                  <a:schemeClr val="tx1">
+                    <a:lumMod val="50000"/>
+                    <a:lumOff val="50000"/>
+                  </a:schemeClr>
                 </a:solidFill>
-                <a:effectLst/>
                 <a:latin typeface="Times New Roman" panose="02020603050405020304" pitchFamily="18" charset="0"/>
+                <a:ea typeface="YuKyokasho Medium" panose="02000500000000000000" pitchFamily="2" charset="-128"/>
                 <a:cs typeface="Times New Roman" panose="02020603050405020304" pitchFamily="18" charset="0"/>
               </a:rPr>
-              <a:t>A. M. Childs, et al., PRX </a:t>
-            </a:r>
-            <a:r>
-              <a:rPr lang="en" altLang="ja-JP" sz="1400" b="1" i="0" dirty="0">
-                <a:solidFill>
-                  <a:srgbClr val="002060"/>
-                </a:solidFill>
-                <a:effectLst/>
-                <a:latin typeface="Times New Roman" panose="02020603050405020304" pitchFamily="18" charset="0"/>
-                <a:cs typeface="Times New Roman" panose="02020603050405020304" pitchFamily="18" charset="0"/>
-              </a:rPr>
-              <a:t>11</a:t>
-            </a:r>
-            <a:r>
-              <a:rPr lang="en" altLang="ja-JP" sz="1400" b="0" i="0" dirty="0">
-                <a:solidFill>
-                  <a:srgbClr val="002060"/>
-                </a:solidFill>
-                <a:effectLst/>
-                <a:latin typeface="Times New Roman" panose="02020603050405020304" pitchFamily="18" charset="0"/>
-                <a:cs typeface="Times New Roman" panose="02020603050405020304" pitchFamily="18" charset="0"/>
-              </a:rPr>
-              <a:t>, 011020 (2021)</a:t>
-            </a:r>
-            <a:endParaRPr lang="ja-JP" altLang="en-US" sz="1400">
-              <a:solidFill>
-                <a:srgbClr val="002060"/>
-              </a:solidFill>
-              <a:latin typeface="Times New Roman" panose="02020603050405020304" pitchFamily="18" charset="0"/>
-              <a:cs typeface="Times New Roman" panose="02020603050405020304" pitchFamily="18" charset="0"/>
-            </a:endParaRPr>
-          </a:p>
-        </p:txBody>
-      </p:sp>
-      <p:sp>
-        <p:nvSpPr>
-          <p:cNvPr id="53" name="テキスト ボックス 52">
+              <a:t>大規模計算は得意だが、高精度計算は苦手</a:t>
+            </a:r>
+          </a:p>
+        </p:txBody>
+      </p:sp>
+      <p:pic>
+        <p:nvPicPr>
+          <p:cNvPr id="27" name="Picture 2" descr="\begin{align*}&#10;    Nt \left( \frac{Nt}{\varepsilon}\right)^{\frac1p}, \quad p \in \mathbb{N}&#10;\end{align*}">
             <a:extLst>
               <a:ext uri="{FF2B5EF4-FFF2-40B4-BE49-F238E27FC236}">
-                <a16:creationId xmlns:a16="http://schemas.microsoft.com/office/drawing/2014/main" id="{2A7943F1-4AA4-AFAB-99E0-01D541D5CAEF}"/>
+                <a16:creationId xmlns:a16="http://schemas.microsoft.com/office/drawing/2014/main" id="{EB945EB5-ACA3-A230-F929-5BEC9B40DDBC}"/>
+              </a:ext>
+            </a:extLst>
+          </p:cNvPr>
+          <p:cNvPicPr>
+            <a:picLocks noChangeAspect="1" noChangeArrowheads="1"/>
+          </p:cNvPicPr>
+          <p:nvPr/>
+        </p:nvPicPr>
+        <p:blipFill>
+          <a:blip r:embed="rId7">
+            <a:extLst>
+              <a:ext uri="{28A0092B-C50C-407E-A947-70E740481C1C}">
+                <a14:useLocalDpi xmlns:a14="http://schemas.microsoft.com/office/drawing/2010/main" val="0"/>
+              </a:ext>
+            </a:extLst>
+          </a:blip>
+          <a:srcRect/>
+          <a:stretch>
+            <a:fillRect/>
+          </a:stretch>
+        </p:blipFill>
+        <p:spPr bwMode="auto">
+          <a:xfrm>
+            <a:off x="2544562" y="4710128"/>
+            <a:ext cx="2603171" cy="785083"/>
+          </a:xfrm>
+          <a:prstGeom prst="rect">
+            <a:avLst/>
+          </a:prstGeom>
+          <a:noFill/>
+          <a:extLst>
+            <a:ext uri="{909E8E84-426E-40DD-AFC4-6F175D3DCCD1}">
+              <a14:hiddenFill xmlns:a14="http://schemas.microsoft.com/office/drawing/2010/main">
+                <a:solidFill>
+                  <a:srgbClr val="FFFFFF"/>
+                </a:solidFill>
+              </a14:hiddenFill>
+            </a:ext>
+          </a:extLst>
+        </p:spPr>
+      </p:pic>
+      <p:pic>
+        <p:nvPicPr>
+          <p:cNvPr id="32" name="図 31">
+            <a:extLst>
+              <a:ext uri="{FF2B5EF4-FFF2-40B4-BE49-F238E27FC236}">
+                <a16:creationId xmlns:a16="http://schemas.microsoft.com/office/drawing/2014/main" id="{59864E07-1442-B6F2-5DF5-A08DD6254637}"/>
+              </a:ext>
+            </a:extLst>
+          </p:cNvPr>
+          <p:cNvPicPr>
+            <a:picLocks noChangeAspect="1"/>
+          </p:cNvPicPr>
+          <p:nvPr/>
+        </p:nvPicPr>
+        <p:blipFill>
+          <a:blip r:embed="rId8"/>
+          <a:srcRect r="18454" b="10300"/>
+          <a:stretch>
+            <a:fillRect/>
+          </a:stretch>
+        </p:blipFill>
+        <p:spPr>
+          <a:xfrm>
+            <a:off x="10395866" y="7754647"/>
+            <a:ext cx="2367743" cy="1847367"/>
+          </a:xfrm>
+          <a:prstGeom prst="rect">
+            <a:avLst/>
+          </a:prstGeom>
+        </p:spPr>
+      </p:pic>
+      <p:sp>
+        <p:nvSpPr>
+          <p:cNvPr id="33" name="大かっこ 32">
+            <a:extLst>
+              <a:ext uri="{FF2B5EF4-FFF2-40B4-BE49-F238E27FC236}">
+                <a16:creationId xmlns:a16="http://schemas.microsoft.com/office/drawing/2014/main" id="{1CA6709C-F2D0-9D7A-19C7-7CB375E42357}"/>
+              </a:ext>
+            </a:extLst>
+          </p:cNvPr>
+          <p:cNvSpPr/>
+          <p:nvPr/>
+        </p:nvSpPr>
+        <p:spPr>
+          <a:xfrm>
+            <a:off x="5511667" y="8482036"/>
+            <a:ext cx="4446247" cy="1119979"/>
+          </a:xfrm>
+          <a:prstGeom prst="bracketPair">
+            <a:avLst>
+              <a:gd name="adj" fmla="val 11914"/>
+            </a:avLst>
+          </a:prstGeom>
+          <a:ln w="12700"/>
+        </p:spPr>
+        <p:style>
+          <a:lnRef idx="1">
+            <a:schemeClr val="dk1"/>
+          </a:lnRef>
+          <a:fillRef idx="0">
+            <a:schemeClr val="dk1"/>
+          </a:fillRef>
+          <a:effectRef idx="0">
+            <a:schemeClr val="dk1"/>
+          </a:effectRef>
+          <a:fontRef idx="minor">
+            <a:schemeClr val="tx1"/>
+          </a:fontRef>
+        </p:style>
+        <p:txBody>
+          <a:bodyPr rtlCol="0" anchor="ctr"/>
+          <a:lstStyle/>
+          <a:p>
+            <a:pPr algn="ctr"/>
+            <a:endParaRPr kumimoji="1" lang="ja-JP" altLang="en-US"/>
+          </a:p>
+        </p:txBody>
+      </p:sp>
+      <p:pic>
+        <p:nvPicPr>
+          <p:cNvPr id="34" name="Picture 2" descr="\begin{align*}&#10;  e^{-iHt} \simeq \sum_{n=0}^q \frac{(-it)^n}{n!} H^n&#10;\end{align*}">
+            <a:extLst>
+              <a:ext uri="{FF2B5EF4-FFF2-40B4-BE49-F238E27FC236}">
+                <a16:creationId xmlns:a16="http://schemas.microsoft.com/office/drawing/2014/main" id="{2AF27A58-49BD-59CE-E986-6FA1D504150B}"/>
+              </a:ext>
+            </a:extLst>
+          </p:cNvPr>
+          <p:cNvPicPr>
+            <a:picLocks noChangeAspect="1" noChangeArrowheads="1"/>
+          </p:cNvPicPr>
+          <p:nvPr/>
+        </p:nvPicPr>
+        <p:blipFill>
+          <a:blip r:embed="rId9">
+            <a:extLst>
+              <a:ext uri="{28A0092B-C50C-407E-A947-70E740481C1C}">
+                <a14:useLocalDpi xmlns:a14="http://schemas.microsoft.com/office/drawing/2010/main" val="0"/>
+              </a:ext>
+            </a:extLst>
+          </a:blip>
+          <a:srcRect/>
+          <a:stretch>
+            <a:fillRect/>
+          </a:stretch>
+        </p:blipFill>
+        <p:spPr bwMode="auto">
+          <a:xfrm>
+            <a:off x="2192746" y="7537077"/>
+            <a:ext cx="3232784" cy="915955"/>
+          </a:xfrm>
+          <a:prstGeom prst="rect">
+            <a:avLst/>
+          </a:prstGeom>
+          <a:noFill/>
+          <a:extLst>
+            <a:ext uri="{909E8E84-426E-40DD-AFC4-6F175D3DCCD1}">
+              <a14:hiddenFill xmlns:a14="http://schemas.microsoft.com/office/drawing/2010/main">
+                <a:solidFill>
+                  <a:srgbClr val="FFFFFF"/>
+                </a:solidFill>
+              </a14:hiddenFill>
+            </a:ext>
+          </a:extLst>
+        </p:spPr>
+      </p:pic>
+      <p:sp>
+        <p:nvSpPr>
+          <p:cNvPr id="35" name="テキスト ボックス 34">
+            <a:extLst>
+              <a:ext uri="{FF2B5EF4-FFF2-40B4-BE49-F238E27FC236}">
+                <a16:creationId xmlns:a16="http://schemas.microsoft.com/office/drawing/2014/main" id="{83D18569-338C-0849-7ABD-62DECB2E5506}"/>
               </a:ext>
             </a:extLst>
           </p:cNvPr>
@@ -3694,180 +4410,8 @@
         </p:nvSpPr>
         <p:spPr>
           <a:xfrm>
-            <a:off x="7068735" y="3075817"/>
-            <a:ext cx="2639645" cy="461665"/>
-          </a:xfrm>
-          <a:prstGeom prst="rect">
-            <a:avLst/>
-          </a:prstGeom>
-          <a:solidFill>
-            <a:schemeClr val="accent2">
-              <a:lumMod val="20000"/>
-              <a:lumOff val="80000"/>
-            </a:schemeClr>
-          </a:solidFill>
-        </p:spPr>
-        <p:txBody>
-          <a:bodyPr wrap="square" rtlCol="0">
-            <a:spAutoFit/>
-          </a:bodyPr>
-          <a:lstStyle/>
-          <a:p>
-            <a:pPr algn="ctr"/>
-            <a:r>
-              <a:rPr kumimoji="1" lang="en-US" altLang="ja-JP" sz="2400" dirty="0">
-                <a:latin typeface="Times New Roman" panose="02020603050405020304" pitchFamily="18" charset="0"/>
-                <a:ea typeface="YuKyokasho Medium" panose="02000500000000000000" pitchFamily="2" charset="-128"/>
-                <a:cs typeface="Times New Roman" panose="02020603050405020304" pitchFamily="18" charset="0"/>
-              </a:rPr>
-              <a:t>LCU</a:t>
-            </a:r>
-            <a:endParaRPr kumimoji="1" lang="ja-JP" altLang="en-US" sz="2400">
-              <a:latin typeface="Times New Roman" panose="02020603050405020304" pitchFamily="18" charset="0"/>
-              <a:ea typeface="YuKyokasho Medium" panose="02000500000000000000" pitchFamily="2" charset="-128"/>
-              <a:cs typeface="Times New Roman" panose="02020603050405020304" pitchFamily="18" charset="0"/>
-            </a:endParaRPr>
-          </a:p>
-        </p:txBody>
-      </p:sp>
-      <p:sp>
-        <p:nvSpPr>
-          <p:cNvPr id="1040" name="テキスト ボックス 1039">
-            <a:extLst>
-              <a:ext uri="{FF2B5EF4-FFF2-40B4-BE49-F238E27FC236}">
-                <a16:creationId xmlns:a16="http://schemas.microsoft.com/office/drawing/2014/main" id="{29A08AE6-8F2F-CAD2-A648-1DFC928ABFE5}"/>
-              </a:ext>
-            </a:extLst>
-          </p:cNvPr>
-          <p:cNvSpPr txBox="1"/>
-          <p:nvPr/>
-        </p:nvSpPr>
-        <p:spPr>
-          <a:xfrm>
-            <a:off x="227028" y="6023934"/>
-            <a:ext cx="4495270" cy="646331"/>
-          </a:xfrm>
-          <a:prstGeom prst="rect">
-            <a:avLst/>
-          </a:prstGeom>
-          <a:solidFill>
-            <a:schemeClr val="bg1">
-              <a:lumMod val="95000"/>
-            </a:schemeClr>
-          </a:solidFill>
-        </p:spPr>
-        <p:txBody>
-          <a:bodyPr wrap="none" rtlCol="0">
-            <a:spAutoFit/>
-          </a:bodyPr>
-          <a:lstStyle/>
-          <a:p>
-            <a:r>
-              <a:rPr kumimoji="1" lang="ja-JP" altLang="en-US" sz="3600">
-                <a:latin typeface="Times New Roman" panose="02020603050405020304" pitchFamily="18" charset="0"/>
-                <a:ea typeface="YuKyokasho Medium" panose="02000500000000000000" pitchFamily="2" charset="-128"/>
-                <a:cs typeface="Times New Roman" panose="02020603050405020304" pitchFamily="18" charset="0"/>
-              </a:rPr>
-              <a:t>■</a:t>
-            </a:r>
-            <a:r>
-              <a:rPr kumimoji="1" lang="en-US" altLang="ja-JP" sz="3600" dirty="0">
-                <a:latin typeface="Times New Roman" panose="02020603050405020304" pitchFamily="18" charset="0"/>
-                <a:ea typeface="YuKyokasho Medium" panose="02000500000000000000" pitchFamily="2" charset="-128"/>
-                <a:cs typeface="Times New Roman" panose="02020603050405020304" pitchFamily="18" charset="0"/>
-              </a:rPr>
-              <a:t> </a:t>
-            </a:r>
-            <a:r>
-              <a:rPr kumimoji="1" lang="en-US" altLang="ja-JP" sz="2800" dirty="0">
-                <a:latin typeface="Times New Roman" panose="02020603050405020304" pitchFamily="18" charset="0"/>
-                <a:ea typeface="YuKyokasho Medium" panose="02000500000000000000" pitchFamily="2" charset="-128"/>
-                <a:cs typeface="Times New Roman" panose="02020603050405020304" pitchFamily="18" charset="0"/>
-              </a:rPr>
-              <a:t>(Well-conditioned) </a:t>
-            </a:r>
-            <a:r>
-              <a:rPr kumimoji="1" lang="en-US" altLang="ja-JP" sz="3600" dirty="0">
-                <a:latin typeface="Times New Roman" panose="02020603050405020304" pitchFamily="18" charset="0"/>
-                <a:ea typeface="YuKyokasho Medium" panose="02000500000000000000" pitchFamily="2" charset="-128"/>
-                <a:cs typeface="Times New Roman" panose="02020603050405020304" pitchFamily="18" charset="0"/>
-              </a:rPr>
-              <a:t>MPF</a:t>
-            </a:r>
-            <a:endParaRPr kumimoji="1" lang="ja-JP" altLang="en-US" sz="3600">
-              <a:latin typeface="Times New Roman" panose="02020603050405020304" pitchFamily="18" charset="0"/>
-              <a:ea typeface="YuKyokasho Medium" panose="02000500000000000000" pitchFamily="2" charset="-128"/>
-              <a:cs typeface="Times New Roman" panose="02020603050405020304" pitchFamily="18" charset="0"/>
-            </a:endParaRPr>
-          </a:p>
-        </p:txBody>
-      </p:sp>
-      <p:sp>
-        <p:nvSpPr>
-          <p:cNvPr id="3" name="テキスト ボックス 2">
-            <a:extLst>
-              <a:ext uri="{FF2B5EF4-FFF2-40B4-BE49-F238E27FC236}">
-                <a16:creationId xmlns:a16="http://schemas.microsoft.com/office/drawing/2014/main" id="{5CA7BC9C-E3D8-46A2-1A6A-3295CD531028}"/>
-              </a:ext>
-            </a:extLst>
-          </p:cNvPr>
-          <p:cNvSpPr txBox="1"/>
-          <p:nvPr/>
-        </p:nvSpPr>
-        <p:spPr>
-          <a:xfrm>
-            <a:off x="10279539" y="3075816"/>
-            <a:ext cx="2639645" cy="461665"/>
-          </a:xfrm>
-          <a:prstGeom prst="rect">
-            <a:avLst/>
-          </a:prstGeom>
-          <a:solidFill>
-            <a:schemeClr val="accent2">
-              <a:lumMod val="20000"/>
-              <a:lumOff val="80000"/>
-            </a:schemeClr>
-          </a:solidFill>
-        </p:spPr>
-        <p:txBody>
-          <a:bodyPr wrap="square" rtlCol="0">
-            <a:spAutoFit/>
-          </a:bodyPr>
-          <a:lstStyle/>
-          <a:p>
-            <a:pPr algn="ctr"/>
-            <a:r>
-              <a:rPr kumimoji="1" lang="en-US" altLang="ja-JP" sz="2400" dirty="0">
-                <a:latin typeface="Times New Roman" panose="02020603050405020304" pitchFamily="18" charset="0"/>
-                <a:ea typeface="YuKyokasho Medium" panose="02000500000000000000" pitchFamily="2" charset="-128"/>
-                <a:cs typeface="Times New Roman" panose="02020603050405020304" pitchFamily="18" charset="0"/>
-              </a:rPr>
-              <a:t>QSVT</a:t>
-            </a:r>
-            <a:endParaRPr kumimoji="1" lang="ja-JP" altLang="en-US" sz="2400">
-              <a:latin typeface="Times New Roman" panose="02020603050405020304" pitchFamily="18" charset="0"/>
-              <a:ea typeface="YuKyokasho Medium" panose="02000500000000000000" pitchFamily="2" charset="-128"/>
-              <a:cs typeface="Times New Roman" panose="02020603050405020304" pitchFamily="18" charset="0"/>
-            </a:endParaRPr>
-          </a:p>
-        </p:txBody>
-      </p:sp>
-      <p:sp>
-        <p:nvSpPr>
-          <p:cNvPr id="7" name="テキスト ボックス 6">
-            <a:extLst>
-              <a:ext uri="{FF2B5EF4-FFF2-40B4-BE49-F238E27FC236}">
-                <a16:creationId xmlns:a16="http://schemas.microsoft.com/office/drawing/2014/main" id="{9C98BCB2-4FBE-120D-60C1-064FCF5E58AB}"/>
-              </a:ext>
-            </a:extLst>
-          </p:cNvPr>
-          <p:cNvSpPr txBox="1"/>
-          <p:nvPr/>
-        </p:nvSpPr>
-        <p:spPr>
-          <a:xfrm>
-            <a:off x="457888" y="3820498"/>
-            <a:ext cx="2420604" cy="400110"/>
+            <a:off x="473529" y="8788831"/>
+            <a:ext cx="1972639" cy="461665"/>
           </a:xfrm>
           <a:prstGeom prst="rect">
             <a:avLst/>
@@ -3880,16 +4424,23 @@
           </a:bodyPr>
           <a:lstStyle/>
           <a:p>
-            <a:pPr algn="ctr"/>
-            <a:r>
-              <a:rPr kumimoji="1" lang="en-US" altLang="ja-JP" sz="2000" dirty="0">
+            <a:r>
+              <a:rPr kumimoji="1" lang="ja-JP" altLang="en-US" sz="2400" b="1" u="sng">
                 <a:latin typeface="Times New Roman" panose="02020603050405020304" pitchFamily="18" charset="0"/>
                 <a:ea typeface="YuKyokasho Medium" panose="02000500000000000000" pitchFamily="2" charset="-128"/>
                 <a:cs typeface="Times New Roman" panose="02020603050405020304" pitchFamily="18" charset="0"/>
               </a:rPr>
-              <a:t>Pros &amp; Cons</a:t>
-            </a:r>
-            <a:endParaRPr kumimoji="1" lang="ja-JP" altLang="en-US" sz="2000">
+              <a:t>計算コスト</a:t>
+            </a:r>
+            <a:r>
+              <a:rPr kumimoji="1" lang="en-US" altLang="ja-JP" sz="2400" b="1" u="sng" dirty="0">
+                <a:latin typeface="Times New Roman" panose="02020603050405020304" pitchFamily="18" charset="0"/>
+                <a:ea typeface="YuKyokasho Medium" panose="02000500000000000000" pitchFamily="2" charset="-128"/>
+                <a:cs typeface="Times New Roman" panose="02020603050405020304" pitchFamily="18" charset="0"/>
+              </a:rPr>
+              <a:t>:</a:t>
+            </a:r>
+            <a:endParaRPr kumimoji="1" lang="ja-JP" altLang="en-US" sz="2400" b="1" u="sng">
               <a:latin typeface="Times New Roman" panose="02020603050405020304" pitchFamily="18" charset="0"/>
               <a:ea typeface="YuKyokasho Medium" panose="02000500000000000000" pitchFamily="2" charset="-128"/>
               <a:cs typeface="Times New Roman" panose="02020603050405020304" pitchFamily="18" charset="0"/>
@@ -3897,59 +4448,61 @@
           </a:p>
         </p:txBody>
       </p:sp>
-      <p:sp>
-        <p:nvSpPr>
-          <p:cNvPr id="8" name="テキスト ボックス 7">
+      <p:pic>
+        <p:nvPicPr>
+          <p:cNvPr id="36" name="Picture 4" descr="\begin{align*}&#10;    N (Nt + \log (1/\varepsilon))&#10;\end{align*}">
             <a:extLst>
               <a:ext uri="{FF2B5EF4-FFF2-40B4-BE49-F238E27FC236}">
-                <a16:creationId xmlns:a16="http://schemas.microsoft.com/office/drawing/2014/main" id="{E709323C-423A-C950-1187-6103D1BA9ED2}"/>
+                <a16:creationId xmlns:a16="http://schemas.microsoft.com/office/drawing/2014/main" id="{99BB7057-DE91-5D23-E3E8-7CF104A9A0DA}"/>
               </a:ext>
             </a:extLst>
           </p:cNvPr>
-          <p:cNvSpPr txBox="1"/>
+          <p:cNvPicPr>
+            <a:picLocks noChangeAspect="1" noChangeArrowheads="1"/>
+          </p:cNvPicPr>
           <p:nvPr/>
-        </p:nvSpPr>
-        <p:spPr>
+        </p:nvPicPr>
+        <p:blipFill>
+          <a:blip r:embed="rId10">
+            <a:extLst>
+              <a:ext uri="{28A0092B-C50C-407E-A947-70E740481C1C}">
+                <a14:useLocalDpi xmlns:a14="http://schemas.microsoft.com/office/drawing/2010/main" val="0"/>
+              </a:ext>
+            </a:extLst>
+          </a:blip>
+          <a:srcRect/>
+          <a:stretch>
+            <a:fillRect/>
+          </a:stretch>
+        </p:blipFill>
+        <p:spPr bwMode="auto">
           <a:xfrm>
-            <a:off x="457888" y="4834883"/>
-            <a:ext cx="2420604" cy="400110"/>
+            <a:off x="2544561" y="8877166"/>
+            <a:ext cx="2529154" cy="329191"/>
           </a:xfrm>
           <a:prstGeom prst="rect">
             <a:avLst/>
           </a:prstGeom>
           <a:noFill/>
+          <a:extLst>
+            <a:ext uri="{909E8E84-426E-40DD-AFC4-6F175D3DCCD1}">
+              <a14:hiddenFill xmlns:a14="http://schemas.microsoft.com/office/drawing/2010/main">
+                <a:solidFill>
+                  <a:srgbClr val="FFFFFF"/>
+                </a:solidFill>
+              </a14:hiddenFill>
+            </a:ext>
+          </a:extLst>
         </p:spPr>
-        <p:txBody>
-          <a:bodyPr wrap="square" rtlCol="0">
-            <a:spAutoFit/>
-          </a:bodyPr>
-          <a:lstStyle/>
-          <a:p>
-            <a:pPr algn="ctr"/>
-            <a:r>
-              <a:rPr kumimoji="1" lang="en-US" altLang="ja-JP" sz="2000" dirty="0">
-                <a:latin typeface="Times New Roman" panose="02020603050405020304" pitchFamily="18" charset="0"/>
-                <a:ea typeface="YuKyokasho Medium" panose="02000500000000000000" pitchFamily="2" charset="-128"/>
-                <a:cs typeface="Times New Roman" panose="02020603050405020304" pitchFamily="18" charset="0"/>
-              </a:rPr>
-              <a:t>Origin</a:t>
-            </a:r>
-            <a:endParaRPr kumimoji="1" lang="ja-JP" altLang="en-US" sz="2000">
-              <a:latin typeface="Times New Roman" panose="02020603050405020304" pitchFamily="18" charset="0"/>
-              <a:ea typeface="YuKyokasho Medium" panose="02000500000000000000" pitchFamily="2" charset="-128"/>
-              <a:cs typeface="Times New Roman" panose="02020603050405020304" pitchFamily="18" charset="0"/>
-            </a:endParaRPr>
-          </a:p>
-        </p:txBody>
-      </p:sp>
-      <mc:AlternateContent xmlns:mc="http://schemas.openxmlformats.org/markup-compatibility/2006" xmlns:a14="http://schemas.microsoft.com/office/drawing/2010/main">
-        <mc:Choice Requires="a14">
+      </p:pic>
+      <mc:AlternateContent xmlns:mc="http://schemas.openxmlformats.org/markup-compatibility/2006">
+        <mc:Choice xmlns:a14="http://schemas.microsoft.com/office/drawing/2010/main" Requires="a14">
           <p:sp>
             <p:nvSpPr>
-              <p:cNvPr id="9" name="テキスト ボックス 8">
+              <p:cNvPr id="37" name="テキスト ボックス 36">
                 <a:extLst>
                   <a:ext uri="{FF2B5EF4-FFF2-40B4-BE49-F238E27FC236}">
-                    <a16:creationId xmlns:a16="http://schemas.microsoft.com/office/drawing/2014/main" id="{776C70A3-7D68-5CB1-429F-57C3C63647E0}"/>
+                    <a16:creationId xmlns:a16="http://schemas.microsoft.com/office/drawing/2014/main" id="{81AEA7BC-0D3A-1728-E86D-4F696B1A1D4B}"/>
                   </a:ext>
                 </a:extLst>
               </p:cNvPr>
@@ -3958,8 +4511,8 @@
             </p:nvSpPr>
             <p:spPr>
               <a:xfrm>
-                <a:off x="4846850" y="6248644"/>
-                <a:ext cx="8535046" cy="523220"/>
+                <a:off x="5777345" y="8482036"/>
+                <a:ext cx="3875680" cy="830997"/>
               </a:xfrm>
               <a:prstGeom prst="rect">
                 <a:avLst/>
@@ -3972,58 +4525,13 @@
               </a:bodyPr>
               <a:lstStyle/>
               <a:p>
-                <a:r>
-                  <a:rPr kumimoji="1" lang="ja-JP" altLang="en-US" sz="2800">
-                    <a:latin typeface="Times New Roman" panose="02020603050405020304" pitchFamily="18" charset="0"/>
-                    <a:ea typeface="YuKyokasho Medium" panose="02000500000000000000" pitchFamily="2" charset="-128"/>
-                    <a:cs typeface="Times New Roman" panose="02020603050405020304" pitchFamily="18" charset="0"/>
-                  </a:rPr>
-                  <a:t>→</a:t>
-                </a:r>
-                <a:r>
-                  <a:rPr kumimoji="1" lang="en-US" altLang="ja-JP" sz="2800" dirty="0">
-                    <a:latin typeface="Times New Roman" panose="02020603050405020304" pitchFamily="18" charset="0"/>
-                    <a:ea typeface="YuKyokasho Medium" panose="02000500000000000000" pitchFamily="2" charset="-128"/>
-                    <a:cs typeface="Times New Roman" panose="02020603050405020304" pitchFamily="18" charset="0"/>
-                  </a:rPr>
-                  <a:t> Promising candidate simultaneously efficient in </a:t>
-                </a:r>
                 <a14:m>
                   <m:oMath xmlns:m="http://schemas.openxmlformats.org/officeDocument/2006/math">
                     <m:r>
-                      <a:rPr kumimoji="1" lang="en-US" altLang="ja-JP" sz="2800" b="0" i="1" smtClean="0">
-                        <a:latin typeface="Cambria Math" panose="02040503050406030204" pitchFamily="18" charset="0"/>
-                        <a:ea typeface="YuKyokasho Medium" panose="02000500000000000000" pitchFamily="2" charset="-128"/>
-                        <a:cs typeface="Times New Roman" panose="02020603050405020304" pitchFamily="18" charset="0"/>
-                      </a:rPr>
-                      <m:t>𝑁</m:t>
-                    </m:r>
-                    <m:r>
-                      <a:rPr kumimoji="1" lang="en-US" altLang="ja-JP" sz="2800" b="0" i="1" smtClean="0">
-                        <a:latin typeface="Cambria Math" panose="02040503050406030204" pitchFamily="18" charset="0"/>
-                        <a:ea typeface="YuKyokasho Medium" panose="02000500000000000000" pitchFamily="2" charset="-128"/>
-                        <a:cs typeface="Times New Roman" panose="02020603050405020304" pitchFamily="18" charset="0"/>
-                      </a:rPr>
-                      <m:t>,</m:t>
-                    </m:r>
-                    <m:r>
-                      <a:rPr kumimoji="1" lang="en-US" altLang="ja-JP" sz="2800" b="0" i="1" smtClean="0">
-                        <a:latin typeface="Cambria Math" panose="02040503050406030204" pitchFamily="18" charset="0"/>
-                        <a:ea typeface="YuKyokasho Medium" panose="02000500000000000000" pitchFamily="2" charset="-128"/>
-                        <a:cs typeface="Times New Roman" panose="02020603050405020304" pitchFamily="18" charset="0"/>
-                      </a:rPr>
-                      <m:t>𝑡</m:t>
-                    </m:r>
-                    <m:r>
-                      <a:rPr kumimoji="1" lang="en-US" altLang="ja-JP" sz="2800" b="0" i="1" smtClean="0">
-                        <a:latin typeface="Cambria Math" panose="02040503050406030204" pitchFamily="18" charset="0"/>
-                        <a:ea typeface="YuKyokasho Medium" panose="02000500000000000000" pitchFamily="2" charset="-128"/>
-                        <a:cs typeface="Times New Roman" panose="02020603050405020304" pitchFamily="18" charset="0"/>
-                      </a:rPr>
-                      <m:t>,</m:t>
-                    </m:r>
-                    <m:r>
-                      <a:rPr kumimoji="1" lang="en-US" altLang="ja-JP" sz="2800" b="0" i="1" smtClean="0">
+                      <a:rPr kumimoji="1" lang="en-US" altLang="ja-JP" sz="2400" i="1" smtClean="0">
+                        <a:solidFill>
+                          <a:schemeClr val="accent2"/>
+                        </a:solidFill>
                         <a:latin typeface="Cambria Math" panose="02040503050406030204" pitchFamily="18" charset="0"/>
                         <a:ea typeface="Cambria Math" panose="02040503050406030204" pitchFamily="18" charset="0"/>
                         <a:cs typeface="Times New Roman" panose="02020603050405020304" pitchFamily="18" charset="0"/>
@@ -4033,14 +4541,86 @@
                   </m:oMath>
                 </a14:m>
                 <a:r>
-                  <a:rPr kumimoji="1" lang="en-US" altLang="ja-JP" sz="2800" dirty="0">
+                  <a:rPr kumimoji="1" lang="en-US" altLang="ja-JP" sz="2400" dirty="0">
+                    <a:solidFill>
+                      <a:schemeClr val="accent2"/>
+                    </a:solidFill>
                     <a:latin typeface="Times New Roman" panose="02020603050405020304" pitchFamily="18" charset="0"/>
                     <a:ea typeface="YuKyokasho Medium" panose="02000500000000000000" pitchFamily="2" charset="-128"/>
                     <a:cs typeface="Times New Roman" panose="02020603050405020304" pitchFamily="18" charset="0"/>
                   </a:rPr>
                   <a:t> </a:t>
                 </a:r>
-                <a:endParaRPr kumimoji="1" lang="ja-JP" altLang="en-US" sz="2800">
+                <a:r>
+                  <a:rPr kumimoji="1" lang="ja-JP" altLang="en-US" sz="2400">
+                    <a:latin typeface="Times New Roman" panose="02020603050405020304" pitchFamily="18" charset="0"/>
+                    <a:ea typeface="YuKyokasho Medium" panose="02000500000000000000" pitchFamily="2" charset="-128"/>
+                    <a:cs typeface="Times New Roman" panose="02020603050405020304" pitchFamily="18" charset="0"/>
+                  </a:rPr>
+                  <a:t>依存性は指数的に良い</a:t>
+                </a:r>
+                <a:r>
+                  <a:rPr kumimoji="1" lang="en-US" altLang="ja-JP" sz="2400" dirty="0">
+                    <a:latin typeface="Times New Roman" panose="02020603050405020304" pitchFamily="18" charset="0"/>
+                    <a:ea typeface="YuKyokasho Medium" panose="02000500000000000000" pitchFamily="2" charset="-128"/>
+                    <a:cs typeface="Times New Roman" panose="02020603050405020304" pitchFamily="18" charset="0"/>
+                  </a:rPr>
+                  <a:t> </a:t>
+                </a:r>
+              </a:p>
+              <a:p>
+                <a:pPr algn="r"/>
+                <a:r>
+                  <a:rPr kumimoji="1" lang="en-US" altLang="ja-JP" sz="2400" dirty="0">
+                    <a:latin typeface="Times New Roman" panose="02020603050405020304" pitchFamily="18" charset="0"/>
+                    <a:ea typeface="YuKyokasho Medium" panose="02000500000000000000" pitchFamily="2" charset="-128"/>
+                    <a:cs typeface="Times New Roman" panose="02020603050405020304" pitchFamily="18" charset="0"/>
+                  </a:rPr>
+                  <a:t>/ </a:t>
+                </a:r>
+                <a14:m>
+                  <m:oMath xmlns:m="http://schemas.openxmlformats.org/officeDocument/2006/math">
+                    <m:r>
+                      <a:rPr kumimoji="1" lang="en-US" altLang="ja-JP" sz="2400" b="0" i="1" smtClean="0">
+                        <a:solidFill>
+                          <a:schemeClr val="accent1"/>
+                        </a:solidFill>
+                        <a:latin typeface="Cambria Math" panose="02040503050406030204" pitchFamily="18" charset="0"/>
+                        <a:ea typeface="YuKyokasho Medium" panose="02000500000000000000" pitchFamily="2" charset="-128"/>
+                        <a:cs typeface="Times New Roman" panose="02020603050405020304" pitchFamily="18" charset="0"/>
+                      </a:rPr>
+                      <m:t>𝑁</m:t>
+                    </m:r>
+                  </m:oMath>
+                </a14:m>
+                <a:r>
+                  <a:rPr kumimoji="1" lang="en-US" altLang="ja-JP" sz="2400" dirty="0">
+                    <a:solidFill>
+                      <a:schemeClr val="accent1"/>
+                    </a:solidFill>
+                    <a:latin typeface="Times New Roman" panose="02020603050405020304" pitchFamily="18" charset="0"/>
+                    <a:ea typeface="YuKyokasho Medium" panose="02000500000000000000" pitchFamily="2" charset="-128"/>
+                    <a:cs typeface="Times New Roman" panose="02020603050405020304" pitchFamily="18" charset="0"/>
+                  </a:rPr>
+                  <a:t> </a:t>
+                </a:r>
+                <a:r>
+                  <a:rPr kumimoji="1" lang="ja-JP" altLang="en-US" sz="2400" dirty="0">
+                    <a:latin typeface="Times New Roman" panose="02020603050405020304" pitchFamily="18" charset="0"/>
+                    <a:ea typeface="YuKyokasho Medium" panose="02000500000000000000" pitchFamily="2" charset="-128"/>
+                    <a:cs typeface="Times New Roman" panose="02020603050405020304" pitchFamily="18" charset="0"/>
+                  </a:rPr>
+                  <a:t>依存性は悪い</a:t>
+                </a:r>
+                <a:r>
+                  <a:rPr kumimoji="1" lang="en-US" altLang="ja-JP" sz="2400" dirty="0">
+                    <a:latin typeface="Times New Roman" panose="02020603050405020304" pitchFamily="18" charset="0"/>
+                    <a:ea typeface="YuKyokasho Medium" panose="02000500000000000000" pitchFamily="2" charset="-128"/>
+                    <a:cs typeface="Times New Roman" panose="02020603050405020304" pitchFamily="18" charset="0"/>
+                  </a:rPr>
+                  <a:t> </a:t>
+                </a:r>
+                <a:endParaRPr kumimoji="1" lang="ja-JP" altLang="en-US" sz="2400">
                   <a:latin typeface="Times New Roman" panose="02020603050405020304" pitchFamily="18" charset="0"/>
                   <a:ea typeface="YuKyokasho Medium" panose="02000500000000000000" pitchFamily="2" charset="-128"/>
                   <a:cs typeface="Times New Roman" panose="02020603050405020304" pitchFamily="18" charset="0"/>
@@ -4049,13 +4629,13 @@
             </p:txBody>
           </p:sp>
         </mc:Choice>
-        <mc:Fallback xmlns="">
+        <mc:Fallback>
           <p:sp>
             <p:nvSpPr>
-              <p:cNvPr id="9" name="テキスト ボックス 8">
+              <p:cNvPr id="37" name="テキスト ボックス 36">
                 <a:extLst>
                   <a:ext uri="{FF2B5EF4-FFF2-40B4-BE49-F238E27FC236}">
-                    <a16:creationId xmlns:a16="http://schemas.microsoft.com/office/drawing/2014/main" id="{776C70A3-7D68-5CB1-429F-57C3C63647E0}"/>
+                    <a16:creationId xmlns:a16="http://schemas.microsoft.com/office/drawing/2014/main" id="{81AEA7BC-0D3A-1728-E86D-4F696B1A1D4B}"/>
                   </a:ext>
                 </a:extLst>
               </p:cNvPr>
@@ -4066,16 +4646,16 @@
             </p:nvSpPr>
             <p:spPr>
               <a:xfrm>
-                <a:off x="4846850" y="6248644"/>
-                <a:ext cx="8535046" cy="523220"/>
+                <a:off x="5777345" y="8482036"/>
+                <a:ext cx="3875680" cy="830997"/>
               </a:xfrm>
               <a:prstGeom prst="rect">
                 <a:avLst/>
               </a:prstGeom>
               <a:blipFill>
-                <a:blip r:embed="rId3"/>
+                <a:blip r:embed="rId11"/>
                 <a:stretch>
-                  <a:fillRect l="-1486" t="-14286" r="-297" b="-30952"/>
+                  <a:fillRect t="-7463" r="-2288" b="-14925"/>
                 </a:stretch>
               </a:blipFill>
             </p:spPr>
@@ -4096,65 +4676,10 @@
       </mc:AlternateContent>
       <p:sp>
         <p:nvSpPr>
-          <p:cNvPr id="10" name="正方形/長方形 9">
+          <p:cNvPr id="38" name="テキスト ボックス 37">
             <a:extLst>
               <a:ext uri="{FF2B5EF4-FFF2-40B4-BE49-F238E27FC236}">
-                <a16:creationId xmlns:a16="http://schemas.microsoft.com/office/drawing/2014/main" id="{1EBB3896-1465-C92B-CA1E-F64E4FFACD6F}"/>
-              </a:ext>
-            </a:extLst>
-          </p:cNvPr>
-          <p:cNvSpPr/>
-          <p:nvPr/>
-        </p:nvSpPr>
-        <p:spPr>
-          <a:xfrm>
-            <a:off x="522577" y="10087865"/>
-            <a:ext cx="12461296" cy="734919"/>
-          </a:xfrm>
-          <a:prstGeom prst="rect">
-            <a:avLst/>
-          </a:prstGeom>
-          <a:solidFill>
-            <a:schemeClr val="accent6">
-              <a:lumMod val="20000"/>
-              <a:lumOff val="80000"/>
-            </a:schemeClr>
-          </a:solidFill>
-          <a:ln>
-            <a:noFill/>
-          </a:ln>
-        </p:spPr>
-        <p:style>
-          <a:lnRef idx="2">
-            <a:schemeClr val="accent1">
-              <a:shade val="15000"/>
-            </a:schemeClr>
-          </a:lnRef>
-          <a:fillRef idx="1">
-            <a:schemeClr val="accent1"/>
-          </a:fillRef>
-          <a:effectRef idx="0">
-            <a:schemeClr val="accent1"/>
-          </a:effectRef>
-          <a:fontRef idx="minor">
-            <a:schemeClr val="lt1"/>
-          </a:fontRef>
-        </p:style>
-        <p:txBody>
-          <a:bodyPr rtlCol="0" anchor="ctr"/>
-          <a:lstStyle/>
-          <a:p>
-            <a:pPr algn="ctr"/>
-            <a:endParaRPr kumimoji="1" lang="ja-JP" altLang="en-US"/>
-          </a:p>
-        </p:txBody>
-      </p:sp>
-      <p:sp>
-        <p:nvSpPr>
-          <p:cNvPr id="11" name="テキスト ボックス 10">
-            <a:extLst>
-              <a:ext uri="{FF2B5EF4-FFF2-40B4-BE49-F238E27FC236}">
-                <a16:creationId xmlns:a16="http://schemas.microsoft.com/office/drawing/2014/main" id="{B94C5BE9-AD86-FF81-A3CE-AB7C9E785988}"/>
+                <a16:creationId xmlns:a16="http://schemas.microsoft.com/office/drawing/2014/main" id="{01623E3C-6364-3987-AC7D-2D9154A4B918}"/>
               </a:ext>
             </a:extLst>
           </p:cNvPr>
@@ -4163,8 +4688,8 @@
         </p:nvSpPr>
         <p:spPr>
           <a:xfrm>
-            <a:off x="680089" y="9887413"/>
-            <a:ext cx="1794574" cy="400110"/>
+            <a:off x="5601476" y="9272858"/>
+            <a:ext cx="4356438" cy="369332"/>
           </a:xfrm>
           <a:prstGeom prst="rect">
             <a:avLst/>
@@ -4178,171 +4703,28 @@
           <a:lstStyle/>
           <a:p>
             <a:r>
-              <a:rPr kumimoji="1" lang="en-US" altLang="ja-JP" sz="2000" b="1" dirty="0">
+              <a:rPr kumimoji="1" lang="ja-JP" altLang="en-US">
+                <a:solidFill>
+                  <a:schemeClr val="tx1">
+                    <a:lumMod val="50000"/>
+                    <a:lumOff val="50000"/>
+                  </a:schemeClr>
+                </a:solidFill>
                 <a:latin typeface="Times New Roman" panose="02020603050405020304" pitchFamily="18" charset="0"/>
                 <a:ea typeface="YuKyokasho Medium" panose="02000500000000000000" pitchFamily="2" charset="-128"/>
                 <a:cs typeface="Times New Roman" panose="02020603050405020304" pitchFamily="18" charset="0"/>
               </a:rPr>
-              <a:t>Open problem</a:t>
-            </a:r>
-            <a:endParaRPr kumimoji="1" lang="ja-JP" altLang="en-US" sz="2000" b="1">
-              <a:latin typeface="Times New Roman" panose="02020603050405020304" pitchFamily="18" charset="0"/>
-              <a:ea typeface="YuKyokasho Medium" panose="02000500000000000000" pitchFamily="2" charset="-128"/>
-              <a:cs typeface="Times New Roman" panose="02020603050405020304" pitchFamily="18" charset="0"/>
-            </a:endParaRPr>
-          </a:p>
-        </p:txBody>
-      </p:sp>
-      <mc:AlternateContent xmlns:mc="http://schemas.openxmlformats.org/markup-compatibility/2006" xmlns:a14="http://schemas.microsoft.com/office/drawing/2010/main">
-        <mc:Choice Requires="a14">
-          <p:sp>
-            <p:nvSpPr>
-              <p:cNvPr id="12" name="テキスト ボックス 11">
-                <a:extLst>
-                  <a:ext uri="{FF2B5EF4-FFF2-40B4-BE49-F238E27FC236}">
-                    <a16:creationId xmlns:a16="http://schemas.microsoft.com/office/drawing/2014/main" id="{1C9855B0-D53E-8151-9289-FAAC4FF03263}"/>
-                  </a:ext>
-                </a:extLst>
-              </p:cNvPr>
-              <p:cNvSpPr txBox="1"/>
-              <p:nvPr/>
-            </p:nvSpPr>
-            <p:spPr>
-              <a:xfrm>
-                <a:off x="2335047" y="10193714"/>
-                <a:ext cx="8535046" cy="523220"/>
-              </a:xfrm>
-              <a:prstGeom prst="rect">
-                <a:avLst/>
-              </a:prstGeom>
-              <a:noFill/>
-            </p:spPr>
-            <p:txBody>
-              <a:bodyPr wrap="square" rtlCol="0">
-                <a:spAutoFit/>
-              </a:bodyPr>
-              <a:lstStyle/>
-              <a:p>
-                <a:r>
-                  <a:rPr kumimoji="1" lang="en-US" altLang="ja-JP" sz="2800" dirty="0">
-                    <a:latin typeface="Times New Roman" panose="02020603050405020304" pitchFamily="18" charset="0"/>
-                    <a:ea typeface="YuKyokasho Medium" panose="02000500000000000000" pitchFamily="2" charset="-128"/>
-                    <a:cs typeface="Times New Roman" panose="02020603050405020304" pitchFamily="18" charset="0"/>
-                  </a:rPr>
-                  <a:t>Does the cost of MPF has good scaling in any of </a:t>
-                </a:r>
-                <a14:m>
-                  <m:oMath xmlns:m="http://schemas.openxmlformats.org/officeDocument/2006/math">
-                    <m:r>
-                      <a:rPr kumimoji="1" lang="en-US" altLang="ja-JP" sz="2800" b="0" i="1" smtClean="0">
-                        <a:latin typeface="Cambria Math" panose="02040503050406030204" pitchFamily="18" charset="0"/>
-                        <a:ea typeface="YuKyokasho Medium" panose="02000500000000000000" pitchFamily="2" charset="-128"/>
-                        <a:cs typeface="Times New Roman" panose="02020603050405020304" pitchFamily="18" charset="0"/>
-                      </a:rPr>
-                      <m:t>𝑁</m:t>
-                    </m:r>
-                    <m:r>
-                      <a:rPr kumimoji="1" lang="en-US" altLang="ja-JP" sz="2800" b="0" i="1" smtClean="0">
-                        <a:latin typeface="Cambria Math" panose="02040503050406030204" pitchFamily="18" charset="0"/>
-                        <a:ea typeface="YuKyokasho Medium" panose="02000500000000000000" pitchFamily="2" charset="-128"/>
-                        <a:cs typeface="Times New Roman" panose="02020603050405020304" pitchFamily="18" charset="0"/>
-                      </a:rPr>
-                      <m:t>,</m:t>
-                    </m:r>
-                    <m:r>
-                      <a:rPr kumimoji="1" lang="en-US" altLang="ja-JP" sz="2800" b="0" i="1" smtClean="0">
-                        <a:latin typeface="Cambria Math" panose="02040503050406030204" pitchFamily="18" charset="0"/>
-                        <a:ea typeface="YuKyokasho Medium" panose="02000500000000000000" pitchFamily="2" charset="-128"/>
-                        <a:cs typeface="Times New Roman" panose="02020603050405020304" pitchFamily="18" charset="0"/>
-                      </a:rPr>
-                      <m:t>𝑡</m:t>
-                    </m:r>
-                    <m:r>
-                      <a:rPr kumimoji="1" lang="en-US" altLang="ja-JP" sz="2800" b="0" i="1" smtClean="0">
-                        <a:latin typeface="Cambria Math" panose="02040503050406030204" pitchFamily="18" charset="0"/>
-                        <a:ea typeface="YuKyokasho Medium" panose="02000500000000000000" pitchFamily="2" charset="-128"/>
-                        <a:cs typeface="Times New Roman" panose="02020603050405020304" pitchFamily="18" charset="0"/>
-                      </a:rPr>
-                      <m:t>, </m:t>
-                    </m:r>
-                    <m:r>
-                      <a:rPr kumimoji="1" lang="en-US" altLang="ja-JP" sz="2800" b="0" i="1" smtClean="0">
-                        <a:latin typeface="Cambria Math" panose="02040503050406030204" pitchFamily="18" charset="0"/>
-                        <a:ea typeface="Cambria Math" panose="02040503050406030204" pitchFamily="18" charset="0"/>
-                        <a:cs typeface="Times New Roman" panose="02020603050405020304" pitchFamily="18" charset="0"/>
-                      </a:rPr>
-                      <m:t>𝜀</m:t>
-                    </m:r>
-                  </m:oMath>
-                </a14:m>
-                <a:r>
-                  <a:rPr kumimoji="1" lang="en-US" altLang="ja-JP" sz="2800" dirty="0">
-                    <a:latin typeface="Times New Roman" panose="02020603050405020304" pitchFamily="18" charset="0"/>
-                    <a:ea typeface="YuKyokasho Medium" panose="02000500000000000000" pitchFamily="2" charset="-128"/>
-                    <a:cs typeface="Times New Roman" panose="02020603050405020304" pitchFamily="18" charset="0"/>
-                  </a:rPr>
-                  <a:t> ?</a:t>
-                </a:r>
-                <a:endParaRPr kumimoji="1" lang="ja-JP" altLang="en-US" sz="2800">
-                  <a:latin typeface="Times New Roman" panose="02020603050405020304" pitchFamily="18" charset="0"/>
-                  <a:ea typeface="YuKyokasho Medium" panose="02000500000000000000" pitchFamily="2" charset="-128"/>
-                  <a:cs typeface="Times New Roman" panose="02020603050405020304" pitchFamily="18" charset="0"/>
-                </a:endParaRPr>
-              </a:p>
-            </p:txBody>
-          </p:sp>
-        </mc:Choice>
-        <mc:Fallback xmlns="">
-          <p:sp>
-            <p:nvSpPr>
-              <p:cNvPr id="12" name="テキスト ボックス 11">
-                <a:extLst>
-                  <a:ext uri="{FF2B5EF4-FFF2-40B4-BE49-F238E27FC236}">
-                    <a16:creationId xmlns:a16="http://schemas.microsoft.com/office/drawing/2014/main" id="{1C9855B0-D53E-8151-9289-FAAC4FF03263}"/>
-                  </a:ext>
-                </a:extLst>
-              </p:cNvPr>
-              <p:cNvSpPr txBox="1">
-                <a:spLocks noRot="1" noChangeAspect="1" noMove="1" noResize="1" noEditPoints="1" noAdjustHandles="1" noChangeArrowheads="1" noChangeShapeType="1" noTextEdit="1"/>
-              </p:cNvSpPr>
-              <p:nvPr/>
-            </p:nvSpPr>
-            <p:spPr>
-              <a:xfrm>
-                <a:off x="2335047" y="10193714"/>
-                <a:ext cx="8535046" cy="523220"/>
-              </a:xfrm>
-              <a:prstGeom prst="rect">
-                <a:avLst/>
-              </a:prstGeom>
-              <a:blipFill>
-                <a:blip r:embed="rId4"/>
-                <a:stretch>
-                  <a:fillRect l="-1486" t="-11905" b="-33333"/>
-                </a:stretch>
-              </a:blipFill>
-            </p:spPr>
-            <p:txBody>
-              <a:bodyPr/>
-              <a:lstStyle/>
-              <a:p>
-                <a:r>
-                  <a:rPr lang="ja-JP" altLang="en-US">
-                    <a:noFill/>
-                  </a:rPr>
-                  <a:t> </a:t>
-                </a:r>
-              </a:p>
-            </p:txBody>
-          </p:sp>
-        </mc:Fallback>
-      </mc:AlternateContent>
-      <p:sp>
-        <p:nvSpPr>
-          <p:cNvPr id="13" name="テキスト ボックス 12">
+              <a:t>高精度計算は得意だが大規模計算は苦手</a:t>
+            </a:r>
+          </a:p>
+        </p:txBody>
+      </p:sp>
+      <p:sp>
+        <p:nvSpPr>
+          <p:cNvPr id="39" name="テキスト ボックス 38">
             <a:extLst>
               <a:ext uri="{FF2B5EF4-FFF2-40B4-BE49-F238E27FC236}">
-                <a16:creationId xmlns:a16="http://schemas.microsoft.com/office/drawing/2014/main" id="{D36505F9-C0AC-F29B-3506-B19DB79BE4DB}"/>
+                <a16:creationId xmlns:a16="http://schemas.microsoft.com/office/drawing/2014/main" id="{31FA6BEB-F527-0214-86EF-BF945A18107E}"/>
               </a:ext>
             </a:extLst>
           </p:cNvPr>
@@ -4351,8 +4733,8 @@
         </p:nvSpPr>
         <p:spPr>
           <a:xfrm>
-            <a:off x="3468441" y="4804105"/>
-            <a:ext cx="2756818" cy="461665"/>
+            <a:off x="501471" y="3812736"/>
+            <a:ext cx="2043091" cy="461665"/>
           </a:xfrm>
           <a:prstGeom prst="rect">
             <a:avLst/>
@@ -4366,27 +4748,38 @@
           <a:lstStyle/>
           <a:p>
             <a:r>
-              <a:rPr kumimoji="1" lang="en-US" altLang="ja-JP" sz="2400" dirty="0">
+              <a:rPr kumimoji="1" lang="ja-JP" altLang="en-US" sz="2400" b="1" u="sng">
                 <a:latin typeface="Times New Roman" panose="02020603050405020304" pitchFamily="18" charset="0"/>
                 <a:ea typeface="YuKyokasho Medium" panose="02000500000000000000" pitchFamily="2" charset="-128"/>
                 <a:cs typeface="Times New Roman" panose="02020603050405020304" pitchFamily="18" charset="0"/>
               </a:rPr>
-              <a:t>Commutator scaling</a:t>
-            </a:r>
-            <a:endParaRPr kumimoji="1" lang="ja-JP" altLang="en-US" sz="2400">
-              <a:latin typeface="Times New Roman" panose="02020603050405020304" pitchFamily="18" charset="0"/>
-              <a:ea typeface="YuKyokasho Medium" panose="02000500000000000000" pitchFamily="2" charset="-128"/>
-              <a:cs typeface="Times New Roman" panose="02020603050405020304" pitchFamily="18" charset="0"/>
-            </a:endParaRPr>
-          </a:p>
-        </p:txBody>
-      </p:sp>
-      <p:sp>
-        <p:nvSpPr>
-          <p:cNvPr id="14" name="テキスト ボックス 13">
+              <a:t>例</a:t>
+            </a:r>
+            <a:r>
+              <a:rPr kumimoji="1" lang="en-US" altLang="ja-JP" sz="2400" b="1" u="sng" dirty="0">
+                <a:latin typeface="Times New Roman" panose="02020603050405020304" pitchFamily="18" charset="0"/>
+                <a:ea typeface="YuKyokasho Medium" panose="02000500000000000000" pitchFamily="2" charset="-128"/>
+                <a:cs typeface="Times New Roman" panose="02020603050405020304" pitchFamily="18" charset="0"/>
+              </a:rPr>
+              <a:t>: 1</a:t>
+            </a:r>
+            <a:r>
+              <a:rPr kumimoji="1" lang="ja-JP" altLang="en-US" sz="2400" b="1" u="sng">
+                <a:latin typeface="Times New Roman" panose="02020603050405020304" pitchFamily="18" charset="0"/>
+                <a:ea typeface="YuKyokasho Medium" panose="02000500000000000000" pitchFamily="2" charset="-128"/>
+                <a:cs typeface="Times New Roman" panose="02020603050405020304" pitchFamily="18" charset="0"/>
+              </a:rPr>
+              <a:t>次公式</a:t>
+            </a:r>
+          </a:p>
+        </p:txBody>
+      </p:sp>
+      <p:sp>
+        <p:nvSpPr>
+          <p:cNvPr id="40" name="テキスト ボックス 39">
             <a:extLst>
               <a:ext uri="{FF2B5EF4-FFF2-40B4-BE49-F238E27FC236}">
-                <a16:creationId xmlns:a16="http://schemas.microsoft.com/office/drawing/2014/main" id="{A15B1FF3-8953-FCF4-C05D-4B60504F3761}"/>
+                <a16:creationId xmlns:a16="http://schemas.microsoft.com/office/drawing/2014/main" id="{75777B90-EA98-CA43-50ED-8A09AE71920C}"/>
               </a:ext>
             </a:extLst>
           </p:cNvPr>
@@ -4395,8 +4788,8 @@
         </p:nvSpPr>
         <p:spPr>
           <a:xfrm>
-            <a:off x="6962288" y="4719175"/>
-            <a:ext cx="5850449" cy="830997"/>
+            <a:off x="1420979" y="5828581"/>
+            <a:ext cx="939636" cy="461665"/>
           </a:xfrm>
           <a:prstGeom prst="rect">
             <a:avLst/>
@@ -4410,25 +4803,22 @@
           <a:lstStyle/>
           <a:p>
             <a:r>
-              <a:rPr kumimoji="1" lang="en-US" altLang="ja-JP" sz="2400" dirty="0">
+              <a:rPr kumimoji="1" lang="ja-JP" altLang="en-US" sz="2400" b="1" u="sng">
                 <a:latin typeface="Times New Roman" panose="02020603050405020304" pitchFamily="18" charset="0"/>
                 <a:ea typeface="YuKyokasho Medium" panose="02000500000000000000" pitchFamily="2" charset="-128"/>
                 <a:cs typeface="Times New Roman" panose="02020603050405020304" pitchFamily="18" charset="0"/>
               </a:rPr>
-              <a:t>Rapid convergence of</a:t>
-            </a:r>
-          </a:p>
-          <a:p>
-            <a:pPr algn="r"/>
-            <a:r>
-              <a:rPr kumimoji="1" lang="en-US" altLang="ja-JP" sz="2400" dirty="0">
+              <a:t>長所</a:t>
+            </a:r>
+            <a:r>
+              <a:rPr kumimoji="1" lang="en-US" altLang="ja-JP" sz="2400" b="1" u="sng" dirty="0">
                 <a:latin typeface="Times New Roman" panose="02020603050405020304" pitchFamily="18" charset="0"/>
                 <a:ea typeface="YuKyokasho Medium" panose="02000500000000000000" pitchFamily="2" charset="-128"/>
                 <a:cs typeface="Times New Roman" panose="02020603050405020304" pitchFamily="18" charset="0"/>
               </a:rPr>
-              <a:t> polynomial approximation</a:t>
-            </a:r>
-            <a:endParaRPr kumimoji="1" lang="ja-JP" altLang="en-US" sz="2400">
+              <a:t>:</a:t>
+            </a:r>
+            <a:endParaRPr kumimoji="1" lang="ja-JP" altLang="en-US" sz="2400" b="1" u="sng">
               <a:latin typeface="Times New Roman" panose="02020603050405020304" pitchFamily="18" charset="0"/>
               <a:ea typeface="YuKyokasho Medium" panose="02000500000000000000" pitchFamily="2" charset="-128"/>
               <a:cs typeface="Times New Roman" panose="02020603050405020304" pitchFamily="18" charset="0"/>
@@ -4438,112 +4828,10 @@
       </p:sp>
       <p:sp>
         <p:nvSpPr>
-          <p:cNvPr id="16" name="正方形/長方形 15">
+          <p:cNvPr id="41" name="テキスト ボックス 40">
             <a:extLst>
               <a:ext uri="{FF2B5EF4-FFF2-40B4-BE49-F238E27FC236}">
-                <a16:creationId xmlns:a16="http://schemas.microsoft.com/office/drawing/2014/main" id="{EBB4B8BC-39BB-7C35-F7C6-DD4799E1B117}"/>
-              </a:ext>
-            </a:extLst>
-          </p:cNvPr>
-          <p:cNvSpPr/>
-          <p:nvPr/>
-        </p:nvSpPr>
-        <p:spPr>
-          <a:xfrm>
-            <a:off x="3824834" y="7875446"/>
-            <a:ext cx="1001169" cy="311066"/>
-          </a:xfrm>
-          <a:prstGeom prst="rect">
-            <a:avLst/>
-          </a:prstGeom>
-          <a:solidFill>
-            <a:schemeClr val="accent2">
-              <a:lumMod val="20000"/>
-              <a:lumOff val="80000"/>
-            </a:schemeClr>
-          </a:solidFill>
-          <a:ln>
-            <a:noFill/>
-          </a:ln>
-        </p:spPr>
-        <p:style>
-          <a:lnRef idx="2">
-            <a:schemeClr val="accent1">
-              <a:shade val="15000"/>
-            </a:schemeClr>
-          </a:lnRef>
-          <a:fillRef idx="1">
-            <a:schemeClr val="accent1"/>
-          </a:fillRef>
-          <a:effectRef idx="0">
-            <a:schemeClr val="accent1"/>
-          </a:effectRef>
-          <a:fontRef idx="minor">
-            <a:schemeClr val="lt1"/>
-          </a:fontRef>
-        </p:style>
-        <p:txBody>
-          <a:bodyPr rtlCol="0" anchor="ctr"/>
-          <a:lstStyle/>
-          <a:p>
-            <a:pPr algn="ctr"/>
-            <a:endParaRPr kumimoji="1" lang="ja-JP" altLang="en-US"/>
-          </a:p>
-        </p:txBody>
-      </p:sp>
-      <p:pic>
-        <p:nvPicPr>
-          <p:cNvPr id="1028" name="Picture 4" descr="\begin{align*}&#10;  M(\tau) = \sum_{j=1}^J c_j [T_p(\tau/k_j)]^{k_j} = e^{-iH\tau} + \mathcal{O}(\tau^{m+1}).&#10;\end{align*}">
-            <a:extLst>
-              <a:ext uri="{FF2B5EF4-FFF2-40B4-BE49-F238E27FC236}">
-                <a16:creationId xmlns:a16="http://schemas.microsoft.com/office/drawing/2014/main" id="{81B4A4CF-D6BF-98C2-51DA-297EFCC9ABA1}"/>
-              </a:ext>
-            </a:extLst>
-          </p:cNvPr>
-          <p:cNvPicPr>
-            <a:picLocks noChangeAspect="1" noChangeArrowheads="1"/>
-          </p:cNvPicPr>
-          <p:nvPr/>
-        </p:nvPicPr>
-        <p:blipFill>
-          <a:blip r:embed="rId5">
-            <a:extLst>
-              <a:ext uri="{28A0092B-C50C-407E-A947-70E740481C1C}">
-                <a14:useLocalDpi xmlns:a14="http://schemas.microsoft.com/office/drawing/2010/main" val="0"/>
-              </a:ext>
-            </a:extLst>
-          </a:blip>
-          <a:srcRect/>
-          <a:stretch>
-            <a:fillRect/>
-          </a:stretch>
-        </p:blipFill>
-        <p:spPr bwMode="auto">
-          <a:xfrm>
-            <a:off x="2514532" y="6888490"/>
-            <a:ext cx="7603989" cy="1124332"/>
-          </a:xfrm>
-          <a:prstGeom prst="rect">
-            <a:avLst/>
-          </a:prstGeom>
-          <a:noFill/>
-          <a:extLst>
-            <a:ext uri="{909E8E84-426E-40DD-AFC4-6F175D3DCCD1}">
-              <a14:hiddenFill xmlns:a14="http://schemas.microsoft.com/office/drawing/2010/main">
-                <a:solidFill>
-                  <a:srgbClr val="FFFFFF"/>
-                </a:solidFill>
-              </a14:hiddenFill>
-            </a:ext>
-          </a:extLst>
-        </p:spPr>
-      </p:pic>
-      <p:sp>
-        <p:nvSpPr>
-          <p:cNvPr id="18" name="テキスト ボックス 17">
-            <a:extLst>
-              <a:ext uri="{FF2B5EF4-FFF2-40B4-BE49-F238E27FC236}">
-                <a16:creationId xmlns:a16="http://schemas.microsoft.com/office/drawing/2014/main" id="{278D8B3E-9CBA-5A8F-654E-AEAF54B7F1F3}"/>
+                <a16:creationId xmlns:a16="http://schemas.microsoft.com/office/drawing/2014/main" id="{6D61C8AE-1A21-1C3F-AE89-967D166C1E18}"/>
               </a:ext>
             </a:extLst>
           </p:cNvPr>
@@ -4552,8 +4840,8 @@
         </p:nvSpPr>
         <p:spPr>
           <a:xfrm>
-            <a:off x="1942030" y="8015641"/>
-            <a:ext cx="3124295" cy="461665"/>
+            <a:off x="2544561" y="5839364"/>
+            <a:ext cx="4989457" cy="461665"/>
           </a:xfrm>
           <a:prstGeom prst="rect">
             <a:avLst/>
@@ -4567,2366 +4855,38 @@
           <a:lstStyle/>
           <a:p>
             <a:r>
-              <a:rPr kumimoji="1" lang="en-US" altLang="ja-JP" sz="2400" dirty="0">
-                <a:solidFill>
-                  <a:schemeClr val="accent2"/>
-                </a:solidFill>
+              <a:rPr kumimoji="1" lang="ja-JP" altLang="en-US" sz="2400">
                 <a:latin typeface="Times New Roman" panose="02020603050405020304" pitchFamily="18" charset="0"/>
                 <a:ea typeface="YuKyokasho Medium" panose="02000500000000000000" pitchFamily="2" charset="-128"/>
                 <a:cs typeface="Times New Roman" panose="02020603050405020304" pitchFamily="18" charset="0"/>
               </a:rPr>
-              <a:t>Linear combination of</a:t>
-            </a:r>
-            <a:endParaRPr kumimoji="1" lang="ja-JP" altLang="en-US" sz="2400">
-              <a:solidFill>
-                <a:schemeClr val="accent2"/>
-              </a:solidFill>
-              <a:latin typeface="Times New Roman" panose="02020603050405020304" pitchFamily="18" charset="0"/>
-              <a:ea typeface="YuKyokasho Medium" panose="02000500000000000000" pitchFamily="2" charset="-128"/>
-              <a:cs typeface="Times New Roman" panose="02020603050405020304" pitchFamily="18" charset="0"/>
-            </a:endParaRPr>
-          </a:p>
-        </p:txBody>
-      </p:sp>
-      <p:sp>
-        <p:nvSpPr>
-          <p:cNvPr id="20" name="正方形/長方形 19">
+              <a:t>量子回路の構造が単純</a:t>
+            </a:r>
+            <a:r>
+              <a:rPr kumimoji="1" lang="en-US" altLang="ja-JP" sz="2400" dirty="0">
+                <a:latin typeface="Times New Roman" panose="02020603050405020304" pitchFamily="18" charset="0"/>
+                <a:ea typeface="YuKyokasho Medium" panose="02000500000000000000" pitchFamily="2" charset="-128"/>
+                <a:cs typeface="Times New Roman" panose="02020603050405020304" pitchFamily="18" charset="0"/>
+              </a:rPr>
+              <a:t>, </a:t>
+            </a:r>
+            <a:r>
+              <a:rPr kumimoji="1" lang="ja-JP" altLang="en-US" sz="2400">
+                <a:latin typeface="Times New Roman" panose="02020603050405020304" pitchFamily="18" charset="0"/>
+                <a:ea typeface="YuKyokasho Medium" panose="02000500000000000000" pitchFamily="2" charset="-128"/>
+                <a:cs typeface="Times New Roman" panose="02020603050405020304" pitchFamily="18" charset="0"/>
+              </a:rPr>
+              <a:t>補助系不要</a:t>
+            </a:r>
+          </a:p>
+        </p:txBody>
+      </p:sp>
+      <p:sp>
+        <p:nvSpPr>
+          <p:cNvPr id="42" name="テキスト ボックス 41">
             <a:extLst>
               <a:ext uri="{FF2B5EF4-FFF2-40B4-BE49-F238E27FC236}">
-                <a16:creationId xmlns:a16="http://schemas.microsoft.com/office/drawing/2014/main" id="{46607C5F-5101-CEA3-CEEE-9C158A013265}"/>
-              </a:ext>
-            </a:extLst>
-          </p:cNvPr>
-          <p:cNvSpPr/>
-          <p:nvPr/>
-        </p:nvSpPr>
-        <p:spPr>
-          <a:xfrm>
-            <a:off x="4859089" y="7875446"/>
-            <a:ext cx="1769383" cy="311066"/>
-          </a:xfrm>
-          <a:prstGeom prst="rect">
-            <a:avLst/>
-          </a:prstGeom>
-          <a:solidFill>
-            <a:schemeClr val="accent5">
-              <a:lumMod val="20000"/>
-              <a:lumOff val="80000"/>
-            </a:schemeClr>
-          </a:solidFill>
-          <a:ln>
-            <a:noFill/>
-          </a:ln>
-        </p:spPr>
-        <p:style>
-          <a:lnRef idx="2">
-            <a:schemeClr val="accent1">
-              <a:shade val="15000"/>
-            </a:schemeClr>
-          </a:lnRef>
-          <a:fillRef idx="1">
-            <a:schemeClr val="accent1"/>
-          </a:fillRef>
-          <a:effectRef idx="0">
-            <a:schemeClr val="accent1"/>
-          </a:effectRef>
-          <a:fontRef idx="minor">
-            <a:schemeClr val="lt1"/>
-          </a:fontRef>
-        </p:style>
-        <p:txBody>
-          <a:bodyPr rtlCol="0" anchor="ctr"/>
-          <a:lstStyle/>
-          <a:p>
-            <a:pPr algn="ctr"/>
-            <a:endParaRPr kumimoji="1" lang="ja-JP" altLang="en-US"/>
-          </a:p>
-        </p:txBody>
-      </p:sp>
-      <mc:AlternateContent xmlns:mc="http://schemas.openxmlformats.org/markup-compatibility/2006" xmlns:a14="http://schemas.microsoft.com/office/drawing/2010/main">
-        <mc:Choice Requires="a14">
-          <p:sp>
-            <p:nvSpPr>
-              <p:cNvPr id="21" name="テキスト ボックス 20">
-                <a:extLst>
-                  <a:ext uri="{FF2B5EF4-FFF2-40B4-BE49-F238E27FC236}">
-                    <a16:creationId xmlns:a16="http://schemas.microsoft.com/office/drawing/2014/main" id="{0F2ACACE-E153-FDD8-9FE7-E202150513A7}"/>
-                  </a:ext>
-                </a:extLst>
-              </p:cNvPr>
-              <p:cNvSpPr txBox="1"/>
-              <p:nvPr/>
-            </p:nvSpPr>
-            <p:spPr>
-              <a:xfrm>
-                <a:off x="4826003" y="8015641"/>
-                <a:ext cx="2062733" cy="461665"/>
-              </a:xfrm>
-              <a:prstGeom prst="rect">
-                <a:avLst/>
-              </a:prstGeom>
-              <a:noFill/>
-            </p:spPr>
-            <p:txBody>
-              <a:bodyPr wrap="square" rtlCol="0">
-                <a:spAutoFit/>
-              </a:bodyPr>
-              <a:lstStyle/>
-              <a:p>
-                <a14:m>
-                  <m:oMath xmlns:m="http://schemas.openxmlformats.org/officeDocument/2006/math">
-                    <m:r>
-                      <a:rPr kumimoji="1" lang="en-US" altLang="ja-JP" sz="2400" b="0" i="1" dirty="0" smtClean="0">
-                        <a:solidFill>
-                          <a:schemeClr val="accent1"/>
-                        </a:solidFill>
-                        <a:latin typeface="Cambria Math" panose="02040503050406030204" pitchFamily="18" charset="0"/>
-                        <a:ea typeface="YuKyokasho Medium" panose="02000500000000000000" pitchFamily="2" charset="-128"/>
-                        <a:cs typeface="Times New Roman" panose="02020603050405020304" pitchFamily="18" charset="0"/>
-                      </a:rPr>
-                      <m:t>𝑝</m:t>
-                    </m:r>
-                  </m:oMath>
-                </a14:m>
-                <a:r>
-                  <a:rPr kumimoji="1" lang="en-US" altLang="ja-JP" sz="2400" b="0" dirty="0">
-                    <a:solidFill>
-                      <a:schemeClr val="accent1"/>
-                    </a:solidFill>
-                    <a:latin typeface="Cambria Math" panose="02040503050406030204" pitchFamily="18" charset="0"/>
-                    <a:ea typeface="YuKyokasho Medium" panose="02000500000000000000" pitchFamily="2" charset="-128"/>
-                    <a:cs typeface="Times New Roman" panose="02020603050405020304" pitchFamily="18" charset="0"/>
-                  </a:rPr>
-                  <a:t>th</a:t>
-                </a:r>
-                <a:r>
-                  <a:rPr kumimoji="1" lang="en-US" altLang="ja-JP" sz="2400" dirty="0">
-                    <a:solidFill>
-                      <a:schemeClr val="accent1"/>
-                    </a:solidFill>
-                    <a:latin typeface="Cambria Math" panose="02040503050406030204" pitchFamily="18" charset="0"/>
-                    <a:ea typeface="YuKyokasho Medium" panose="02000500000000000000" pitchFamily="2" charset="-128"/>
-                    <a:cs typeface="Times New Roman" panose="02020603050405020304" pitchFamily="18" charset="0"/>
-                  </a:rPr>
-                  <a:t>-</a:t>
-                </a:r>
-                <a:r>
-                  <a:rPr kumimoji="1" lang="en-US" altLang="ja-JP" sz="2400" b="0" dirty="0">
-                    <a:solidFill>
-                      <a:schemeClr val="accent1"/>
-                    </a:solidFill>
-                    <a:latin typeface="Cambria Math" panose="02040503050406030204" pitchFamily="18" charset="0"/>
-                    <a:ea typeface="YuKyokasho Medium" panose="02000500000000000000" pitchFamily="2" charset="-128"/>
-                    <a:cs typeface="Times New Roman" panose="02020603050405020304" pitchFamily="18" charset="0"/>
-                  </a:rPr>
-                  <a:t>order PF</a:t>
-                </a:r>
-              </a:p>
-            </p:txBody>
-          </p:sp>
-        </mc:Choice>
-        <mc:Fallback xmlns="">
-          <p:sp>
-            <p:nvSpPr>
-              <p:cNvPr id="21" name="テキスト ボックス 20">
-                <a:extLst>
-                  <a:ext uri="{FF2B5EF4-FFF2-40B4-BE49-F238E27FC236}">
-                    <a16:creationId xmlns:a16="http://schemas.microsoft.com/office/drawing/2014/main" id="{0F2ACACE-E153-FDD8-9FE7-E202150513A7}"/>
-                  </a:ext>
-                </a:extLst>
-              </p:cNvPr>
-              <p:cNvSpPr txBox="1">
-                <a:spLocks noRot="1" noChangeAspect="1" noMove="1" noResize="1" noEditPoints="1" noAdjustHandles="1" noChangeArrowheads="1" noChangeShapeType="1" noTextEdit="1"/>
-              </p:cNvSpPr>
-              <p:nvPr/>
-            </p:nvSpPr>
-            <p:spPr>
-              <a:xfrm>
-                <a:off x="4826003" y="8015641"/>
-                <a:ext cx="2062733" cy="461665"/>
-              </a:xfrm>
-              <a:prstGeom prst="rect">
-                <a:avLst/>
-              </a:prstGeom>
-              <a:blipFill>
-                <a:blip r:embed="rId6"/>
-                <a:stretch>
-                  <a:fillRect l="-613" t="-10811" b="-27027"/>
-                </a:stretch>
-              </a:blipFill>
-            </p:spPr>
-            <p:txBody>
-              <a:bodyPr/>
-              <a:lstStyle/>
-              <a:p>
-                <a:r>
-                  <a:rPr lang="ja-JP" altLang="en-US">
-                    <a:noFill/>
-                  </a:rPr>
-                  <a:t> </a:t>
-                </a:r>
-              </a:p>
-            </p:txBody>
-          </p:sp>
-        </mc:Fallback>
-      </mc:AlternateContent>
-      <p:cxnSp>
-        <p:nvCxnSpPr>
-          <p:cNvPr id="23" name="直線コネクタ 22">
-            <a:extLst>
-              <a:ext uri="{FF2B5EF4-FFF2-40B4-BE49-F238E27FC236}">
-                <a16:creationId xmlns:a16="http://schemas.microsoft.com/office/drawing/2014/main" id="{5B3E353E-485E-FA28-2067-7801E3FEFD5E}"/>
-              </a:ext>
-            </a:extLst>
-          </p:cNvPr>
-          <p:cNvCxnSpPr>
-            <a:cxnSpLocks/>
-          </p:cNvCxnSpPr>
-          <p:nvPr/>
-        </p:nvCxnSpPr>
-        <p:spPr>
-          <a:xfrm>
-            <a:off x="8483604" y="7773733"/>
-            <a:ext cx="1668003" cy="0"/>
-          </a:xfrm>
-          <a:prstGeom prst="line">
-            <a:avLst/>
-          </a:prstGeom>
-          <a:ln w="19050">
-            <a:solidFill>
-              <a:schemeClr val="accent6"/>
-            </a:solidFill>
-          </a:ln>
-        </p:spPr>
-        <p:style>
-          <a:lnRef idx="1">
-            <a:schemeClr val="accent1"/>
-          </a:lnRef>
-          <a:fillRef idx="0">
-            <a:schemeClr val="accent1"/>
-          </a:fillRef>
-          <a:effectRef idx="0">
-            <a:schemeClr val="accent1"/>
-          </a:effectRef>
-          <a:fontRef idx="minor">
-            <a:schemeClr val="tx1"/>
-          </a:fontRef>
-        </p:style>
-      </p:cxnSp>
-      <mc:AlternateContent xmlns:mc="http://schemas.openxmlformats.org/markup-compatibility/2006" xmlns:a14="http://schemas.microsoft.com/office/drawing/2010/main">
-        <mc:Choice Requires="a14">
-          <p:sp>
-            <p:nvSpPr>
-              <p:cNvPr id="27" name="テキスト ボックス 26">
-                <a:extLst>
-                  <a:ext uri="{FF2B5EF4-FFF2-40B4-BE49-F238E27FC236}">
-                    <a16:creationId xmlns:a16="http://schemas.microsoft.com/office/drawing/2014/main" id="{DC626A30-E448-24D2-CF35-0CF0A82503FD}"/>
-                  </a:ext>
-                </a:extLst>
-              </p:cNvPr>
-              <p:cNvSpPr txBox="1"/>
-              <p:nvPr/>
-            </p:nvSpPr>
-            <p:spPr>
-              <a:xfrm>
-                <a:off x="3249615" y="3655864"/>
-                <a:ext cx="3234422" cy="830997"/>
-              </a:xfrm>
-              <a:prstGeom prst="rect">
-                <a:avLst/>
-              </a:prstGeom>
-              <a:noFill/>
-            </p:spPr>
-            <p:txBody>
-              <a:bodyPr wrap="square" rtlCol="0">
-                <a:spAutoFit/>
-              </a:bodyPr>
-              <a:lstStyle/>
-              <a:p>
-                <a:r>
-                  <a:rPr kumimoji="1" lang="en-US" altLang="ja-JP" sz="2400" dirty="0">
-                    <a:latin typeface="Times New Roman" panose="02020603050405020304" pitchFamily="18" charset="0"/>
-                    <a:ea typeface="YuKyokasho Medium" panose="02000500000000000000" pitchFamily="2" charset="-128"/>
-                    <a:cs typeface="Times New Roman" panose="02020603050405020304" pitchFamily="18" charset="0"/>
-                  </a:rPr>
-                  <a:t>Good scaling in </a:t>
-                </a:r>
-                <a14:m>
-                  <m:oMath xmlns:m="http://schemas.openxmlformats.org/officeDocument/2006/math">
-                    <m:r>
-                      <a:rPr kumimoji="1" lang="en-US" altLang="ja-JP" sz="2400" b="0" i="1" smtClean="0">
-                        <a:latin typeface="Cambria Math" panose="02040503050406030204" pitchFamily="18" charset="0"/>
-                        <a:ea typeface="YuKyokasho Medium" panose="02000500000000000000" pitchFamily="2" charset="-128"/>
-                        <a:cs typeface="Times New Roman" panose="02020603050405020304" pitchFamily="18" charset="0"/>
-                      </a:rPr>
-                      <m:t>𝑁</m:t>
-                    </m:r>
-                  </m:oMath>
-                </a14:m>
-                <a:endParaRPr kumimoji="1" lang="en-US" altLang="ja-JP" sz="2400" dirty="0">
-                  <a:latin typeface="Times New Roman" panose="02020603050405020304" pitchFamily="18" charset="0"/>
-                  <a:ea typeface="YuKyokasho Medium" panose="02000500000000000000" pitchFamily="2" charset="-128"/>
-                  <a:cs typeface="Times New Roman" panose="02020603050405020304" pitchFamily="18" charset="0"/>
-                </a:endParaRPr>
-              </a:p>
-              <a:p>
-                <a:pPr algn="r"/>
-                <a:r>
-                  <a:rPr kumimoji="1" lang="en-US" altLang="ja-JP" sz="2400" dirty="0">
-                    <a:latin typeface="Times New Roman" panose="02020603050405020304" pitchFamily="18" charset="0"/>
-                    <a:ea typeface="YuKyokasho Medium" panose="02000500000000000000" pitchFamily="2" charset="-128"/>
-                    <a:cs typeface="Times New Roman" panose="02020603050405020304" pitchFamily="18" charset="0"/>
-                  </a:rPr>
-                  <a:t>/ Bad scaling in </a:t>
-                </a:r>
-                <a14:m>
-                  <m:oMath xmlns:m="http://schemas.openxmlformats.org/officeDocument/2006/math">
-                    <m:r>
-                      <a:rPr kumimoji="1" lang="en-US" altLang="ja-JP" sz="2400" i="1" smtClean="0">
-                        <a:latin typeface="Cambria Math" panose="02040503050406030204" pitchFamily="18" charset="0"/>
-                        <a:ea typeface="Cambria Math" panose="02040503050406030204" pitchFamily="18" charset="0"/>
-                        <a:cs typeface="Times New Roman" panose="02020603050405020304" pitchFamily="18" charset="0"/>
-                      </a:rPr>
-                      <m:t>𝜀</m:t>
-                    </m:r>
-                  </m:oMath>
-                </a14:m>
-                <a:endParaRPr kumimoji="1" lang="ja-JP" altLang="en-US" sz="2400">
-                  <a:latin typeface="Times New Roman" panose="02020603050405020304" pitchFamily="18" charset="0"/>
-                  <a:ea typeface="YuKyokasho Medium" panose="02000500000000000000" pitchFamily="2" charset="-128"/>
-                  <a:cs typeface="Times New Roman" panose="02020603050405020304" pitchFamily="18" charset="0"/>
-                </a:endParaRPr>
-              </a:p>
-            </p:txBody>
-          </p:sp>
-        </mc:Choice>
-        <mc:Fallback xmlns="">
-          <p:sp>
-            <p:nvSpPr>
-              <p:cNvPr id="27" name="テキスト ボックス 26">
-                <a:extLst>
-                  <a:ext uri="{FF2B5EF4-FFF2-40B4-BE49-F238E27FC236}">
-                    <a16:creationId xmlns:a16="http://schemas.microsoft.com/office/drawing/2014/main" id="{DC626A30-E448-24D2-CF35-0CF0A82503FD}"/>
-                  </a:ext>
-                </a:extLst>
-              </p:cNvPr>
-              <p:cNvSpPr txBox="1">
-                <a:spLocks noRot="1" noChangeAspect="1" noMove="1" noResize="1" noEditPoints="1" noAdjustHandles="1" noChangeArrowheads="1" noChangeShapeType="1" noTextEdit="1"/>
-              </p:cNvSpPr>
-              <p:nvPr/>
-            </p:nvSpPr>
-            <p:spPr>
-              <a:xfrm>
-                <a:off x="3249615" y="3655864"/>
-                <a:ext cx="3234422" cy="830997"/>
-              </a:xfrm>
-              <a:prstGeom prst="rect">
-                <a:avLst/>
-              </a:prstGeom>
-              <a:blipFill>
-                <a:blip r:embed="rId7"/>
-                <a:stretch>
-                  <a:fillRect l="-2734" t="-6061" b="-16667"/>
-                </a:stretch>
-              </a:blipFill>
-            </p:spPr>
-            <p:txBody>
-              <a:bodyPr/>
-              <a:lstStyle/>
-              <a:p>
-                <a:r>
-                  <a:rPr lang="ja-JP" altLang="en-US">
-                    <a:noFill/>
-                  </a:rPr>
-                  <a:t> </a:t>
-                </a:r>
-              </a:p>
-            </p:txBody>
-          </p:sp>
-        </mc:Fallback>
-      </mc:AlternateContent>
-      <mc:AlternateContent xmlns:mc="http://schemas.openxmlformats.org/markup-compatibility/2006" xmlns:a14="http://schemas.microsoft.com/office/drawing/2010/main">
-        <mc:Choice Requires="a14">
-          <p:sp>
-            <p:nvSpPr>
-              <p:cNvPr id="28" name="テキスト ボックス 27">
-                <a:extLst>
-                  <a:ext uri="{FF2B5EF4-FFF2-40B4-BE49-F238E27FC236}">
-                    <a16:creationId xmlns:a16="http://schemas.microsoft.com/office/drawing/2014/main" id="{B8A165A7-03C8-F8FE-90B4-9F885E80C3BC}"/>
-                  </a:ext>
-                </a:extLst>
-              </p:cNvPr>
-              <p:cNvSpPr txBox="1"/>
-              <p:nvPr/>
-            </p:nvSpPr>
-            <p:spPr>
-              <a:xfrm>
-                <a:off x="7068734" y="3655864"/>
-                <a:ext cx="5850449" cy="830997"/>
-              </a:xfrm>
-              <a:prstGeom prst="rect">
-                <a:avLst/>
-              </a:prstGeom>
-              <a:noFill/>
-            </p:spPr>
-            <p:txBody>
-              <a:bodyPr wrap="square" rtlCol="0">
-                <a:spAutoFit/>
-              </a:bodyPr>
-              <a:lstStyle/>
-              <a:p>
-                <a:r>
-                  <a:rPr kumimoji="1" lang="en-US" altLang="ja-JP" sz="2400" dirty="0">
-                    <a:latin typeface="Times New Roman" panose="02020603050405020304" pitchFamily="18" charset="0"/>
-                    <a:ea typeface="YuKyokasho Medium" panose="02000500000000000000" pitchFamily="2" charset="-128"/>
-                    <a:cs typeface="Times New Roman" panose="02020603050405020304" pitchFamily="18" charset="0"/>
-                  </a:rPr>
-                  <a:t>Exponentially good scaling in </a:t>
-                </a:r>
-                <a14:m>
-                  <m:oMath xmlns:m="http://schemas.openxmlformats.org/officeDocument/2006/math">
-                    <m:r>
-                      <a:rPr kumimoji="1" lang="en-US" altLang="ja-JP" sz="2400" i="1" smtClean="0">
-                        <a:latin typeface="Cambria Math" panose="02040503050406030204" pitchFamily="18" charset="0"/>
-                        <a:ea typeface="Cambria Math" panose="02040503050406030204" pitchFamily="18" charset="0"/>
-                        <a:cs typeface="Times New Roman" panose="02020603050405020304" pitchFamily="18" charset="0"/>
-                      </a:rPr>
-                      <m:t>𝜀</m:t>
-                    </m:r>
-                  </m:oMath>
-                </a14:m>
-                <a:endParaRPr kumimoji="1" lang="en-US" altLang="ja-JP" sz="2400" dirty="0">
-                  <a:latin typeface="Times New Roman" panose="02020603050405020304" pitchFamily="18" charset="0"/>
-                  <a:ea typeface="YuKyokasho Medium" panose="02000500000000000000" pitchFamily="2" charset="-128"/>
-                  <a:cs typeface="Times New Roman" panose="02020603050405020304" pitchFamily="18" charset="0"/>
-                </a:endParaRPr>
-              </a:p>
-              <a:p>
-                <a:pPr algn="r"/>
-                <a:r>
-                  <a:rPr kumimoji="1" lang="en-US" altLang="ja-JP" sz="2400" dirty="0">
-                    <a:latin typeface="Times New Roman" panose="02020603050405020304" pitchFamily="18" charset="0"/>
-                    <a:ea typeface="YuKyokasho Medium" panose="02000500000000000000" pitchFamily="2" charset="-128"/>
-                    <a:cs typeface="Times New Roman" panose="02020603050405020304" pitchFamily="18" charset="0"/>
-                  </a:rPr>
-                  <a:t> Good scaling in </a:t>
-                </a:r>
-                <a14:m>
-                  <m:oMath xmlns:m="http://schemas.openxmlformats.org/officeDocument/2006/math">
-                    <m:r>
-                      <a:rPr kumimoji="1" lang="en-US" altLang="ja-JP" sz="2400" b="0" i="1" smtClean="0">
-                        <a:latin typeface="Cambria Math" panose="02040503050406030204" pitchFamily="18" charset="0"/>
-                        <a:ea typeface="YuKyokasho Medium" panose="02000500000000000000" pitchFamily="2" charset="-128"/>
-                        <a:cs typeface="Times New Roman" panose="02020603050405020304" pitchFamily="18" charset="0"/>
-                      </a:rPr>
-                      <m:t>𝑡</m:t>
-                    </m:r>
-                  </m:oMath>
-                </a14:m>
-                <a:r>
-                  <a:rPr kumimoji="1" lang="en-US" altLang="ja-JP" sz="2400" dirty="0">
-                    <a:latin typeface="Times New Roman" panose="02020603050405020304" pitchFamily="18" charset="0"/>
-                    <a:ea typeface="YuKyokasho Medium" panose="02000500000000000000" pitchFamily="2" charset="-128"/>
-                    <a:cs typeface="Times New Roman" panose="02020603050405020304" pitchFamily="18" charset="0"/>
-                  </a:rPr>
-                  <a:t> / Bad scaling in </a:t>
-                </a:r>
-                <a14:m>
-                  <m:oMath xmlns:m="http://schemas.openxmlformats.org/officeDocument/2006/math">
-                    <m:r>
-                      <a:rPr kumimoji="1" lang="en-US" altLang="ja-JP" sz="2400" b="0" i="1" smtClean="0">
-                        <a:latin typeface="Cambria Math" panose="02040503050406030204" pitchFamily="18" charset="0"/>
-                        <a:ea typeface="YuKyokasho Medium" panose="02000500000000000000" pitchFamily="2" charset="-128"/>
-                        <a:cs typeface="Times New Roman" panose="02020603050405020304" pitchFamily="18" charset="0"/>
-                      </a:rPr>
-                      <m:t>𝑁</m:t>
-                    </m:r>
-                  </m:oMath>
-                </a14:m>
-                <a:endParaRPr kumimoji="1" lang="ja-JP" altLang="en-US" sz="2400">
-                  <a:latin typeface="Times New Roman" panose="02020603050405020304" pitchFamily="18" charset="0"/>
-                  <a:ea typeface="YuKyokasho Medium" panose="02000500000000000000" pitchFamily="2" charset="-128"/>
-                  <a:cs typeface="Times New Roman" panose="02020603050405020304" pitchFamily="18" charset="0"/>
-                </a:endParaRPr>
-              </a:p>
-            </p:txBody>
-          </p:sp>
-        </mc:Choice>
-        <mc:Fallback xmlns="">
-          <p:sp>
-            <p:nvSpPr>
-              <p:cNvPr id="28" name="テキスト ボックス 27">
-                <a:extLst>
-                  <a:ext uri="{FF2B5EF4-FFF2-40B4-BE49-F238E27FC236}">
-                    <a16:creationId xmlns:a16="http://schemas.microsoft.com/office/drawing/2014/main" id="{B8A165A7-03C8-F8FE-90B4-9F885E80C3BC}"/>
-                  </a:ext>
-                </a:extLst>
-              </p:cNvPr>
-              <p:cNvSpPr txBox="1">
-                <a:spLocks noRot="1" noChangeAspect="1" noMove="1" noResize="1" noEditPoints="1" noAdjustHandles="1" noChangeArrowheads="1" noChangeShapeType="1" noTextEdit="1"/>
-              </p:cNvSpPr>
-              <p:nvPr/>
-            </p:nvSpPr>
-            <p:spPr>
-              <a:xfrm>
-                <a:off x="7068734" y="3655864"/>
-                <a:ext cx="5850449" cy="830997"/>
-              </a:xfrm>
-              <a:prstGeom prst="rect">
-                <a:avLst/>
-              </a:prstGeom>
-              <a:blipFill>
-                <a:blip r:embed="rId8"/>
-                <a:stretch>
-                  <a:fillRect l="-1515" t="-6061" b="-16667"/>
-                </a:stretch>
-              </a:blipFill>
-            </p:spPr>
-            <p:txBody>
-              <a:bodyPr/>
-              <a:lstStyle/>
-              <a:p>
-                <a:r>
-                  <a:rPr lang="ja-JP" altLang="en-US">
-                    <a:noFill/>
-                  </a:rPr>
-                  <a:t> </a:t>
-                </a:r>
-              </a:p>
-            </p:txBody>
-          </p:sp>
-        </mc:Fallback>
-      </mc:AlternateContent>
-      <p:sp>
-        <p:nvSpPr>
-          <p:cNvPr id="29" name="四角形吹き出し 28">
-            <a:extLst>
-              <a:ext uri="{FF2B5EF4-FFF2-40B4-BE49-F238E27FC236}">
-                <a16:creationId xmlns:a16="http://schemas.microsoft.com/office/drawing/2014/main" id="{E2FA1EFE-66D3-C85E-9D27-05CB0E9FE0D2}"/>
-              </a:ext>
-            </a:extLst>
-          </p:cNvPr>
-          <p:cNvSpPr/>
-          <p:nvPr/>
-        </p:nvSpPr>
-        <p:spPr>
-          <a:xfrm>
-            <a:off x="522577" y="8701688"/>
-            <a:ext cx="12461296" cy="1014706"/>
-          </a:xfrm>
-          <a:prstGeom prst="wedgeRectCallout">
-            <a:avLst>
-              <a:gd name="adj1" fmla="val 30178"/>
-              <a:gd name="adj2" fmla="val -100060"/>
-            </a:avLst>
-          </a:prstGeom>
-          <a:noFill/>
-          <a:ln>
-            <a:solidFill>
-              <a:schemeClr val="accent6">
-                <a:lumMod val="75000"/>
-              </a:schemeClr>
-            </a:solidFill>
-          </a:ln>
-        </p:spPr>
-        <p:style>
-          <a:lnRef idx="2">
-            <a:schemeClr val="accent1">
-              <a:shade val="15000"/>
-            </a:schemeClr>
-          </a:lnRef>
-          <a:fillRef idx="1">
-            <a:schemeClr val="accent1"/>
-          </a:fillRef>
-          <a:effectRef idx="0">
-            <a:schemeClr val="accent1"/>
-          </a:effectRef>
-          <a:fontRef idx="minor">
-            <a:schemeClr val="lt1"/>
-          </a:fontRef>
-        </p:style>
-        <p:txBody>
-          <a:bodyPr rtlCol="0" anchor="ctr"/>
-          <a:lstStyle/>
-          <a:p>
-            <a:pPr algn="ctr"/>
-            <a:endParaRPr kumimoji="1" lang="ja-JP" altLang="en-US"/>
-          </a:p>
-        </p:txBody>
-      </p:sp>
-      <mc:AlternateContent xmlns:mc="http://schemas.openxmlformats.org/markup-compatibility/2006" xmlns:a14="http://schemas.microsoft.com/office/drawing/2010/main">
-        <mc:Choice Requires="a14">
-          <p:sp>
-            <p:nvSpPr>
-              <p:cNvPr id="26" name="テキスト ボックス 25">
-                <a:extLst>
-                  <a:ext uri="{FF2B5EF4-FFF2-40B4-BE49-F238E27FC236}">
-                    <a16:creationId xmlns:a16="http://schemas.microsoft.com/office/drawing/2014/main" id="{FDDF4F5C-D9B7-A84D-B1CB-30740D2AF3CD}"/>
-                  </a:ext>
-                </a:extLst>
-              </p:cNvPr>
-              <p:cNvSpPr txBox="1"/>
-              <p:nvPr/>
-            </p:nvSpPr>
-            <p:spPr>
-              <a:xfrm>
-                <a:off x="8374430" y="7722028"/>
-                <a:ext cx="4618927" cy="862608"/>
-              </a:xfrm>
-              <a:prstGeom prst="rect">
-                <a:avLst/>
-              </a:prstGeom>
-              <a:noFill/>
-            </p:spPr>
-            <p:txBody>
-              <a:bodyPr wrap="square" rtlCol="0">
-                <a:spAutoFit/>
-              </a:bodyPr>
-              <a:lstStyle/>
-              <a:p>
-                <a:r>
-                  <a:rPr kumimoji="1" lang="en-US" altLang="ja-JP" sz="2400" dirty="0">
-                    <a:solidFill>
-                      <a:schemeClr val="accent6">
-                        <a:lumMod val="75000"/>
-                      </a:schemeClr>
-                    </a:solidFill>
-                    <a:latin typeface="Times New Roman" panose="02020603050405020304" pitchFamily="18" charset="0"/>
-                    <a:ea typeface="YuKyokasho Medium" panose="02000500000000000000" pitchFamily="2" charset="-128"/>
-                    <a:cs typeface="Times New Roman" panose="02020603050405020304" pitchFamily="18" charset="0"/>
-                  </a:rPr>
-                  <a:t>Smaller than </a:t>
-                </a:r>
-                <a14:m>
-                  <m:oMath xmlns:m="http://schemas.openxmlformats.org/officeDocument/2006/math">
-                    <m:r>
-                      <a:rPr kumimoji="1" lang="en-US" altLang="ja-JP" sz="2400" i="1" smtClean="0">
-                        <a:solidFill>
-                          <a:schemeClr val="accent6">
-                            <a:lumMod val="75000"/>
-                          </a:schemeClr>
-                        </a:solidFill>
-                        <a:latin typeface="Cambria Math" panose="02040503050406030204" pitchFamily="18" charset="0"/>
-                        <a:ea typeface="Cambria Math" panose="02040503050406030204" pitchFamily="18" charset="0"/>
-                        <a:cs typeface="Times New Roman" panose="02020603050405020304" pitchFamily="18" charset="0"/>
-                      </a:rPr>
-                      <m:t>𝒪</m:t>
-                    </m:r>
-                    <m:r>
-                      <a:rPr kumimoji="1" lang="en-US" altLang="ja-JP" sz="2400" b="0" i="1" smtClean="0">
-                        <a:solidFill>
-                          <a:schemeClr val="accent6">
-                            <a:lumMod val="75000"/>
-                          </a:schemeClr>
-                        </a:solidFill>
-                        <a:latin typeface="Cambria Math" panose="02040503050406030204" pitchFamily="18" charset="0"/>
-                        <a:ea typeface="Cambria Math" panose="02040503050406030204" pitchFamily="18" charset="0"/>
-                        <a:cs typeface="Times New Roman" panose="02020603050405020304" pitchFamily="18" charset="0"/>
-                      </a:rPr>
-                      <m:t>(</m:t>
-                    </m:r>
-                    <m:sSup>
-                      <m:sSupPr>
-                        <m:ctrlPr>
-                          <a:rPr kumimoji="1" lang="en-US" altLang="ja-JP" sz="2400" b="0" i="1" smtClean="0">
-                            <a:solidFill>
-                              <a:schemeClr val="accent6">
-                                <a:lumMod val="75000"/>
-                              </a:schemeClr>
-                            </a:solidFill>
-                            <a:latin typeface="Cambria Math" panose="02040503050406030204" pitchFamily="18" charset="0"/>
-                            <a:ea typeface="Cambria Math" panose="02040503050406030204" pitchFamily="18" charset="0"/>
-                            <a:cs typeface="Times New Roman" panose="02020603050405020304" pitchFamily="18" charset="0"/>
-                          </a:rPr>
-                        </m:ctrlPr>
-                      </m:sSupPr>
-                      <m:e>
-                        <m:r>
-                          <a:rPr kumimoji="1" lang="en-US" altLang="ja-JP" sz="2400" b="0" i="1" smtClean="0">
-                            <a:solidFill>
-                              <a:schemeClr val="accent6">
-                                <a:lumMod val="75000"/>
-                              </a:schemeClr>
-                            </a:solidFill>
-                            <a:latin typeface="Cambria Math" panose="02040503050406030204" pitchFamily="18" charset="0"/>
-                            <a:ea typeface="Cambria Math" panose="02040503050406030204" pitchFamily="18" charset="0"/>
-                            <a:cs typeface="Times New Roman" panose="02020603050405020304" pitchFamily="18" charset="0"/>
-                          </a:rPr>
-                          <m:t>𝜏</m:t>
-                        </m:r>
-                      </m:e>
-                      <m:sup>
-                        <m:r>
-                          <a:rPr kumimoji="1" lang="en-US" altLang="ja-JP" sz="2400" b="0" i="1" smtClean="0">
-                            <a:solidFill>
-                              <a:schemeClr val="accent6">
-                                <a:lumMod val="75000"/>
-                              </a:schemeClr>
-                            </a:solidFill>
-                            <a:latin typeface="Cambria Math" panose="02040503050406030204" pitchFamily="18" charset="0"/>
-                            <a:ea typeface="Cambria Math" panose="02040503050406030204" pitchFamily="18" charset="0"/>
-                            <a:cs typeface="Times New Roman" panose="02020603050405020304" pitchFamily="18" charset="0"/>
-                          </a:rPr>
-                          <m:t>𝑝</m:t>
-                        </m:r>
-                        <m:r>
-                          <a:rPr kumimoji="1" lang="en-US" altLang="ja-JP" sz="2400" b="0" i="1" smtClean="0">
-                            <a:solidFill>
-                              <a:schemeClr val="accent6">
-                                <a:lumMod val="75000"/>
-                              </a:schemeClr>
-                            </a:solidFill>
-                            <a:latin typeface="Cambria Math" panose="02040503050406030204" pitchFamily="18" charset="0"/>
-                            <a:ea typeface="Cambria Math" panose="02040503050406030204" pitchFamily="18" charset="0"/>
-                            <a:cs typeface="Times New Roman" panose="02020603050405020304" pitchFamily="18" charset="0"/>
-                          </a:rPr>
-                          <m:t>+1</m:t>
-                        </m:r>
-                      </m:sup>
-                    </m:sSup>
-                    <m:r>
-                      <a:rPr kumimoji="1" lang="en-US" altLang="ja-JP" sz="2400" b="0" i="1" smtClean="0">
-                        <a:solidFill>
-                          <a:schemeClr val="accent6">
-                            <a:lumMod val="75000"/>
-                          </a:schemeClr>
-                        </a:solidFill>
-                        <a:latin typeface="Cambria Math" panose="02040503050406030204" pitchFamily="18" charset="0"/>
-                        <a:ea typeface="Cambria Math" panose="02040503050406030204" pitchFamily="18" charset="0"/>
-                        <a:cs typeface="Times New Roman" panose="02020603050405020304" pitchFamily="18" charset="0"/>
-                      </a:rPr>
-                      <m:t>)</m:t>
-                    </m:r>
-                  </m:oMath>
-                </a14:m>
-                <a:endParaRPr kumimoji="1" lang="en-US" altLang="ja-JP" sz="2400" dirty="0">
-                  <a:solidFill>
-                    <a:schemeClr val="accent6">
-                      <a:lumMod val="75000"/>
-                    </a:schemeClr>
-                  </a:solidFill>
-                  <a:latin typeface="Times New Roman" panose="02020603050405020304" pitchFamily="18" charset="0"/>
-                  <a:ea typeface="YuKyokasho Medium" panose="02000500000000000000" pitchFamily="2" charset="-128"/>
-                  <a:cs typeface="Times New Roman" panose="02020603050405020304" pitchFamily="18" charset="0"/>
-                </a:endParaRPr>
-              </a:p>
-              <a:p>
-                <a:pPr algn="r"/>
-                <a:r>
-                  <a:rPr kumimoji="1" lang="en-US" altLang="ja-JP" sz="2400" dirty="0">
-                    <a:solidFill>
-                      <a:schemeClr val="accent6">
-                        <a:lumMod val="75000"/>
-                      </a:schemeClr>
-                    </a:solidFill>
-                    <a:latin typeface="Times New Roman" panose="02020603050405020304" pitchFamily="18" charset="0"/>
-                    <a:ea typeface="YuKyokasho Medium" panose="02000500000000000000" pitchFamily="2" charset="-128"/>
-                    <a:cs typeface="Times New Roman" panose="02020603050405020304" pitchFamily="18" charset="0"/>
-                  </a:rPr>
-                  <a:t>by Richardson extrapolation</a:t>
-                </a:r>
-                <a:endParaRPr kumimoji="1" lang="ja-JP" altLang="en-US" sz="2400">
-                  <a:solidFill>
-                    <a:schemeClr val="accent6">
-                      <a:lumMod val="75000"/>
-                    </a:schemeClr>
-                  </a:solidFill>
-                  <a:latin typeface="Times New Roman" panose="02020603050405020304" pitchFamily="18" charset="0"/>
-                  <a:ea typeface="YuKyokasho Medium" panose="02000500000000000000" pitchFamily="2" charset="-128"/>
-                  <a:cs typeface="Times New Roman" panose="02020603050405020304" pitchFamily="18" charset="0"/>
-                </a:endParaRPr>
-              </a:p>
-            </p:txBody>
-          </p:sp>
-        </mc:Choice>
-        <mc:Fallback xmlns="">
-          <p:sp>
-            <p:nvSpPr>
-              <p:cNvPr id="26" name="テキスト ボックス 25">
-                <a:extLst>
-                  <a:ext uri="{FF2B5EF4-FFF2-40B4-BE49-F238E27FC236}">
-                    <a16:creationId xmlns:a16="http://schemas.microsoft.com/office/drawing/2014/main" id="{FDDF4F5C-D9B7-A84D-B1CB-30740D2AF3CD}"/>
-                  </a:ext>
-                </a:extLst>
-              </p:cNvPr>
-              <p:cNvSpPr txBox="1">
-                <a:spLocks noRot="1" noChangeAspect="1" noMove="1" noResize="1" noEditPoints="1" noAdjustHandles="1" noChangeArrowheads="1" noChangeShapeType="1" noTextEdit="1"/>
-              </p:cNvSpPr>
-              <p:nvPr/>
-            </p:nvSpPr>
-            <p:spPr>
-              <a:xfrm>
-                <a:off x="8374430" y="7722028"/>
-                <a:ext cx="4618927" cy="862608"/>
-              </a:xfrm>
-              <a:prstGeom prst="rect">
-                <a:avLst/>
-              </a:prstGeom>
-              <a:blipFill>
-                <a:blip r:embed="rId9"/>
-                <a:stretch>
-                  <a:fillRect l="-2198" t="-5882" r="-2198" b="-13235"/>
-                </a:stretch>
-              </a:blipFill>
-            </p:spPr>
-            <p:txBody>
-              <a:bodyPr/>
-              <a:lstStyle/>
-              <a:p>
-                <a:r>
-                  <a:rPr lang="ja-JP" altLang="en-US">
-                    <a:noFill/>
-                  </a:rPr>
-                  <a:t> </a:t>
-                </a:r>
-              </a:p>
-            </p:txBody>
-          </p:sp>
-        </mc:Fallback>
-      </mc:AlternateContent>
-      <mc:AlternateContent xmlns:mc="http://schemas.openxmlformats.org/markup-compatibility/2006" xmlns:a14="http://schemas.microsoft.com/office/drawing/2010/main">
-        <mc:Choice Requires="a14">
-          <p:sp>
-            <p:nvSpPr>
-              <p:cNvPr id="30" name="テキスト ボックス 29">
-                <a:extLst>
-                  <a:ext uri="{FF2B5EF4-FFF2-40B4-BE49-F238E27FC236}">
-                    <a16:creationId xmlns:a16="http://schemas.microsoft.com/office/drawing/2014/main" id="{F110AD67-EDB1-4D44-0518-2C541579EB87}"/>
-                  </a:ext>
-                </a:extLst>
-              </p:cNvPr>
-              <p:cNvSpPr txBox="1"/>
-              <p:nvPr/>
-            </p:nvSpPr>
-            <p:spPr>
-              <a:xfrm>
-                <a:off x="609598" y="8761724"/>
-                <a:ext cx="7078136" cy="431015"/>
-              </a:xfrm>
-              <a:prstGeom prst="rect">
-                <a:avLst/>
-              </a:prstGeom>
-              <a:noFill/>
-            </p:spPr>
-            <p:txBody>
-              <a:bodyPr wrap="square" rtlCol="0">
-                <a:spAutoFit/>
-              </a:bodyPr>
-              <a:lstStyle/>
-              <a:p>
-                <a:r>
-                  <a:rPr kumimoji="1" lang="en-US" altLang="ja-JP" sz="2000" dirty="0">
-                    <a:solidFill>
-                      <a:schemeClr val="tx1">
-                        <a:lumMod val="50000"/>
-                        <a:lumOff val="50000"/>
-                      </a:schemeClr>
-                    </a:solidFill>
-                    <a:latin typeface="Times New Roman" panose="02020603050405020304" pitchFamily="18" charset="0"/>
-                    <a:ea typeface="YuKyokasho Medium" panose="02000500000000000000" pitchFamily="2" charset="-128"/>
-                    <a:cs typeface="Times New Roman" panose="02020603050405020304" pitchFamily="18" charset="0"/>
-                  </a:rPr>
-                  <a:t>Suppose we have 2 approximations, </a:t>
-                </a:r>
-                <a14:m>
-                  <m:oMath xmlns:m="http://schemas.openxmlformats.org/officeDocument/2006/math">
-                    <m:sSub>
-                      <m:sSubPr>
-                        <m:ctrlPr>
-                          <a:rPr kumimoji="1" lang="en-US" altLang="ja-JP" sz="2000" i="1" smtClean="0">
-                            <a:solidFill>
-                              <a:schemeClr val="tx1">
-                                <a:lumMod val="50000"/>
-                                <a:lumOff val="50000"/>
-                              </a:schemeClr>
-                            </a:solidFill>
-                            <a:latin typeface="Cambria Math" panose="02040503050406030204" pitchFamily="18" charset="0"/>
-                            <a:ea typeface="YuKyokasho Medium" panose="02000500000000000000" pitchFamily="2" charset="-128"/>
-                            <a:cs typeface="Times New Roman" panose="02020603050405020304" pitchFamily="18" charset="0"/>
-                          </a:rPr>
-                        </m:ctrlPr>
-                      </m:sSubPr>
-                      <m:e>
-                        <m:r>
-                          <a:rPr kumimoji="1" lang="en-US" altLang="ja-JP" sz="2000" b="0" i="1" smtClean="0">
-                            <a:solidFill>
-                              <a:schemeClr val="tx1">
-                                <a:lumMod val="50000"/>
-                                <a:lumOff val="50000"/>
-                              </a:schemeClr>
-                            </a:solidFill>
-                            <a:latin typeface="Cambria Math" panose="02040503050406030204" pitchFamily="18" charset="0"/>
-                            <a:ea typeface="YuKyokasho Medium" panose="02000500000000000000" pitchFamily="2" charset="-128"/>
-                            <a:cs typeface="Times New Roman" panose="02020603050405020304" pitchFamily="18" charset="0"/>
-                          </a:rPr>
-                          <m:t>𝑓</m:t>
-                        </m:r>
-                      </m:e>
-                      <m:sub>
-                        <m:r>
-                          <a:rPr kumimoji="1" lang="en-US" altLang="ja-JP" sz="2000" b="0" i="1" smtClean="0">
-                            <a:solidFill>
-                              <a:schemeClr val="tx1">
-                                <a:lumMod val="50000"/>
-                                <a:lumOff val="50000"/>
-                              </a:schemeClr>
-                            </a:solidFill>
-                            <a:latin typeface="Cambria Math" panose="02040503050406030204" pitchFamily="18" charset="0"/>
-                            <a:ea typeface="YuKyokasho Medium" panose="02000500000000000000" pitchFamily="2" charset="-128"/>
-                            <a:cs typeface="Times New Roman" panose="02020603050405020304" pitchFamily="18" charset="0"/>
-                          </a:rPr>
-                          <m:t>𝑗</m:t>
-                        </m:r>
-                      </m:sub>
-                    </m:sSub>
-                    <m:d>
-                      <m:dPr>
-                        <m:ctrlPr>
-                          <a:rPr kumimoji="1" lang="en-US" altLang="ja-JP" sz="2000" b="0" i="1" smtClean="0">
-                            <a:solidFill>
-                              <a:schemeClr val="tx1">
-                                <a:lumMod val="50000"/>
-                                <a:lumOff val="50000"/>
-                              </a:schemeClr>
-                            </a:solidFill>
-                            <a:latin typeface="Cambria Math" panose="02040503050406030204" pitchFamily="18" charset="0"/>
-                            <a:ea typeface="YuKyokasho Medium" panose="02000500000000000000" pitchFamily="2" charset="-128"/>
-                            <a:cs typeface="Times New Roman" panose="02020603050405020304" pitchFamily="18" charset="0"/>
-                          </a:rPr>
-                        </m:ctrlPr>
-                      </m:dPr>
-                      <m:e>
-                        <m:r>
-                          <a:rPr kumimoji="1" lang="en-US" altLang="ja-JP" sz="2000" b="0" i="1" smtClean="0">
-                            <a:solidFill>
-                              <a:schemeClr val="tx1">
-                                <a:lumMod val="50000"/>
-                                <a:lumOff val="50000"/>
-                              </a:schemeClr>
-                            </a:solidFill>
-                            <a:latin typeface="Cambria Math" panose="02040503050406030204" pitchFamily="18" charset="0"/>
-                            <a:ea typeface="Cambria Math" panose="02040503050406030204" pitchFamily="18" charset="0"/>
-                            <a:cs typeface="Times New Roman" panose="02020603050405020304" pitchFamily="18" charset="0"/>
-                          </a:rPr>
-                          <m:t>𝜏</m:t>
-                        </m:r>
-                      </m:e>
-                    </m:d>
-                    <m:r>
-                      <a:rPr kumimoji="1" lang="en-US" altLang="ja-JP" sz="2000" b="0" i="1" smtClean="0">
-                        <a:solidFill>
-                          <a:schemeClr val="tx1">
-                            <a:lumMod val="50000"/>
-                            <a:lumOff val="50000"/>
-                          </a:schemeClr>
-                        </a:solidFill>
-                        <a:latin typeface="Cambria Math" panose="02040503050406030204" pitchFamily="18" charset="0"/>
-                        <a:ea typeface="YuKyokasho Medium" panose="02000500000000000000" pitchFamily="2" charset="-128"/>
-                        <a:cs typeface="Times New Roman" panose="02020603050405020304" pitchFamily="18" charset="0"/>
-                      </a:rPr>
-                      <m:t>=</m:t>
-                    </m:r>
-                    <m:sSub>
-                      <m:sSubPr>
-                        <m:ctrlPr>
-                          <a:rPr kumimoji="1" lang="en-US" altLang="ja-JP" sz="2000" b="0" i="1" smtClean="0">
-                            <a:solidFill>
-                              <a:schemeClr val="tx1">
-                                <a:lumMod val="50000"/>
-                                <a:lumOff val="50000"/>
-                              </a:schemeClr>
-                            </a:solidFill>
-                            <a:latin typeface="Cambria Math" panose="02040503050406030204" pitchFamily="18" charset="0"/>
-                            <a:ea typeface="YuKyokasho Medium" panose="02000500000000000000" pitchFamily="2" charset="-128"/>
-                            <a:cs typeface="Times New Roman" panose="02020603050405020304" pitchFamily="18" charset="0"/>
-                          </a:rPr>
-                        </m:ctrlPr>
-                      </m:sSubPr>
-                      <m:e>
-                        <m:r>
-                          <a:rPr kumimoji="1" lang="en-US" altLang="ja-JP" sz="2000" b="0" i="1" smtClean="0">
-                            <a:solidFill>
-                              <a:schemeClr val="tx1">
-                                <a:lumMod val="50000"/>
-                                <a:lumOff val="50000"/>
-                              </a:schemeClr>
-                            </a:solidFill>
-                            <a:latin typeface="Cambria Math" panose="02040503050406030204" pitchFamily="18" charset="0"/>
-                            <a:ea typeface="YuKyokasho Medium" panose="02000500000000000000" pitchFamily="2" charset="-128"/>
-                            <a:cs typeface="Times New Roman" panose="02020603050405020304" pitchFamily="18" charset="0"/>
-                          </a:rPr>
-                          <m:t>𝑓</m:t>
-                        </m:r>
-                      </m:e>
-                      <m:sub>
-                        <m:r>
-                          <m:rPr>
-                            <m:sty m:val="p"/>
-                          </m:rPr>
-                          <a:rPr kumimoji="1" lang="en-US" altLang="ja-JP" sz="2000" b="0" i="0" smtClean="0">
-                            <a:solidFill>
-                              <a:schemeClr val="tx1">
-                                <a:lumMod val="50000"/>
-                                <a:lumOff val="50000"/>
-                              </a:schemeClr>
-                            </a:solidFill>
-                            <a:latin typeface="Cambria Math" panose="02040503050406030204" pitchFamily="18" charset="0"/>
-                            <a:ea typeface="YuKyokasho Medium" panose="02000500000000000000" pitchFamily="2" charset="-128"/>
-                            <a:cs typeface="Times New Roman" panose="02020603050405020304" pitchFamily="18" charset="0"/>
-                          </a:rPr>
-                          <m:t>true</m:t>
-                        </m:r>
-                      </m:sub>
-                    </m:sSub>
-                    <m:r>
-                      <a:rPr kumimoji="1" lang="en-US" altLang="ja-JP" sz="2000" b="0" i="1" smtClean="0">
-                        <a:solidFill>
-                          <a:schemeClr val="tx1">
-                            <a:lumMod val="50000"/>
-                            <a:lumOff val="50000"/>
-                          </a:schemeClr>
-                        </a:solidFill>
-                        <a:latin typeface="Cambria Math" panose="02040503050406030204" pitchFamily="18" charset="0"/>
-                        <a:ea typeface="YuKyokasho Medium" panose="02000500000000000000" pitchFamily="2" charset="-128"/>
-                        <a:cs typeface="Times New Roman" panose="02020603050405020304" pitchFamily="18" charset="0"/>
-                      </a:rPr>
-                      <m:t>+</m:t>
-                    </m:r>
-                    <m:sSub>
-                      <m:sSubPr>
-                        <m:ctrlPr>
-                          <a:rPr kumimoji="1" lang="en-US" altLang="ja-JP" sz="2000" b="0" i="1" smtClean="0">
-                            <a:solidFill>
-                              <a:schemeClr val="tx1">
-                                <a:lumMod val="50000"/>
-                                <a:lumOff val="50000"/>
-                              </a:schemeClr>
-                            </a:solidFill>
-                            <a:latin typeface="Cambria Math" panose="02040503050406030204" pitchFamily="18" charset="0"/>
-                            <a:ea typeface="YuKyokasho Medium" panose="02000500000000000000" pitchFamily="2" charset="-128"/>
-                            <a:cs typeface="Times New Roman" panose="02020603050405020304" pitchFamily="18" charset="0"/>
-                          </a:rPr>
-                        </m:ctrlPr>
-                      </m:sSubPr>
-                      <m:e>
-                        <m:r>
-                          <a:rPr kumimoji="1" lang="en-US" altLang="ja-JP" sz="2000" b="0" i="1" smtClean="0">
-                            <a:solidFill>
-                              <a:schemeClr val="tx1">
-                                <a:lumMod val="50000"/>
-                                <a:lumOff val="50000"/>
-                              </a:schemeClr>
-                            </a:solidFill>
-                            <a:latin typeface="Cambria Math" panose="02040503050406030204" pitchFamily="18" charset="0"/>
-                            <a:ea typeface="YuKyokasho Medium" panose="02000500000000000000" pitchFamily="2" charset="-128"/>
-                            <a:cs typeface="Times New Roman" panose="02020603050405020304" pitchFamily="18" charset="0"/>
-                          </a:rPr>
-                          <m:t>𝑎</m:t>
-                        </m:r>
-                      </m:e>
-                      <m:sub>
-                        <m:r>
-                          <a:rPr kumimoji="1" lang="en-US" altLang="ja-JP" sz="2000" b="0" i="1" smtClean="0">
-                            <a:solidFill>
-                              <a:schemeClr val="tx1">
-                                <a:lumMod val="50000"/>
-                                <a:lumOff val="50000"/>
-                              </a:schemeClr>
-                            </a:solidFill>
-                            <a:latin typeface="Cambria Math" panose="02040503050406030204" pitchFamily="18" charset="0"/>
-                            <a:ea typeface="YuKyokasho Medium" panose="02000500000000000000" pitchFamily="2" charset="-128"/>
-                            <a:cs typeface="Times New Roman" panose="02020603050405020304" pitchFamily="18" charset="0"/>
-                          </a:rPr>
-                          <m:t>𝑗</m:t>
-                        </m:r>
-                      </m:sub>
-                    </m:sSub>
-                    <m:sSup>
-                      <m:sSupPr>
-                        <m:ctrlPr>
-                          <a:rPr kumimoji="1" lang="en-US" altLang="ja-JP" sz="2000" b="0" i="1" smtClean="0">
-                            <a:solidFill>
-                              <a:schemeClr val="tx1">
-                                <a:lumMod val="50000"/>
-                                <a:lumOff val="50000"/>
-                              </a:schemeClr>
-                            </a:solidFill>
-                            <a:latin typeface="Cambria Math" panose="02040503050406030204" pitchFamily="18" charset="0"/>
-                            <a:ea typeface="YuKyokasho Medium" panose="02000500000000000000" pitchFamily="2" charset="-128"/>
-                            <a:cs typeface="Times New Roman" panose="02020603050405020304" pitchFamily="18" charset="0"/>
-                          </a:rPr>
-                        </m:ctrlPr>
-                      </m:sSupPr>
-                      <m:e>
-                        <m:r>
-                          <a:rPr kumimoji="1" lang="en-US" altLang="ja-JP" sz="2000" b="0" i="1" smtClean="0">
-                            <a:solidFill>
-                              <a:schemeClr val="tx1">
-                                <a:lumMod val="50000"/>
-                                <a:lumOff val="50000"/>
-                              </a:schemeClr>
-                            </a:solidFill>
-                            <a:latin typeface="Cambria Math" panose="02040503050406030204" pitchFamily="18" charset="0"/>
-                            <a:ea typeface="Cambria Math" panose="02040503050406030204" pitchFamily="18" charset="0"/>
-                            <a:cs typeface="Times New Roman" panose="02020603050405020304" pitchFamily="18" charset="0"/>
-                          </a:rPr>
-                          <m:t>𝜏</m:t>
-                        </m:r>
-                      </m:e>
-                      <m:sup>
-                        <m:r>
-                          <a:rPr kumimoji="1" lang="en-US" altLang="ja-JP" sz="2000" b="0" i="1" smtClean="0">
-                            <a:solidFill>
-                              <a:schemeClr val="tx1">
-                                <a:lumMod val="50000"/>
-                                <a:lumOff val="50000"/>
-                              </a:schemeClr>
-                            </a:solidFill>
-                            <a:latin typeface="Cambria Math" panose="02040503050406030204" pitchFamily="18" charset="0"/>
-                            <a:ea typeface="YuKyokasho Medium" panose="02000500000000000000" pitchFamily="2" charset="-128"/>
-                            <a:cs typeface="Times New Roman" panose="02020603050405020304" pitchFamily="18" charset="0"/>
-                          </a:rPr>
-                          <m:t>2</m:t>
-                        </m:r>
-                      </m:sup>
-                    </m:sSup>
-                    <m:r>
-                      <a:rPr kumimoji="1" lang="en-US" altLang="ja-JP" sz="2000" b="0" i="1" smtClean="0">
-                        <a:solidFill>
-                          <a:schemeClr val="tx1">
-                            <a:lumMod val="50000"/>
-                            <a:lumOff val="50000"/>
-                          </a:schemeClr>
-                        </a:solidFill>
-                        <a:latin typeface="Cambria Math" panose="02040503050406030204" pitchFamily="18" charset="0"/>
-                        <a:ea typeface="YuKyokasho Medium" panose="02000500000000000000" pitchFamily="2" charset="-128"/>
-                        <a:cs typeface="Times New Roman" panose="02020603050405020304" pitchFamily="18" charset="0"/>
-                      </a:rPr>
-                      <m:t>+</m:t>
-                    </m:r>
-                    <m:r>
-                      <a:rPr kumimoji="1" lang="en-US" altLang="ja-JP" sz="2000" b="0" i="1" smtClean="0">
-                        <a:solidFill>
-                          <a:schemeClr val="tx1">
-                            <a:lumMod val="50000"/>
-                            <a:lumOff val="50000"/>
-                          </a:schemeClr>
-                        </a:solidFill>
-                        <a:latin typeface="Cambria Math" panose="02040503050406030204" pitchFamily="18" charset="0"/>
-                        <a:ea typeface="Cambria Math" panose="02040503050406030204" pitchFamily="18" charset="0"/>
-                        <a:cs typeface="Times New Roman" panose="02020603050405020304" pitchFamily="18" charset="0"/>
-                      </a:rPr>
-                      <m:t>𝒪</m:t>
-                    </m:r>
-                    <m:r>
-                      <a:rPr kumimoji="1" lang="en-US" altLang="ja-JP" sz="2000" b="0" i="1" smtClean="0">
-                        <a:solidFill>
-                          <a:schemeClr val="tx1">
-                            <a:lumMod val="50000"/>
-                            <a:lumOff val="50000"/>
-                          </a:schemeClr>
-                        </a:solidFill>
-                        <a:latin typeface="Cambria Math" panose="02040503050406030204" pitchFamily="18" charset="0"/>
-                        <a:ea typeface="Cambria Math" panose="02040503050406030204" pitchFamily="18" charset="0"/>
-                        <a:cs typeface="Times New Roman" panose="02020603050405020304" pitchFamily="18" charset="0"/>
-                      </a:rPr>
-                      <m:t>(</m:t>
-                    </m:r>
-                    <m:sSup>
-                      <m:sSupPr>
-                        <m:ctrlPr>
-                          <a:rPr kumimoji="1" lang="en-US" altLang="ja-JP" sz="2000" b="0" i="1" smtClean="0">
-                            <a:solidFill>
-                              <a:schemeClr val="tx1">
-                                <a:lumMod val="50000"/>
-                                <a:lumOff val="50000"/>
-                              </a:schemeClr>
-                            </a:solidFill>
-                            <a:latin typeface="Cambria Math" panose="02040503050406030204" pitchFamily="18" charset="0"/>
-                            <a:ea typeface="Cambria Math" panose="02040503050406030204" pitchFamily="18" charset="0"/>
-                            <a:cs typeface="Times New Roman" panose="02020603050405020304" pitchFamily="18" charset="0"/>
-                          </a:rPr>
-                        </m:ctrlPr>
-                      </m:sSupPr>
-                      <m:e>
-                        <m:r>
-                          <a:rPr kumimoji="1" lang="en-US" altLang="ja-JP" sz="2000" b="0" i="1" smtClean="0">
-                            <a:solidFill>
-                              <a:schemeClr val="tx1">
-                                <a:lumMod val="50000"/>
-                                <a:lumOff val="50000"/>
-                              </a:schemeClr>
-                            </a:solidFill>
-                            <a:latin typeface="Cambria Math" panose="02040503050406030204" pitchFamily="18" charset="0"/>
-                            <a:ea typeface="Cambria Math" panose="02040503050406030204" pitchFamily="18" charset="0"/>
-                            <a:cs typeface="Times New Roman" panose="02020603050405020304" pitchFamily="18" charset="0"/>
-                          </a:rPr>
-                          <m:t>𝜏</m:t>
-                        </m:r>
-                      </m:e>
-                      <m:sup>
-                        <m:r>
-                          <a:rPr kumimoji="1" lang="en-US" altLang="ja-JP" sz="2000" b="0" i="1" smtClean="0">
-                            <a:solidFill>
-                              <a:schemeClr val="tx1">
-                                <a:lumMod val="50000"/>
-                                <a:lumOff val="50000"/>
-                              </a:schemeClr>
-                            </a:solidFill>
-                            <a:latin typeface="Cambria Math" panose="02040503050406030204" pitchFamily="18" charset="0"/>
-                            <a:ea typeface="Cambria Math" panose="02040503050406030204" pitchFamily="18" charset="0"/>
-                            <a:cs typeface="Times New Roman" panose="02020603050405020304" pitchFamily="18" charset="0"/>
-                          </a:rPr>
-                          <m:t>3</m:t>
-                        </m:r>
-                      </m:sup>
-                    </m:sSup>
-                    <m:r>
-                      <a:rPr kumimoji="1" lang="en-US" altLang="ja-JP" sz="2000" b="0" i="1" smtClean="0">
-                        <a:solidFill>
-                          <a:schemeClr val="tx1">
-                            <a:lumMod val="50000"/>
-                            <a:lumOff val="50000"/>
-                          </a:schemeClr>
-                        </a:solidFill>
-                        <a:latin typeface="Cambria Math" panose="02040503050406030204" pitchFamily="18" charset="0"/>
-                        <a:ea typeface="Cambria Math" panose="02040503050406030204" pitchFamily="18" charset="0"/>
-                        <a:cs typeface="Times New Roman" panose="02020603050405020304" pitchFamily="18" charset="0"/>
-                      </a:rPr>
-                      <m:t>)</m:t>
-                    </m:r>
-                  </m:oMath>
-                </a14:m>
-                <a:r>
-                  <a:rPr kumimoji="1" lang="en-US" altLang="ja-JP" sz="2000" dirty="0">
-                    <a:solidFill>
-                      <a:schemeClr val="tx1">
-                        <a:lumMod val="50000"/>
-                        <a:lumOff val="50000"/>
-                      </a:schemeClr>
-                    </a:solidFill>
-                    <a:latin typeface="Times New Roman" panose="02020603050405020304" pitchFamily="18" charset="0"/>
-                    <a:ea typeface="YuKyokasho Medium" panose="02000500000000000000" pitchFamily="2" charset="-128"/>
-                    <a:cs typeface="Times New Roman" panose="02020603050405020304" pitchFamily="18" charset="0"/>
-                  </a:rPr>
-                  <a:t>.</a:t>
-                </a:r>
-                <a:endParaRPr kumimoji="1" lang="ja-JP" altLang="en-US" sz="2000">
-                  <a:solidFill>
-                    <a:schemeClr val="tx1">
-                      <a:lumMod val="50000"/>
-                      <a:lumOff val="50000"/>
-                    </a:schemeClr>
-                  </a:solidFill>
-                  <a:latin typeface="Times New Roman" panose="02020603050405020304" pitchFamily="18" charset="0"/>
-                  <a:ea typeface="YuKyokasho Medium" panose="02000500000000000000" pitchFamily="2" charset="-128"/>
-                  <a:cs typeface="Times New Roman" panose="02020603050405020304" pitchFamily="18" charset="0"/>
-                </a:endParaRPr>
-              </a:p>
-            </p:txBody>
-          </p:sp>
-        </mc:Choice>
-        <mc:Fallback xmlns="">
-          <p:sp>
-            <p:nvSpPr>
-              <p:cNvPr id="30" name="テキスト ボックス 29">
-                <a:extLst>
-                  <a:ext uri="{FF2B5EF4-FFF2-40B4-BE49-F238E27FC236}">
-                    <a16:creationId xmlns:a16="http://schemas.microsoft.com/office/drawing/2014/main" id="{F110AD67-EDB1-4D44-0518-2C541579EB87}"/>
-                  </a:ext>
-                </a:extLst>
-              </p:cNvPr>
-              <p:cNvSpPr txBox="1">
-                <a:spLocks noRot="1" noChangeAspect="1" noMove="1" noResize="1" noEditPoints="1" noAdjustHandles="1" noChangeArrowheads="1" noChangeShapeType="1" noTextEdit="1"/>
-              </p:cNvSpPr>
-              <p:nvPr/>
-            </p:nvSpPr>
-            <p:spPr>
-              <a:xfrm>
-                <a:off x="609598" y="8761724"/>
-                <a:ext cx="7078136" cy="431015"/>
-              </a:xfrm>
-              <a:prstGeom prst="rect">
-                <a:avLst/>
-              </a:prstGeom>
-              <a:blipFill>
-                <a:blip r:embed="rId10"/>
-                <a:stretch>
-                  <a:fillRect l="-896" t="-5714" r="-179" b="-17143"/>
-                </a:stretch>
-              </a:blipFill>
-            </p:spPr>
-            <p:txBody>
-              <a:bodyPr/>
-              <a:lstStyle/>
-              <a:p>
-                <a:r>
-                  <a:rPr lang="ja-JP" altLang="en-US">
-                    <a:noFill/>
-                  </a:rPr>
-                  <a:t> </a:t>
-                </a:r>
-              </a:p>
-            </p:txBody>
-          </p:sp>
-        </mc:Fallback>
-      </mc:AlternateContent>
-      <mc:AlternateContent xmlns:mc="http://schemas.openxmlformats.org/markup-compatibility/2006">
-        <mc:Choice xmlns:a14="http://schemas.microsoft.com/office/drawing/2010/main" Requires="a14">
-          <p:sp>
-            <p:nvSpPr>
-              <p:cNvPr id="31" name="テキスト ボックス 30">
-                <a:extLst>
-                  <a:ext uri="{FF2B5EF4-FFF2-40B4-BE49-F238E27FC236}">
-                    <a16:creationId xmlns:a16="http://schemas.microsoft.com/office/drawing/2014/main" id="{61B75FB0-ED70-FDBD-FF02-F4EA43D5D6B7}"/>
-                  </a:ext>
-                </a:extLst>
-              </p:cNvPr>
-              <p:cNvSpPr txBox="1"/>
-              <p:nvPr/>
-            </p:nvSpPr>
-            <p:spPr>
-              <a:xfrm>
-                <a:off x="936819" y="9238736"/>
-                <a:ext cx="12158136" cy="424796"/>
-              </a:xfrm>
-              <a:prstGeom prst="rect">
-                <a:avLst/>
-              </a:prstGeom>
-              <a:noFill/>
-            </p:spPr>
-            <p:txBody>
-              <a:bodyPr wrap="square" rtlCol="0">
-                <a:spAutoFit/>
-              </a:bodyPr>
-              <a:lstStyle/>
-              <a:p>
-                <a:r>
-                  <a:rPr kumimoji="1" lang="en-US" altLang="ja-JP" sz="2000" dirty="0">
-                    <a:solidFill>
-                      <a:schemeClr val="tx1">
-                        <a:lumMod val="50000"/>
-                        <a:lumOff val="50000"/>
-                      </a:schemeClr>
-                    </a:solidFill>
-                    <a:latin typeface="Times New Roman" panose="02020603050405020304" pitchFamily="18" charset="0"/>
-                    <a:ea typeface="YuKyokasho Medium" panose="02000500000000000000" pitchFamily="2" charset="-128"/>
-                    <a:cs typeface="Times New Roman" panose="02020603050405020304" pitchFamily="18" charset="0"/>
-                  </a:rPr>
-                  <a:t>Then, we obtain better approximation </a:t>
-                </a:r>
-                <a14:m>
-                  <m:oMath xmlns:m="http://schemas.openxmlformats.org/officeDocument/2006/math">
-                    <m:sSub>
-                      <m:sSubPr>
-                        <m:ctrlPr>
-                          <a:rPr kumimoji="1" lang="en-US" altLang="ja-JP" sz="2000" i="1" smtClean="0">
-                            <a:solidFill>
-                              <a:schemeClr val="tx1">
-                                <a:lumMod val="50000"/>
-                                <a:lumOff val="50000"/>
-                              </a:schemeClr>
-                            </a:solidFill>
-                            <a:latin typeface="Cambria Math" panose="02040503050406030204" pitchFamily="18" charset="0"/>
-                            <a:ea typeface="YuKyokasho Medium" panose="02000500000000000000" pitchFamily="2" charset="-128"/>
-                            <a:cs typeface="Times New Roman" panose="02020603050405020304" pitchFamily="18" charset="0"/>
-                          </a:rPr>
-                        </m:ctrlPr>
-                      </m:sSubPr>
-                      <m:e>
-                        <m:r>
-                          <a:rPr kumimoji="1" lang="en-US" altLang="ja-JP" sz="2000" b="0" i="1" smtClean="0">
-                            <a:solidFill>
-                              <a:schemeClr val="tx1">
-                                <a:lumMod val="50000"/>
-                                <a:lumOff val="50000"/>
-                              </a:schemeClr>
-                            </a:solidFill>
-                            <a:latin typeface="Cambria Math" panose="02040503050406030204" pitchFamily="18" charset="0"/>
-                            <a:ea typeface="YuKyokasho Medium" panose="02000500000000000000" pitchFamily="2" charset="-128"/>
-                            <a:cs typeface="Times New Roman" panose="02020603050405020304" pitchFamily="18" charset="0"/>
-                          </a:rPr>
-                          <m:t>𝑐</m:t>
-                        </m:r>
-                      </m:e>
-                      <m:sub>
-                        <m:r>
-                          <a:rPr kumimoji="1" lang="en-US" altLang="ja-JP" sz="2000" b="0" i="1" smtClean="0">
-                            <a:solidFill>
-                              <a:schemeClr val="tx1">
-                                <a:lumMod val="50000"/>
-                                <a:lumOff val="50000"/>
-                              </a:schemeClr>
-                            </a:solidFill>
-                            <a:latin typeface="Cambria Math" panose="02040503050406030204" pitchFamily="18" charset="0"/>
-                            <a:ea typeface="YuKyokasho Medium" panose="02000500000000000000" pitchFamily="2" charset="-128"/>
-                            <a:cs typeface="Times New Roman" panose="02020603050405020304" pitchFamily="18" charset="0"/>
-                          </a:rPr>
-                          <m:t>1</m:t>
-                        </m:r>
-                      </m:sub>
-                    </m:sSub>
-                    <m:sSub>
-                      <m:sSubPr>
-                        <m:ctrlPr>
-                          <a:rPr kumimoji="1" lang="en-US" altLang="ja-JP" sz="2000" i="1" smtClean="0">
-                            <a:solidFill>
-                              <a:schemeClr val="tx1">
-                                <a:lumMod val="50000"/>
-                                <a:lumOff val="50000"/>
-                              </a:schemeClr>
-                            </a:solidFill>
-                            <a:latin typeface="Cambria Math" panose="02040503050406030204" pitchFamily="18" charset="0"/>
-                            <a:ea typeface="YuKyokasho Medium" panose="02000500000000000000" pitchFamily="2" charset="-128"/>
-                            <a:cs typeface="Times New Roman" panose="02020603050405020304" pitchFamily="18" charset="0"/>
-                          </a:rPr>
-                        </m:ctrlPr>
-                      </m:sSubPr>
-                      <m:e>
-                        <m:r>
-                          <a:rPr kumimoji="1" lang="en-US" altLang="ja-JP" sz="2000" b="0" i="1" smtClean="0">
-                            <a:solidFill>
-                              <a:schemeClr val="tx1">
-                                <a:lumMod val="50000"/>
-                                <a:lumOff val="50000"/>
-                              </a:schemeClr>
-                            </a:solidFill>
-                            <a:latin typeface="Cambria Math" panose="02040503050406030204" pitchFamily="18" charset="0"/>
-                            <a:ea typeface="YuKyokasho Medium" panose="02000500000000000000" pitchFamily="2" charset="-128"/>
-                            <a:cs typeface="Times New Roman" panose="02020603050405020304" pitchFamily="18" charset="0"/>
-                          </a:rPr>
-                          <m:t>𝑓</m:t>
-                        </m:r>
-                      </m:e>
-                      <m:sub>
-                        <m:r>
-                          <a:rPr kumimoji="1" lang="en-US" altLang="ja-JP" sz="2000" b="0" i="1" smtClean="0">
-                            <a:solidFill>
-                              <a:schemeClr val="tx1">
-                                <a:lumMod val="50000"/>
-                                <a:lumOff val="50000"/>
-                              </a:schemeClr>
-                            </a:solidFill>
-                            <a:latin typeface="Cambria Math" panose="02040503050406030204" pitchFamily="18" charset="0"/>
-                            <a:ea typeface="YuKyokasho Medium" panose="02000500000000000000" pitchFamily="2" charset="-128"/>
-                            <a:cs typeface="Times New Roman" panose="02020603050405020304" pitchFamily="18" charset="0"/>
-                          </a:rPr>
-                          <m:t>1</m:t>
-                        </m:r>
-                      </m:sub>
-                    </m:sSub>
-                    <m:d>
-                      <m:dPr>
-                        <m:ctrlPr>
-                          <a:rPr kumimoji="1" lang="en-US" altLang="ja-JP" sz="2000" b="0" i="1" smtClean="0">
-                            <a:solidFill>
-                              <a:schemeClr val="tx1">
-                                <a:lumMod val="50000"/>
-                                <a:lumOff val="50000"/>
-                              </a:schemeClr>
-                            </a:solidFill>
-                            <a:latin typeface="Cambria Math" panose="02040503050406030204" pitchFamily="18" charset="0"/>
-                            <a:ea typeface="YuKyokasho Medium" panose="02000500000000000000" pitchFamily="2" charset="-128"/>
-                            <a:cs typeface="Times New Roman" panose="02020603050405020304" pitchFamily="18" charset="0"/>
-                          </a:rPr>
-                        </m:ctrlPr>
-                      </m:dPr>
-                      <m:e>
-                        <m:r>
-                          <a:rPr kumimoji="1" lang="en-US" altLang="ja-JP" sz="2000" b="0" i="1" smtClean="0">
-                            <a:solidFill>
-                              <a:schemeClr val="tx1">
-                                <a:lumMod val="50000"/>
-                                <a:lumOff val="50000"/>
-                              </a:schemeClr>
-                            </a:solidFill>
-                            <a:latin typeface="Cambria Math" panose="02040503050406030204" pitchFamily="18" charset="0"/>
-                            <a:ea typeface="Cambria Math" panose="02040503050406030204" pitchFamily="18" charset="0"/>
-                            <a:cs typeface="Times New Roman" panose="02020603050405020304" pitchFamily="18" charset="0"/>
-                          </a:rPr>
-                          <m:t>𝜏</m:t>
-                        </m:r>
-                      </m:e>
-                    </m:d>
-                    <m:r>
-                      <a:rPr kumimoji="1" lang="en-US" altLang="ja-JP" sz="2000" b="0" i="1" smtClean="0">
-                        <a:solidFill>
-                          <a:schemeClr val="tx1">
-                            <a:lumMod val="50000"/>
-                            <a:lumOff val="50000"/>
-                          </a:schemeClr>
-                        </a:solidFill>
-                        <a:latin typeface="Cambria Math" panose="02040503050406030204" pitchFamily="18" charset="0"/>
-                        <a:ea typeface="YuKyokasho Medium" panose="02000500000000000000" pitchFamily="2" charset="-128"/>
-                        <a:cs typeface="Times New Roman" panose="02020603050405020304" pitchFamily="18" charset="0"/>
-                      </a:rPr>
-                      <m:t>+</m:t>
-                    </m:r>
-                    <m:sSub>
-                      <m:sSubPr>
-                        <m:ctrlPr>
-                          <a:rPr kumimoji="1" lang="en-US" altLang="ja-JP" sz="2000" b="0" i="1" smtClean="0">
-                            <a:solidFill>
-                              <a:schemeClr val="tx1">
-                                <a:lumMod val="50000"/>
-                                <a:lumOff val="50000"/>
-                              </a:schemeClr>
-                            </a:solidFill>
-                            <a:latin typeface="Cambria Math" panose="02040503050406030204" pitchFamily="18" charset="0"/>
-                            <a:ea typeface="YuKyokasho Medium" panose="02000500000000000000" pitchFamily="2" charset="-128"/>
-                            <a:cs typeface="Times New Roman" panose="02020603050405020304" pitchFamily="18" charset="0"/>
-                          </a:rPr>
-                        </m:ctrlPr>
-                      </m:sSubPr>
-                      <m:e>
-                        <m:r>
-                          <a:rPr kumimoji="1" lang="en-US" altLang="ja-JP" sz="2000" b="0" i="1" smtClean="0">
-                            <a:solidFill>
-                              <a:schemeClr val="tx1">
-                                <a:lumMod val="50000"/>
-                                <a:lumOff val="50000"/>
-                              </a:schemeClr>
-                            </a:solidFill>
-                            <a:latin typeface="Cambria Math" panose="02040503050406030204" pitchFamily="18" charset="0"/>
-                            <a:ea typeface="YuKyokasho Medium" panose="02000500000000000000" pitchFamily="2" charset="-128"/>
-                            <a:cs typeface="Times New Roman" panose="02020603050405020304" pitchFamily="18" charset="0"/>
-                          </a:rPr>
-                          <m:t>𝑐</m:t>
-                        </m:r>
-                      </m:e>
-                      <m:sub>
-                        <m:r>
-                          <a:rPr kumimoji="1" lang="en-US" altLang="ja-JP" sz="2000" b="0" i="1" smtClean="0">
-                            <a:solidFill>
-                              <a:schemeClr val="tx1">
-                                <a:lumMod val="50000"/>
-                                <a:lumOff val="50000"/>
-                              </a:schemeClr>
-                            </a:solidFill>
-                            <a:latin typeface="Cambria Math" panose="02040503050406030204" pitchFamily="18" charset="0"/>
-                            <a:ea typeface="YuKyokasho Medium" panose="02000500000000000000" pitchFamily="2" charset="-128"/>
-                            <a:cs typeface="Times New Roman" panose="02020603050405020304" pitchFamily="18" charset="0"/>
-                          </a:rPr>
-                          <m:t>2</m:t>
-                        </m:r>
-                      </m:sub>
-                    </m:sSub>
-                    <m:sSub>
-                      <m:sSubPr>
-                        <m:ctrlPr>
-                          <a:rPr kumimoji="1" lang="en-US" altLang="ja-JP" sz="2000" b="0" i="1" smtClean="0">
-                            <a:solidFill>
-                              <a:schemeClr val="tx1">
-                                <a:lumMod val="50000"/>
-                                <a:lumOff val="50000"/>
-                              </a:schemeClr>
-                            </a:solidFill>
-                            <a:latin typeface="Cambria Math" panose="02040503050406030204" pitchFamily="18" charset="0"/>
-                            <a:ea typeface="YuKyokasho Medium" panose="02000500000000000000" pitchFamily="2" charset="-128"/>
-                            <a:cs typeface="Times New Roman" panose="02020603050405020304" pitchFamily="18" charset="0"/>
-                          </a:rPr>
-                        </m:ctrlPr>
-                      </m:sSubPr>
-                      <m:e>
-                        <m:r>
-                          <a:rPr kumimoji="1" lang="en-US" altLang="ja-JP" sz="2000" b="0" i="1" smtClean="0">
-                            <a:solidFill>
-                              <a:schemeClr val="tx1">
-                                <a:lumMod val="50000"/>
-                                <a:lumOff val="50000"/>
-                              </a:schemeClr>
-                            </a:solidFill>
-                            <a:latin typeface="Cambria Math" panose="02040503050406030204" pitchFamily="18" charset="0"/>
-                            <a:ea typeface="YuKyokasho Medium" panose="02000500000000000000" pitchFamily="2" charset="-128"/>
-                            <a:cs typeface="Times New Roman" panose="02020603050405020304" pitchFamily="18" charset="0"/>
-                          </a:rPr>
-                          <m:t>𝑓</m:t>
-                        </m:r>
-                      </m:e>
-                      <m:sub>
-                        <m:r>
-                          <a:rPr kumimoji="1" lang="en-US" altLang="ja-JP" sz="2000" b="0" i="1" smtClean="0">
-                            <a:solidFill>
-                              <a:schemeClr val="tx1">
-                                <a:lumMod val="50000"/>
-                                <a:lumOff val="50000"/>
-                              </a:schemeClr>
-                            </a:solidFill>
-                            <a:latin typeface="Cambria Math" panose="02040503050406030204" pitchFamily="18" charset="0"/>
-                            <a:ea typeface="YuKyokasho Medium" panose="02000500000000000000" pitchFamily="2" charset="-128"/>
-                            <a:cs typeface="Times New Roman" panose="02020603050405020304" pitchFamily="18" charset="0"/>
-                          </a:rPr>
-                          <m:t>2</m:t>
-                        </m:r>
-                      </m:sub>
-                    </m:sSub>
-                    <m:d>
-                      <m:dPr>
-                        <m:ctrlPr>
-                          <a:rPr kumimoji="1" lang="en-US" altLang="ja-JP" sz="2000" b="0" i="1" smtClean="0">
-                            <a:solidFill>
-                              <a:schemeClr val="tx1">
-                                <a:lumMod val="50000"/>
-                                <a:lumOff val="50000"/>
-                              </a:schemeClr>
-                            </a:solidFill>
-                            <a:latin typeface="Cambria Math" panose="02040503050406030204" pitchFamily="18" charset="0"/>
-                            <a:ea typeface="YuKyokasho Medium" panose="02000500000000000000" pitchFamily="2" charset="-128"/>
-                            <a:cs typeface="Times New Roman" panose="02020603050405020304" pitchFamily="18" charset="0"/>
-                          </a:rPr>
-                        </m:ctrlPr>
-                      </m:dPr>
-                      <m:e>
-                        <m:r>
-                          <a:rPr kumimoji="1" lang="en-US" altLang="ja-JP" sz="2000" b="0" i="1" smtClean="0">
-                            <a:solidFill>
-                              <a:schemeClr val="tx1">
-                                <a:lumMod val="50000"/>
-                                <a:lumOff val="50000"/>
-                              </a:schemeClr>
-                            </a:solidFill>
-                            <a:latin typeface="Cambria Math" panose="02040503050406030204" pitchFamily="18" charset="0"/>
-                            <a:ea typeface="Cambria Math" panose="02040503050406030204" pitchFamily="18" charset="0"/>
-                            <a:cs typeface="Times New Roman" panose="02020603050405020304" pitchFamily="18" charset="0"/>
-                          </a:rPr>
-                          <m:t>𝜏</m:t>
-                        </m:r>
-                      </m:e>
-                    </m:d>
-                    <m:r>
-                      <a:rPr kumimoji="1" lang="en-US" altLang="ja-JP" sz="2000" b="0" i="1" smtClean="0">
-                        <a:solidFill>
-                          <a:schemeClr val="tx1">
-                            <a:lumMod val="50000"/>
-                            <a:lumOff val="50000"/>
-                          </a:schemeClr>
-                        </a:solidFill>
-                        <a:latin typeface="Cambria Math" panose="02040503050406030204" pitchFamily="18" charset="0"/>
-                        <a:ea typeface="YuKyokasho Medium" panose="02000500000000000000" pitchFamily="2" charset="-128"/>
-                        <a:cs typeface="Times New Roman" panose="02020603050405020304" pitchFamily="18" charset="0"/>
-                      </a:rPr>
-                      <m:t>=</m:t>
-                    </m:r>
-                    <m:sSub>
-                      <m:sSubPr>
-                        <m:ctrlPr>
-                          <a:rPr kumimoji="1" lang="en-US" altLang="ja-JP" sz="2000" b="0" i="1" smtClean="0">
-                            <a:solidFill>
-                              <a:schemeClr val="tx1">
-                                <a:lumMod val="50000"/>
-                                <a:lumOff val="50000"/>
-                              </a:schemeClr>
-                            </a:solidFill>
-                            <a:latin typeface="Cambria Math" panose="02040503050406030204" pitchFamily="18" charset="0"/>
-                            <a:ea typeface="YuKyokasho Medium" panose="02000500000000000000" pitchFamily="2" charset="-128"/>
-                            <a:cs typeface="Times New Roman" panose="02020603050405020304" pitchFamily="18" charset="0"/>
-                          </a:rPr>
-                        </m:ctrlPr>
-                      </m:sSubPr>
-                      <m:e>
-                        <m:r>
-                          <a:rPr kumimoji="1" lang="en-US" altLang="ja-JP" sz="2000" b="0" i="1" smtClean="0">
-                            <a:solidFill>
-                              <a:schemeClr val="tx1">
-                                <a:lumMod val="50000"/>
-                                <a:lumOff val="50000"/>
-                              </a:schemeClr>
-                            </a:solidFill>
-                            <a:latin typeface="Cambria Math" panose="02040503050406030204" pitchFamily="18" charset="0"/>
-                            <a:ea typeface="YuKyokasho Medium" panose="02000500000000000000" pitchFamily="2" charset="-128"/>
-                            <a:cs typeface="Times New Roman" panose="02020603050405020304" pitchFamily="18" charset="0"/>
-                          </a:rPr>
-                          <m:t>𝑓</m:t>
-                        </m:r>
-                      </m:e>
-                      <m:sub>
-                        <m:r>
-                          <m:rPr>
-                            <m:sty m:val="p"/>
-                          </m:rPr>
-                          <a:rPr kumimoji="1" lang="en-US" altLang="ja-JP" sz="2000" b="0" i="0" smtClean="0">
-                            <a:solidFill>
-                              <a:schemeClr val="tx1">
-                                <a:lumMod val="50000"/>
-                                <a:lumOff val="50000"/>
-                              </a:schemeClr>
-                            </a:solidFill>
-                            <a:latin typeface="Cambria Math" panose="02040503050406030204" pitchFamily="18" charset="0"/>
-                            <a:ea typeface="YuKyokasho Medium" panose="02000500000000000000" pitchFamily="2" charset="-128"/>
-                            <a:cs typeface="Times New Roman" panose="02020603050405020304" pitchFamily="18" charset="0"/>
-                          </a:rPr>
-                          <m:t>true</m:t>
-                        </m:r>
-                      </m:sub>
-                    </m:sSub>
-                    <m:r>
-                      <a:rPr kumimoji="1" lang="en-US" altLang="ja-JP" sz="2000" b="0" i="1" smtClean="0">
-                        <a:solidFill>
-                          <a:schemeClr val="tx1">
-                            <a:lumMod val="50000"/>
-                            <a:lumOff val="50000"/>
-                          </a:schemeClr>
-                        </a:solidFill>
-                        <a:latin typeface="Cambria Math" panose="02040503050406030204" pitchFamily="18" charset="0"/>
-                        <a:ea typeface="YuKyokasho Medium" panose="02000500000000000000" pitchFamily="2" charset="-128"/>
-                        <a:cs typeface="Times New Roman" panose="02020603050405020304" pitchFamily="18" charset="0"/>
-                      </a:rPr>
-                      <m:t>+</m:t>
-                    </m:r>
-                    <m:r>
-                      <a:rPr kumimoji="1" lang="en-US" altLang="ja-JP" sz="2000" i="1">
-                        <a:solidFill>
-                          <a:schemeClr val="tx1">
-                            <a:lumMod val="50000"/>
-                            <a:lumOff val="50000"/>
-                          </a:schemeClr>
-                        </a:solidFill>
-                        <a:latin typeface="Cambria Math" panose="02040503050406030204" pitchFamily="18" charset="0"/>
-                        <a:ea typeface="Cambria Math" panose="02040503050406030204" pitchFamily="18" charset="0"/>
-                        <a:cs typeface="Times New Roman" panose="02020603050405020304" pitchFamily="18" charset="0"/>
-                      </a:rPr>
-                      <m:t>𝒪</m:t>
-                    </m:r>
-                    <m:r>
-                      <a:rPr kumimoji="1" lang="en-US" altLang="ja-JP" sz="2000" i="1">
-                        <a:solidFill>
-                          <a:schemeClr val="tx1">
-                            <a:lumMod val="50000"/>
-                            <a:lumOff val="50000"/>
-                          </a:schemeClr>
-                        </a:solidFill>
-                        <a:latin typeface="Cambria Math" panose="02040503050406030204" pitchFamily="18" charset="0"/>
-                        <a:ea typeface="Cambria Math" panose="02040503050406030204" pitchFamily="18" charset="0"/>
-                        <a:cs typeface="Times New Roman" panose="02020603050405020304" pitchFamily="18" charset="0"/>
-                      </a:rPr>
-                      <m:t>(</m:t>
-                    </m:r>
-                    <m:sSup>
-                      <m:sSupPr>
-                        <m:ctrlPr>
-                          <a:rPr kumimoji="1" lang="en-US" altLang="ja-JP" sz="2000" i="1">
-                            <a:solidFill>
-                              <a:schemeClr val="tx1">
-                                <a:lumMod val="50000"/>
-                                <a:lumOff val="50000"/>
-                              </a:schemeClr>
-                            </a:solidFill>
-                            <a:latin typeface="Cambria Math" panose="02040503050406030204" pitchFamily="18" charset="0"/>
-                            <a:ea typeface="Cambria Math" panose="02040503050406030204" pitchFamily="18" charset="0"/>
-                            <a:cs typeface="Times New Roman" panose="02020603050405020304" pitchFamily="18" charset="0"/>
-                          </a:rPr>
-                        </m:ctrlPr>
-                      </m:sSupPr>
-                      <m:e>
-                        <m:r>
-                          <a:rPr kumimoji="1" lang="en-US" altLang="ja-JP" sz="2000" i="1">
-                            <a:solidFill>
-                              <a:schemeClr val="tx1">
-                                <a:lumMod val="50000"/>
-                                <a:lumOff val="50000"/>
-                              </a:schemeClr>
-                            </a:solidFill>
-                            <a:latin typeface="Cambria Math" panose="02040503050406030204" pitchFamily="18" charset="0"/>
-                            <a:ea typeface="Cambria Math" panose="02040503050406030204" pitchFamily="18" charset="0"/>
-                            <a:cs typeface="Times New Roman" panose="02020603050405020304" pitchFamily="18" charset="0"/>
-                          </a:rPr>
-                          <m:t>𝜏</m:t>
-                        </m:r>
-                      </m:e>
-                      <m:sup>
-                        <m:r>
-                          <a:rPr kumimoji="1" lang="en-US" altLang="ja-JP" sz="2000" b="0" i="1" smtClean="0">
-                            <a:solidFill>
-                              <a:schemeClr val="tx1">
-                                <a:lumMod val="50000"/>
-                                <a:lumOff val="50000"/>
-                              </a:schemeClr>
-                            </a:solidFill>
-                            <a:latin typeface="Cambria Math" panose="02040503050406030204" pitchFamily="18" charset="0"/>
-                            <a:ea typeface="Cambria Math" panose="02040503050406030204" pitchFamily="18" charset="0"/>
-                            <a:cs typeface="Times New Roman" panose="02020603050405020304" pitchFamily="18" charset="0"/>
-                          </a:rPr>
-                          <m:t>3</m:t>
-                        </m:r>
-                      </m:sup>
-                    </m:sSup>
-                    <m:r>
-                      <a:rPr kumimoji="1" lang="en-US" altLang="ja-JP" sz="2000" i="1">
-                        <a:solidFill>
-                          <a:schemeClr val="tx1">
-                            <a:lumMod val="50000"/>
-                            <a:lumOff val="50000"/>
-                          </a:schemeClr>
-                        </a:solidFill>
-                        <a:latin typeface="Cambria Math" panose="02040503050406030204" pitchFamily="18" charset="0"/>
-                        <a:ea typeface="Cambria Math" panose="02040503050406030204" pitchFamily="18" charset="0"/>
-                        <a:cs typeface="Times New Roman" panose="02020603050405020304" pitchFamily="18" charset="0"/>
-                      </a:rPr>
-                      <m:t>)</m:t>
-                    </m:r>
-                  </m:oMath>
-                </a14:m>
-                <a:r>
-                  <a:rPr kumimoji="1" lang="en-US" altLang="ja-JP" sz="2000" dirty="0">
-                    <a:solidFill>
-                      <a:schemeClr val="tx1">
-                        <a:lumMod val="50000"/>
-                        <a:lumOff val="50000"/>
-                      </a:schemeClr>
-                    </a:solidFill>
-                    <a:latin typeface="Times New Roman" panose="02020603050405020304" pitchFamily="18" charset="0"/>
-                    <a:ea typeface="YuKyokasho Medium" panose="02000500000000000000" pitchFamily="2" charset="-128"/>
-                    <a:cs typeface="Times New Roman" panose="02020603050405020304" pitchFamily="18" charset="0"/>
-                  </a:rPr>
-                  <a:t> with </a:t>
-                </a:r>
-                <a14:m>
-                  <m:oMath xmlns:m="http://schemas.openxmlformats.org/officeDocument/2006/math">
-                    <m:sSub>
-                      <m:sSubPr>
-                        <m:ctrlPr>
-                          <a:rPr kumimoji="1" lang="en-US" altLang="ja-JP" sz="2000" i="1" smtClean="0">
-                            <a:solidFill>
-                              <a:schemeClr val="tx1">
-                                <a:lumMod val="50000"/>
-                                <a:lumOff val="50000"/>
-                              </a:schemeClr>
-                            </a:solidFill>
-                            <a:latin typeface="Cambria Math" panose="02040503050406030204" pitchFamily="18" charset="0"/>
-                            <a:ea typeface="YuKyokasho Medium" panose="02000500000000000000" pitchFamily="2" charset="-128"/>
-                            <a:cs typeface="Times New Roman" panose="02020603050405020304" pitchFamily="18" charset="0"/>
-                          </a:rPr>
-                        </m:ctrlPr>
-                      </m:sSubPr>
-                      <m:e>
-                        <m:r>
-                          <a:rPr kumimoji="1" lang="en-US" altLang="ja-JP" sz="2000" b="0" i="1" smtClean="0">
-                            <a:solidFill>
-                              <a:schemeClr val="tx1">
-                                <a:lumMod val="50000"/>
-                                <a:lumOff val="50000"/>
-                              </a:schemeClr>
-                            </a:solidFill>
-                            <a:latin typeface="Cambria Math" panose="02040503050406030204" pitchFamily="18" charset="0"/>
-                            <a:ea typeface="YuKyokasho Medium" panose="02000500000000000000" pitchFamily="2" charset="-128"/>
-                            <a:cs typeface="Times New Roman" panose="02020603050405020304" pitchFamily="18" charset="0"/>
-                          </a:rPr>
-                          <m:t>𝑐</m:t>
-                        </m:r>
-                      </m:e>
-                      <m:sub>
-                        <m:r>
-                          <a:rPr kumimoji="1" lang="en-US" altLang="ja-JP" sz="2000" b="0" i="1" smtClean="0">
-                            <a:solidFill>
-                              <a:schemeClr val="tx1">
-                                <a:lumMod val="50000"/>
-                                <a:lumOff val="50000"/>
-                              </a:schemeClr>
-                            </a:solidFill>
-                            <a:latin typeface="Cambria Math" panose="02040503050406030204" pitchFamily="18" charset="0"/>
-                            <a:ea typeface="YuKyokasho Medium" panose="02000500000000000000" pitchFamily="2" charset="-128"/>
-                            <a:cs typeface="Times New Roman" panose="02020603050405020304" pitchFamily="18" charset="0"/>
-                          </a:rPr>
-                          <m:t>𝑗</m:t>
-                        </m:r>
-                      </m:sub>
-                    </m:sSub>
-                  </m:oMath>
-                </a14:m>
-                <a:r>
-                  <a:rPr kumimoji="1" lang="en-US" altLang="ja-JP" sz="2000" dirty="0">
-                    <a:solidFill>
-                      <a:schemeClr val="tx1">
-                        <a:lumMod val="50000"/>
-                        <a:lumOff val="50000"/>
-                      </a:schemeClr>
-                    </a:solidFill>
-                    <a:latin typeface="Times New Roman" panose="02020603050405020304" pitchFamily="18" charset="0"/>
-                    <a:ea typeface="YuKyokasho Medium" panose="02000500000000000000" pitchFamily="2" charset="-128"/>
-                    <a:cs typeface="Times New Roman" panose="02020603050405020304" pitchFamily="18" charset="0"/>
-                  </a:rPr>
-                  <a:t> </a:t>
-                </a:r>
-                <a:r>
-                  <a:rPr kumimoji="1" lang="en-US" altLang="ja-JP" sz="2000" dirty="0" err="1">
-                    <a:solidFill>
-                      <a:schemeClr val="tx1">
-                        <a:lumMod val="50000"/>
-                        <a:lumOff val="50000"/>
-                      </a:schemeClr>
-                    </a:solidFill>
-                    <a:latin typeface="Times New Roman" panose="02020603050405020304" pitchFamily="18" charset="0"/>
-                    <a:ea typeface="YuKyokasho Medium" panose="02000500000000000000" pitchFamily="2" charset="-128"/>
-                    <a:cs typeface="Times New Roman" panose="02020603050405020304" pitchFamily="18" charset="0"/>
-                  </a:rPr>
-                  <a:t>s.t.</a:t>
-                </a:r>
-                <a:r>
-                  <a:rPr kumimoji="1" lang="en-US" altLang="ja-JP" sz="2000" dirty="0">
-                    <a:solidFill>
-                      <a:schemeClr val="tx1">
-                        <a:lumMod val="50000"/>
-                        <a:lumOff val="50000"/>
-                      </a:schemeClr>
-                    </a:solidFill>
-                    <a:latin typeface="Times New Roman" panose="02020603050405020304" pitchFamily="18" charset="0"/>
-                    <a:ea typeface="YuKyokasho Medium" panose="02000500000000000000" pitchFamily="2" charset="-128"/>
-                    <a:cs typeface="Times New Roman" panose="02020603050405020304" pitchFamily="18" charset="0"/>
-                  </a:rPr>
-                  <a:t> </a:t>
-                </a:r>
-                <a14:m>
-                  <m:oMath xmlns:m="http://schemas.openxmlformats.org/officeDocument/2006/math">
-                    <m:sSub>
-                      <m:sSubPr>
-                        <m:ctrlPr>
-                          <a:rPr kumimoji="1" lang="en-US" altLang="ja-JP" sz="2000" i="1" smtClean="0">
-                            <a:solidFill>
-                              <a:schemeClr val="tx1">
-                                <a:lumMod val="50000"/>
-                                <a:lumOff val="50000"/>
-                              </a:schemeClr>
-                            </a:solidFill>
-                            <a:latin typeface="Cambria Math" panose="02040503050406030204" pitchFamily="18" charset="0"/>
-                            <a:ea typeface="YuKyokasho Medium" panose="02000500000000000000" pitchFamily="2" charset="-128"/>
-                            <a:cs typeface="Times New Roman" panose="02020603050405020304" pitchFamily="18" charset="0"/>
-                          </a:rPr>
-                        </m:ctrlPr>
-                      </m:sSubPr>
-                      <m:e>
-                        <m:r>
-                          <a:rPr kumimoji="1" lang="en-US" altLang="ja-JP" sz="2000" b="0" i="1" smtClean="0">
-                            <a:solidFill>
-                              <a:schemeClr val="tx1">
-                                <a:lumMod val="50000"/>
-                                <a:lumOff val="50000"/>
-                              </a:schemeClr>
-                            </a:solidFill>
-                            <a:latin typeface="Cambria Math" panose="02040503050406030204" pitchFamily="18" charset="0"/>
-                            <a:ea typeface="YuKyokasho Medium" panose="02000500000000000000" pitchFamily="2" charset="-128"/>
-                            <a:cs typeface="Times New Roman" panose="02020603050405020304" pitchFamily="18" charset="0"/>
-                          </a:rPr>
-                          <m:t>𝑐</m:t>
-                        </m:r>
-                      </m:e>
-                      <m:sub>
-                        <m:r>
-                          <a:rPr kumimoji="1" lang="en-US" altLang="ja-JP" sz="2000" b="0" i="1" smtClean="0">
-                            <a:solidFill>
-                              <a:schemeClr val="tx1">
-                                <a:lumMod val="50000"/>
-                                <a:lumOff val="50000"/>
-                              </a:schemeClr>
-                            </a:solidFill>
-                            <a:latin typeface="Cambria Math" panose="02040503050406030204" pitchFamily="18" charset="0"/>
-                            <a:ea typeface="YuKyokasho Medium" panose="02000500000000000000" pitchFamily="2" charset="-128"/>
-                            <a:cs typeface="Times New Roman" panose="02020603050405020304" pitchFamily="18" charset="0"/>
-                          </a:rPr>
-                          <m:t>1</m:t>
-                        </m:r>
-                      </m:sub>
-                    </m:sSub>
-                    <m:r>
-                      <a:rPr kumimoji="1" lang="en-US" altLang="ja-JP" sz="2000" b="0" i="1" smtClean="0">
-                        <a:solidFill>
-                          <a:schemeClr val="tx1">
-                            <a:lumMod val="50000"/>
-                            <a:lumOff val="50000"/>
-                          </a:schemeClr>
-                        </a:solidFill>
-                        <a:latin typeface="Cambria Math" panose="02040503050406030204" pitchFamily="18" charset="0"/>
-                        <a:ea typeface="YuKyokasho Medium" panose="02000500000000000000" pitchFamily="2" charset="-128"/>
-                        <a:cs typeface="Times New Roman" panose="02020603050405020304" pitchFamily="18" charset="0"/>
-                      </a:rPr>
-                      <m:t>+</m:t>
-                    </m:r>
-                    <m:sSub>
-                      <m:sSubPr>
-                        <m:ctrlPr>
-                          <a:rPr kumimoji="1" lang="en-US" altLang="ja-JP" sz="2000" b="0" i="1" smtClean="0">
-                            <a:solidFill>
-                              <a:schemeClr val="tx1">
-                                <a:lumMod val="50000"/>
-                                <a:lumOff val="50000"/>
-                              </a:schemeClr>
-                            </a:solidFill>
-                            <a:latin typeface="Cambria Math" panose="02040503050406030204" pitchFamily="18" charset="0"/>
-                            <a:ea typeface="YuKyokasho Medium" panose="02000500000000000000" pitchFamily="2" charset="-128"/>
-                            <a:cs typeface="Times New Roman" panose="02020603050405020304" pitchFamily="18" charset="0"/>
-                          </a:rPr>
-                        </m:ctrlPr>
-                      </m:sSubPr>
-                      <m:e>
-                        <m:r>
-                          <a:rPr kumimoji="1" lang="en-US" altLang="ja-JP" sz="2000" b="0" i="1" smtClean="0">
-                            <a:solidFill>
-                              <a:schemeClr val="tx1">
-                                <a:lumMod val="50000"/>
-                                <a:lumOff val="50000"/>
-                              </a:schemeClr>
-                            </a:solidFill>
-                            <a:latin typeface="Cambria Math" panose="02040503050406030204" pitchFamily="18" charset="0"/>
-                            <a:ea typeface="YuKyokasho Medium" panose="02000500000000000000" pitchFamily="2" charset="-128"/>
-                            <a:cs typeface="Times New Roman" panose="02020603050405020304" pitchFamily="18" charset="0"/>
-                          </a:rPr>
-                          <m:t>𝑐</m:t>
-                        </m:r>
-                      </m:e>
-                      <m:sub>
-                        <m:r>
-                          <a:rPr kumimoji="1" lang="en-US" altLang="ja-JP" sz="2000" b="0" i="1" smtClean="0">
-                            <a:solidFill>
-                              <a:schemeClr val="tx1">
-                                <a:lumMod val="50000"/>
-                                <a:lumOff val="50000"/>
-                              </a:schemeClr>
-                            </a:solidFill>
-                            <a:latin typeface="Cambria Math" panose="02040503050406030204" pitchFamily="18" charset="0"/>
-                            <a:ea typeface="YuKyokasho Medium" panose="02000500000000000000" pitchFamily="2" charset="-128"/>
-                            <a:cs typeface="Times New Roman" panose="02020603050405020304" pitchFamily="18" charset="0"/>
-                          </a:rPr>
-                          <m:t>2</m:t>
-                        </m:r>
-                      </m:sub>
-                    </m:sSub>
-                    <m:r>
-                      <a:rPr kumimoji="1" lang="en-US" altLang="ja-JP" sz="2000" b="0" i="1" smtClean="0">
-                        <a:solidFill>
-                          <a:schemeClr val="tx1">
-                            <a:lumMod val="50000"/>
-                            <a:lumOff val="50000"/>
-                          </a:schemeClr>
-                        </a:solidFill>
-                        <a:latin typeface="Cambria Math" panose="02040503050406030204" pitchFamily="18" charset="0"/>
-                        <a:ea typeface="YuKyokasho Medium" panose="02000500000000000000" pitchFamily="2" charset="-128"/>
-                        <a:cs typeface="Times New Roman" panose="02020603050405020304" pitchFamily="18" charset="0"/>
-                      </a:rPr>
-                      <m:t>=1</m:t>
-                    </m:r>
-                  </m:oMath>
-                </a14:m>
-                <a:r>
-                  <a:rPr kumimoji="1" lang="en-US" altLang="ja-JP" sz="2000" dirty="0">
-                    <a:solidFill>
-                      <a:schemeClr val="tx1">
-                        <a:lumMod val="50000"/>
-                        <a:lumOff val="50000"/>
-                      </a:schemeClr>
-                    </a:solidFill>
-                    <a:latin typeface="Times New Roman" panose="02020603050405020304" pitchFamily="18" charset="0"/>
-                    <a:ea typeface="YuKyokasho Medium" panose="02000500000000000000" pitchFamily="2" charset="-128"/>
-                    <a:cs typeface="Times New Roman" panose="02020603050405020304" pitchFamily="18" charset="0"/>
-                  </a:rPr>
-                  <a:t>, </a:t>
-                </a:r>
-                <a14:m>
-                  <m:oMath xmlns:m="http://schemas.openxmlformats.org/officeDocument/2006/math">
-                    <m:sSub>
-                      <m:sSubPr>
-                        <m:ctrlPr>
-                          <a:rPr kumimoji="1" lang="en-US" altLang="ja-JP" sz="2000" i="1" smtClean="0">
-                            <a:solidFill>
-                              <a:schemeClr val="tx1">
-                                <a:lumMod val="50000"/>
-                                <a:lumOff val="50000"/>
-                              </a:schemeClr>
-                            </a:solidFill>
-                            <a:latin typeface="Cambria Math" panose="02040503050406030204" pitchFamily="18" charset="0"/>
-                            <a:ea typeface="YuKyokasho Medium" panose="02000500000000000000" pitchFamily="2" charset="-128"/>
-                            <a:cs typeface="Times New Roman" panose="02020603050405020304" pitchFamily="18" charset="0"/>
-                          </a:rPr>
-                        </m:ctrlPr>
-                      </m:sSubPr>
-                      <m:e>
-                        <m:r>
-                          <a:rPr kumimoji="1" lang="en-US" altLang="ja-JP" sz="2000" b="0" i="1" smtClean="0">
-                            <a:solidFill>
-                              <a:schemeClr val="tx1">
-                                <a:lumMod val="50000"/>
-                                <a:lumOff val="50000"/>
-                              </a:schemeClr>
-                            </a:solidFill>
-                            <a:latin typeface="Cambria Math" panose="02040503050406030204" pitchFamily="18" charset="0"/>
-                            <a:ea typeface="YuKyokasho Medium" panose="02000500000000000000" pitchFamily="2" charset="-128"/>
-                            <a:cs typeface="Times New Roman" panose="02020603050405020304" pitchFamily="18" charset="0"/>
-                          </a:rPr>
-                          <m:t>𝑐</m:t>
-                        </m:r>
-                      </m:e>
-                      <m:sub>
-                        <m:r>
-                          <a:rPr kumimoji="1" lang="en-US" altLang="ja-JP" sz="2000" b="0" i="1" smtClean="0">
-                            <a:solidFill>
-                              <a:schemeClr val="tx1">
-                                <a:lumMod val="50000"/>
-                                <a:lumOff val="50000"/>
-                              </a:schemeClr>
-                            </a:solidFill>
-                            <a:latin typeface="Cambria Math" panose="02040503050406030204" pitchFamily="18" charset="0"/>
-                            <a:ea typeface="YuKyokasho Medium" panose="02000500000000000000" pitchFamily="2" charset="-128"/>
-                            <a:cs typeface="Times New Roman" panose="02020603050405020304" pitchFamily="18" charset="0"/>
-                          </a:rPr>
-                          <m:t>1</m:t>
-                        </m:r>
-                      </m:sub>
-                    </m:sSub>
-                    <m:sSub>
-                      <m:sSubPr>
-                        <m:ctrlPr>
-                          <a:rPr kumimoji="1" lang="en-US" altLang="ja-JP" sz="2000" i="1" smtClean="0">
-                            <a:solidFill>
-                              <a:schemeClr val="tx1">
-                                <a:lumMod val="50000"/>
-                                <a:lumOff val="50000"/>
-                              </a:schemeClr>
-                            </a:solidFill>
-                            <a:latin typeface="Cambria Math" panose="02040503050406030204" pitchFamily="18" charset="0"/>
-                            <a:ea typeface="YuKyokasho Medium" panose="02000500000000000000" pitchFamily="2" charset="-128"/>
-                            <a:cs typeface="Times New Roman" panose="02020603050405020304" pitchFamily="18" charset="0"/>
-                          </a:rPr>
-                        </m:ctrlPr>
-                      </m:sSubPr>
-                      <m:e>
-                        <m:r>
-                          <a:rPr kumimoji="1" lang="en-US" altLang="ja-JP" sz="2000" b="0" i="1" smtClean="0">
-                            <a:solidFill>
-                              <a:schemeClr val="tx1">
-                                <a:lumMod val="50000"/>
-                                <a:lumOff val="50000"/>
-                              </a:schemeClr>
-                            </a:solidFill>
-                            <a:latin typeface="Cambria Math" panose="02040503050406030204" pitchFamily="18" charset="0"/>
-                            <a:ea typeface="YuKyokasho Medium" panose="02000500000000000000" pitchFamily="2" charset="-128"/>
-                            <a:cs typeface="Times New Roman" panose="02020603050405020304" pitchFamily="18" charset="0"/>
-                          </a:rPr>
-                          <m:t>𝑎</m:t>
-                        </m:r>
-                      </m:e>
-                      <m:sub>
-                        <m:r>
-                          <a:rPr kumimoji="1" lang="en-US" altLang="ja-JP" sz="2000" b="0" i="1" smtClean="0">
-                            <a:solidFill>
-                              <a:schemeClr val="tx1">
-                                <a:lumMod val="50000"/>
-                                <a:lumOff val="50000"/>
-                              </a:schemeClr>
-                            </a:solidFill>
-                            <a:latin typeface="Cambria Math" panose="02040503050406030204" pitchFamily="18" charset="0"/>
-                            <a:ea typeface="YuKyokasho Medium" panose="02000500000000000000" pitchFamily="2" charset="-128"/>
-                            <a:cs typeface="Times New Roman" panose="02020603050405020304" pitchFamily="18" charset="0"/>
-                          </a:rPr>
-                          <m:t>1</m:t>
-                        </m:r>
-                      </m:sub>
-                    </m:sSub>
-                    <m:r>
-                      <a:rPr kumimoji="1" lang="en-US" altLang="ja-JP" sz="2000" b="0" i="1" smtClean="0">
-                        <a:solidFill>
-                          <a:schemeClr val="tx1">
-                            <a:lumMod val="50000"/>
-                            <a:lumOff val="50000"/>
-                          </a:schemeClr>
-                        </a:solidFill>
-                        <a:latin typeface="Cambria Math" panose="02040503050406030204" pitchFamily="18" charset="0"/>
-                        <a:ea typeface="YuKyokasho Medium" panose="02000500000000000000" pitchFamily="2" charset="-128"/>
-                        <a:cs typeface="Times New Roman" panose="02020603050405020304" pitchFamily="18" charset="0"/>
-                      </a:rPr>
-                      <m:t>+</m:t>
-                    </m:r>
-                    <m:sSub>
-                      <m:sSubPr>
-                        <m:ctrlPr>
-                          <a:rPr kumimoji="1" lang="en-US" altLang="ja-JP" sz="2000" b="0" i="1" smtClean="0">
-                            <a:solidFill>
-                              <a:schemeClr val="tx1">
-                                <a:lumMod val="50000"/>
-                                <a:lumOff val="50000"/>
-                              </a:schemeClr>
-                            </a:solidFill>
-                            <a:latin typeface="Cambria Math" panose="02040503050406030204" pitchFamily="18" charset="0"/>
-                            <a:ea typeface="YuKyokasho Medium" panose="02000500000000000000" pitchFamily="2" charset="-128"/>
-                            <a:cs typeface="Times New Roman" panose="02020603050405020304" pitchFamily="18" charset="0"/>
-                          </a:rPr>
-                        </m:ctrlPr>
-                      </m:sSubPr>
-                      <m:e>
-                        <m:r>
-                          <a:rPr kumimoji="1" lang="en-US" altLang="ja-JP" sz="2000" b="0" i="1" smtClean="0">
-                            <a:solidFill>
-                              <a:schemeClr val="tx1">
-                                <a:lumMod val="50000"/>
-                                <a:lumOff val="50000"/>
-                              </a:schemeClr>
-                            </a:solidFill>
-                            <a:latin typeface="Cambria Math" panose="02040503050406030204" pitchFamily="18" charset="0"/>
-                            <a:ea typeface="YuKyokasho Medium" panose="02000500000000000000" pitchFamily="2" charset="-128"/>
-                            <a:cs typeface="Times New Roman" panose="02020603050405020304" pitchFamily="18" charset="0"/>
-                          </a:rPr>
-                          <m:t>𝑐</m:t>
-                        </m:r>
-                      </m:e>
-                      <m:sub>
-                        <m:r>
-                          <a:rPr kumimoji="1" lang="en-US" altLang="ja-JP" sz="2000" b="0" i="1" smtClean="0">
-                            <a:solidFill>
-                              <a:schemeClr val="tx1">
-                                <a:lumMod val="50000"/>
-                                <a:lumOff val="50000"/>
-                              </a:schemeClr>
-                            </a:solidFill>
-                            <a:latin typeface="Cambria Math" panose="02040503050406030204" pitchFamily="18" charset="0"/>
-                            <a:ea typeface="YuKyokasho Medium" panose="02000500000000000000" pitchFamily="2" charset="-128"/>
-                            <a:cs typeface="Times New Roman" panose="02020603050405020304" pitchFamily="18" charset="0"/>
-                          </a:rPr>
-                          <m:t>2</m:t>
-                        </m:r>
-                      </m:sub>
-                    </m:sSub>
-                    <m:sSub>
-                      <m:sSubPr>
-                        <m:ctrlPr>
-                          <a:rPr kumimoji="1" lang="en-US" altLang="ja-JP" sz="2000" b="0" i="1" smtClean="0">
-                            <a:solidFill>
-                              <a:schemeClr val="tx1">
-                                <a:lumMod val="50000"/>
-                                <a:lumOff val="50000"/>
-                              </a:schemeClr>
-                            </a:solidFill>
-                            <a:latin typeface="Cambria Math" panose="02040503050406030204" pitchFamily="18" charset="0"/>
-                            <a:ea typeface="YuKyokasho Medium" panose="02000500000000000000" pitchFamily="2" charset="-128"/>
-                            <a:cs typeface="Times New Roman" panose="02020603050405020304" pitchFamily="18" charset="0"/>
-                          </a:rPr>
-                        </m:ctrlPr>
-                      </m:sSubPr>
-                      <m:e>
-                        <m:r>
-                          <a:rPr kumimoji="1" lang="en-US" altLang="ja-JP" sz="2000" b="0" i="1" smtClean="0">
-                            <a:solidFill>
-                              <a:schemeClr val="tx1">
-                                <a:lumMod val="50000"/>
-                                <a:lumOff val="50000"/>
-                              </a:schemeClr>
-                            </a:solidFill>
-                            <a:latin typeface="Cambria Math" panose="02040503050406030204" pitchFamily="18" charset="0"/>
-                            <a:ea typeface="YuKyokasho Medium" panose="02000500000000000000" pitchFamily="2" charset="-128"/>
-                            <a:cs typeface="Times New Roman" panose="02020603050405020304" pitchFamily="18" charset="0"/>
-                          </a:rPr>
-                          <m:t>𝑎</m:t>
-                        </m:r>
-                      </m:e>
-                      <m:sub>
-                        <m:r>
-                          <a:rPr kumimoji="1" lang="en-US" altLang="ja-JP" sz="2000" b="0" i="1" smtClean="0">
-                            <a:solidFill>
-                              <a:schemeClr val="tx1">
-                                <a:lumMod val="50000"/>
-                                <a:lumOff val="50000"/>
-                              </a:schemeClr>
-                            </a:solidFill>
-                            <a:latin typeface="Cambria Math" panose="02040503050406030204" pitchFamily="18" charset="0"/>
-                            <a:ea typeface="YuKyokasho Medium" panose="02000500000000000000" pitchFamily="2" charset="-128"/>
-                            <a:cs typeface="Times New Roman" panose="02020603050405020304" pitchFamily="18" charset="0"/>
-                          </a:rPr>
-                          <m:t>2</m:t>
-                        </m:r>
-                      </m:sub>
-                    </m:sSub>
-                    <m:r>
-                      <a:rPr kumimoji="1" lang="en-US" altLang="ja-JP" sz="2000" b="0" i="1" smtClean="0">
-                        <a:solidFill>
-                          <a:schemeClr val="tx1">
-                            <a:lumMod val="50000"/>
-                            <a:lumOff val="50000"/>
-                          </a:schemeClr>
-                        </a:solidFill>
-                        <a:latin typeface="Cambria Math" panose="02040503050406030204" pitchFamily="18" charset="0"/>
-                        <a:ea typeface="YuKyokasho Medium" panose="02000500000000000000" pitchFamily="2" charset="-128"/>
-                        <a:cs typeface="Times New Roman" panose="02020603050405020304" pitchFamily="18" charset="0"/>
-                      </a:rPr>
-                      <m:t>=0</m:t>
-                    </m:r>
-                  </m:oMath>
-                </a14:m>
-                <a:r>
-                  <a:rPr kumimoji="1" lang="en-US" altLang="ja-JP" sz="2000" dirty="0">
-                    <a:solidFill>
-                      <a:schemeClr val="tx1">
-                        <a:lumMod val="50000"/>
-                        <a:lumOff val="50000"/>
-                      </a:schemeClr>
-                    </a:solidFill>
-                    <a:latin typeface="Times New Roman" panose="02020603050405020304" pitchFamily="18" charset="0"/>
-                    <a:ea typeface="YuKyokasho Medium" panose="02000500000000000000" pitchFamily="2" charset="-128"/>
-                    <a:cs typeface="Times New Roman" panose="02020603050405020304" pitchFamily="18" charset="0"/>
-                  </a:rPr>
-                  <a:t>.</a:t>
-                </a:r>
-                <a:endParaRPr kumimoji="1" lang="ja-JP" altLang="en-US" sz="2000">
-                  <a:solidFill>
-                    <a:schemeClr val="tx1">
-                      <a:lumMod val="50000"/>
-                      <a:lumOff val="50000"/>
-                    </a:schemeClr>
-                  </a:solidFill>
-                  <a:latin typeface="Times New Roman" panose="02020603050405020304" pitchFamily="18" charset="0"/>
-                  <a:ea typeface="YuKyokasho Medium" panose="02000500000000000000" pitchFamily="2" charset="-128"/>
-                  <a:cs typeface="Times New Roman" panose="02020603050405020304" pitchFamily="18" charset="0"/>
-                </a:endParaRPr>
-              </a:p>
-            </p:txBody>
-          </p:sp>
-        </mc:Choice>
-        <mc:Fallback>
-          <p:sp>
-            <p:nvSpPr>
-              <p:cNvPr id="31" name="テキスト ボックス 30">
-                <a:extLst>
-                  <a:ext uri="{FF2B5EF4-FFF2-40B4-BE49-F238E27FC236}">
-                    <a16:creationId xmlns:a16="http://schemas.microsoft.com/office/drawing/2014/main" id="{61B75FB0-ED70-FDBD-FF02-F4EA43D5D6B7}"/>
-                  </a:ext>
-                </a:extLst>
-              </p:cNvPr>
-              <p:cNvSpPr txBox="1">
-                <a:spLocks noRot="1" noChangeAspect="1" noMove="1" noResize="1" noEditPoints="1" noAdjustHandles="1" noChangeArrowheads="1" noChangeShapeType="1" noTextEdit="1"/>
-              </p:cNvSpPr>
-              <p:nvPr/>
-            </p:nvSpPr>
-            <p:spPr>
-              <a:xfrm>
-                <a:off x="936819" y="9238736"/>
-                <a:ext cx="12158136" cy="424796"/>
-              </a:xfrm>
-              <a:prstGeom prst="rect">
-                <a:avLst/>
-              </a:prstGeom>
-              <a:blipFill>
-                <a:blip r:embed="rId11"/>
-                <a:stretch>
-                  <a:fillRect l="-521" t="-8824" b="-20588"/>
-                </a:stretch>
-              </a:blipFill>
-            </p:spPr>
-            <p:txBody>
-              <a:bodyPr/>
-              <a:lstStyle/>
-              <a:p>
-                <a:r>
-                  <a:rPr lang="ja-JP" altLang="en-US">
-                    <a:noFill/>
-                  </a:rPr>
-                  <a:t> </a:t>
-                </a:r>
-              </a:p>
-            </p:txBody>
-          </p:sp>
-        </mc:Fallback>
-      </mc:AlternateContent>
-      <p:sp>
-        <p:nvSpPr>
-          <p:cNvPr id="17" name="テキスト ボックス 16">
-            <a:extLst>
-              <a:ext uri="{FF2B5EF4-FFF2-40B4-BE49-F238E27FC236}">
-                <a16:creationId xmlns:a16="http://schemas.microsoft.com/office/drawing/2014/main" id="{7F2275C7-E960-BAB5-5B9C-B5FBC592DFE8}"/>
+                <a16:creationId xmlns:a16="http://schemas.microsoft.com/office/drawing/2014/main" id="{B49F8FD3-D50F-36FB-9A0B-7DC3C2BAB666}"/>
               </a:ext>
             </a:extLst>
           </p:cNvPr>
@@ -6935,8 +4895,8 @@
         </p:nvSpPr>
         <p:spPr>
           <a:xfrm>
-            <a:off x="4803583" y="5959560"/>
-            <a:ext cx="4430996" cy="338554"/>
+            <a:off x="438249" y="10025585"/>
+            <a:ext cx="1930181" cy="461665"/>
           </a:xfrm>
           <a:prstGeom prst="rect">
             <a:avLst/>
@@ -6944,26 +4904,157 @@
           <a:noFill/>
         </p:spPr>
         <p:txBody>
-          <a:bodyPr wrap="square">
+          <a:bodyPr wrap="square" rtlCol="0">
             <a:spAutoFit/>
           </a:bodyPr>
           <a:lstStyle/>
           <a:p>
             <a:r>
-              <a:rPr lang="en" altLang="ja-JP" sz="1600" dirty="0">
-                <a:solidFill>
-                  <a:srgbClr val="002060"/>
-                </a:solidFill>
+              <a:rPr kumimoji="1" lang="ja-JP" altLang="en-US" sz="2400" b="1" u="sng">
                 <a:latin typeface="Times New Roman" panose="02020603050405020304" pitchFamily="18" charset="0"/>
+                <a:ea typeface="YuKyokasho Medium" panose="02000500000000000000" pitchFamily="2" charset="-128"/>
                 <a:cs typeface="Times New Roman" panose="02020603050405020304" pitchFamily="18" charset="0"/>
               </a:rPr>
-              <a:t>G. H. Low, et al., arXiv:1907.11679 (2019)</a:t>
-            </a:r>
-            <a:endParaRPr lang="ja-JP" altLang="en-US" sz="1600">
-              <a:solidFill>
-                <a:srgbClr val="002060"/>
-              </a:solidFill>
+              <a:t>長所と短所</a:t>
+            </a:r>
+            <a:r>
+              <a:rPr kumimoji="1" lang="en-US" altLang="ja-JP" sz="2400" b="1" u="sng" dirty="0">
+                <a:latin typeface="Times New Roman" panose="02020603050405020304" pitchFamily="18" charset="0"/>
+                <a:ea typeface="YuKyokasho Medium" panose="02000500000000000000" pitchFamily="2" charset="-128"/>
+                <a:cs typeface="Times New Roman" panose="02020603050405020304" pitchFamily="18" charset="0"/>
+              </a:rPr>
+              <a:t>:</a:t>
+            </a:r>
+            <a:endParaRPr kumimoji="1" lang="ja-JP" altLang="en-US" sz="2400" b="1" u="sng">
               <a:latin typeface="Times New Roman" panose="02020603050405020304" pitchFamily="18" charset="0"/>
+              <a:ea typeface="YuKyokasho Medium" panose="02000500000000000000" pitchFamily="2" charset="-128"/>
+              <a:cs typeface="Times New Roman" panose="02020603050405020304" pitchFamily="18" charset="0"/>
+            </a:endParaRPr>
+          </a:p>
+        </p:txBody>
+      </p:sp>
+      <p:sp>
+        <p:nvSpPr>
+          <p:cNvPr id="43" name="テキスト ボックス 42">
+            <a:extLst>
+              <a:ext uri="{FF2B5EF4-FFF2-40B4-BE49-F238E27FC236}">
+                <a16:creationId xmlns:a16="http://schemas.microsoft.com/office/drawing/2014/main" id="{035D18AA-E993-99FE-2323-5D69DF5EDED7}"/>
+              </a:ext>
+            </a:extLst>
+          </p:cNvPr>
+          <p:cNvSpPr txBox="1"/>
+          <p:nvPr/>
+        </p:nvSpPr>
+        <p:spPr>
+          <a:xfrm>
+            <a:off x="2446169" y="10025373"/>
+            <a:ext cx="10838592" cy="830997"/>
+          </a:xfrm>
+          <a:prstGeom prst="rect">
+            <a:avLst/>
+          </a:prstGeom>
+          <a:noFill/>
+        </p:spPr>
+        <p:txBody>
+          <a:bodyPr wrap="square" rtlCol="0">
+            <a:spAutoFit/>
+          </a:bodyPr>
+          <a:lstStyle/>
+          <a:p>
+            <a:r>
+              <a:rPr kumimoji="1" lang="ja-JP" altLang="en-US" sz="2400">
+                <a:latin typeface="Times New Roman" panose="02020603050405020304" pitchFamily="18" charset="0"/>
+                <a:ea typeface="YuKyokasho Medium" panose="02000500000000000000" pitchFamily="2" charset="-128"/>
+                <a:cs typeface="Times New Roman" panose="02020603050405020304" pitchFamily="18" charset="0"/>
+              </a:rPr>
+              <a:t>誤差依存性が指数的に良い</a:t>
+            </a:r>
+            <a:r>
+              <a:rPr kumimoji="1" lang="en-US" altLang="ja-JP" sz="2400" dirty="0">
+                <a:latin typeface="Times New Roman" panose="02020603050405020304" pitchFamily="18" charset="0"/>
+                <a:ea typeface="YuKyokasho Medium" panose="02000500000000000000" pitchFamily="2" charset="-128"/>
+                <a:cs typeface="Times New Roman" panose="02020603050405020304" pitchFamily="18" charset="0"/>
+              </a:rPr>
+              <a:t>, </a:t>
+            </a:r>
+            <a:r>
+              <a:rPr kumimoji="1" lang="ja-JP" altLang="en-US" sz="2400">
+                <a:latin typeface="Times New Roman" panose="02020603050405020304" pitchFamily="18" charset="0"/>
+                <a:ea typeface="YuKyokasho Medium" panose="02000500000000000000" pitchFamily="2" charset="-128"/>
+                <a:cs typeface="Times New Roman" panose="02020603050405020304" pitchFamily="18" charset="0"/>
+              </a:rPr>
+              <a:t>クエリ複雑性は理論上ベスト</a:t>
+            </a:r>
+            <a:r>
+              <a:rPr kumimoji="1" lang="en-US" altLang="ja-JP" sz="2400" dirty="0">
+                <a:latin typeface="Times New Roman" panose="02020603050405020304" pitchFamily="18" charset="0"/>
+                <a:ea typeface="YuKyokasho Medium" panose="02000500000000000000" pitchFamily="2" charset="-128"/>
+                <a:cs typeface="Times New Roman" panose="02020603050405020304" pitchFamily="18" charset="0"/>
+              </a:rPr>
+              <a:t> </a:t>
+            </a:r>
+          </a:p>
+          <a:p>
+            <a:pPr algn="r"/>
+            <a:r>
+              <a:rPr kumimoji="1" lang="en-US" altLang="ja-JP" sz="2400" dirty="0">
+                <a:latin typeface="Times New Roman" panose="02020603050405020304" pitchFamily="18" charset="0"/>
+                <a:ea typeface="YuKyokasho Medium" panose="02000500000000000000" pitchFamily="2" charset="-128"/>
+                <a:cs typeface="Times New Roman" panose="02020603050405020304" pitchFamily="18" charset="0"/>
+              </a:rPr>
+              <a:t>/ </a:t>
+            </a:r>
+            <a:r>
+              <a:rPr kumimoji="1" lang="ja-JP" altLang="en-US" sz="2400">
+                <a:latin typeface="Times New Roman" panose="02020603050405020304" pitchFamily="18" charset="0"/>
+                <a:ea typeface="YuKyokasho Medium" panose="02000500000000000000" pitchFamily="2" charset="-128"/>
+                <a:cs typeface="Times New Roman" panose="02020603050405020304" pitchFamily="18" charset="0"/>
+              </a:rPr>
+              <a:t>ブロック埋め込みの実装が容易でない</a:t>
+            </a:r>
+            <a:r>
+              <a:rPr kumimoji="1" lang="en-US" altLang="ja-JP" sz="2000" dirty="0">
+                <a:latin typeface="Times New Roman" panose="02020603050405020304" pitchFamily="18" charset="0"/>
+                <a:ea typeface="YuKyokasho Medium" panose="02000500000000000000" pitchFamily="2" charset="-128"/>
+                <a:cs typeface="Times New Roman" panose="02020603050405020304" pitchFamily="18" charset="0"/>
+              </a:rPr>
+              <a:t>(Toffoli, </a:t>
+            </a:r>
+            <a:r>
+              <a:rPr kumimoji="1" lang="ja-JP" altLang="en-US" sz="2000">
+                <a:latin typeface="Times New Roman" panose="02020603050405020304" pitchFamily="18" charset="0"/>
+                <a:ea typeface="YuKyokasho Medium" panose="02000500000000000000" pitchFamily="2" charset="-128"/>
+                <a:cs typeface="Times New Roman" panose="02020603050405020304" pitchFamily="18" charset="0"/>
+              </a:rPr>
+              <a:t>補助系</a:t>
+            </a:r>
+            <a:r>
+              <a:rPr kumimoji="1" lang="en-US" altLang="ja-JP" sz="2000" dirty="0">
+                <a:latin typeface="Times New Roman" panose="02020603050405020304" pitchFamily="18" charset="0"/>
+                <a:ea typeface="YuKyokasho Medium" panose="02000500000000000000" pitchFamily="2" charset="-128"/>
+                <a:cs typeface="Times New Roman" panose="02020603050405020304" pitchFamily="18" charset="0"/>
+              </a:rPr>
+              <a:t>,</a:t>
+            </a:r>
+            <a:r>
+              <a:rPr kumimoji="1" lang="ja-JP" altLang="en-US" sz="2000">
+                <a:latin typeface="Times New Roman" panose="02020603050405020304" pitchFamily="18" charset="0"/>
+                <a:ea typeface="YuKyokasho Medium" panose="02000500000000000000" pitchFamily="2" charset="-128"/>
+                <a:cs typeface="Times New Roman" panose="02020603050405020304" pitchFamily="18" charset="0"/>
+              </a:rPr>
+              <a:t>長距離の制御</a:t>
+            </a:r>
+            <a:r>
+              <a:rPr kumimoji="1" lang="en-US" altLang="ja-JP" sz="2000" dirty="0">
+                <a:latin typeface="Times New Roman" panose="02020603050405020304" pitchFamily="18" charset="0"/>
+                <a:ea typeface="YuKyokasho Medium" panose="02000500000000000000" pitchFamily="2" charset="-128"/>
+                <a:cs typeface="Times New Roman" panose="02020603050405020304" pitchFamily="18" charset="0"/>
+              </a:rPr>
+              <a:t>U)</a:t>
+            </a:r>
+            <a:endParaRPr kumimoji="1" lang="ja-JP" altLang="en-US" sz="2400">
+              <a:latin typeface="Times New Roman" panose="02020603050405020304" pitchFamily="18" charset="0"/>
+              <a:ea typeface="YuKyokasho Medium" panose="02000500000000000000" pitchFamily="2" charset="-128"/>
               <a:cs typeface="Times New Roman" panose="02020603050405020304" pitchFamily="18" charset="0"/>
             </a:endParaRPr>
           </a:p>
